--- a/doc/Development of an Intermittent Computing Architecture for Machine.pptx
+++ b/doc/Development of an Intermittent Computing Architecture for Machine.pptx
@@ -5,7 +5,7 @@
     <p:sldMasterId id="2147483660" r:id="rId4"/>
   </p:sldMasterIdLst>
   <p:notesMasterIdLst>
-    <p:notesMasterId r:id="rId36"/>
+    <p:notesMasterId r:id="rId38"/>
   </p:notesMasterIdLst>
   <p:sldIdLst>
     <p:sldId id="278" r:id="rId5"/>
@@ -33,12 +33,14 @@
     <p:sldId id="306" r:id="rId27"/>
     <p:sldId id="307" r:id="rId28"/>
     <p:sldId id="315" r:id="rId29"/>
-    <p:sldId id="304" r:id="rId30"/>
-    <p:sldId id="303" r:id="rId31"/>
-    <p:sldId id="308" r:id="rId32"/>
-    <p:sldId id="310" r:id="rId33"/>
-    <p:sldId id="311" r:id="rId34"/>
-    <p:sldId id="312" r:id="rId35"/>
+    <p:sldId id="317" r:id="rId30"/>
+    <p:sldId id="312" r:id="rId31"/>
+    <p:sldId id="304" r:id="rId32"/>
+    <p:sldId id="303" r:id="rId33"/>
+    <p:sldId id="308" r:id="rId34"/>
+    <p:sldId id="310" r:id="rId35"/>
+    <p:sldId id="311" r:id="rId36"/>
+    <p:sldId id="316" r:id="rId37"/>
   </p:sldIdLst>
   <p:sldSz cx="12192000" cy="6858000"/>
   <p:notesSz cx="6858000" cy="9144000"/>
@@ -171,12 +173,14 @@
             <p14:sldId id="306"/>
             <p14:sldId id="307"/>
             <p14:sldId id="315"/>
+            <p14:sldId id="317"/>
+            <p14:sldId id="312"/>
             <p14:sldId id="304"/>
             <p14:sldId id="303"/>
             <p14:sldId id="308"/>
             <p14:sldId id="310"/>
             <p14:sldId id="311"/>
-            <p14:sldId id="312"/>
+            <p14:sldId id="316"/>
           </p14:sldIdLst>
         </p14:section>
       </p14:sectionLst>
@@ -516,7 +520,7 @@
           <a:p>
             <a:fld id="{AFD01546-198A-4195-BCF8-F0FF54C90E5E}" type="datetimeFigureOut">
               <a:rPr lang="en-US" smtClean="0"/>
-              <a:t>5/27/2022</a:t>
+              <a:t>5/29/2022</a:t>
             </a:fld>
             <a:endParaRPr lang="en-US" dirty="0"/>
           </a:p>
@@ -1112,7 +1116,7 @@
           <a:p>
             <a:fld id="{88D38747-4367-4BD2-8D51-C97E202738E2}" type="datetime1">
               <a:rPr lang="en-US" smtClean="0"/>
-              <a:t>5/27/2022</a:t>
+              <a:t>5/29/2022</a:t>
             </a:fld>
             <a:endParaRPr lang="en-US" dirty="0"/>
           </a:p>
@@ -1417,7 +1421,7 @@
           <a:p>
             <a:fld id="{11F1B079-7EF0-44EE-B798-BCC497C9F3B2}" type="datetime1">
               <a:rPr lang="en-US" smtClean="0"/>
-              <a:t>5/27/2022</a:t>
+              <a:t>5/29/2022</a:t>
             </a:fld>
             <a:endParaRPr lang="en-US" dirty="0"/>
           </a:p>
@@ -1611,7 +1615,7 @@
           <a:p>
             <a:fld id="{28FF70A8-1D13-4657-95F0-A9EA54967B8D}" type="datetime1">
               <a:rPr lang="en-US" smtClean="0"/>
-              <a:t>5/27/2022</a:t>
+              <a:t>5/29/2022</a:t>
             </a:fld>
             <a:endParaRPr lang="en-US" dirty="0"/>
           </a:p>
@@ -1874,7 +1878,7 @@
           <a:p>
             <a:fld id="{21EB90AC-71BD-4C7F-8ACA-7B3F18292E63}" type="datetime1">
               <a:rPr lang="en-US" smtClean="0"/>
-              <a:t>5/27/2022</a:t>
+              <a:t>5/29/2022</a:t>
             </a:fld>
             <a:endParaRPr lang="en-US" dirty="0"/>
           </a:p>
@@ -2310,7 +2314,7 @@
           <a:p>
             <a:fld id="{4E6EFC2C-8905-46F0-B443-CE905B76BA01}" type="datetime1">
               <a:rPr lang="en-US" smtClean="0"/>
-              <a:t>5/27/2022</a:t>
+              <a:t>5/29/2022</a:t>
             </a:fld>
             <a:endParaRPr lang="en-US" dirty="0"/>
           </a:p>
@@ -2847,7 +2851,7 @@
           <a:p>
             <a:fld id="{D9079DC3-C9B5-499E-9140-0DC28B7074E2}" type="datetime1">
               <a:rPr lang="en-US" smtClean="0"/>
-              <a:t>5/27/2022</a:t>
+              <a:t>5/29/2022</a:t>
             </a:fld>
             <a:endParaRPr lang="en-US" dirty="0"/>
           </a:p>
@@ -3729,7 +3733,7 @@
           <a:p>
             <a:fld id="{30BB33EA-E472-4D22-9C03-A9C14AA21CED}" type="datetime1">
               <a:rPr lang="en-US" smtClean="0"/>
-              <a:t>5/27/2022</a:t>
+              <a:t>5/29/2022</a:t>
             </a:fld>
             <a:endParaRPr lang="en-US" dirty="0"/>
           </a:p>
@@ -3899,7 +3903,7 @@
           <a:p>
             <a:fld id="{73C55A3C-5767-4844-A0A3-83778C2E5409}" type="datetime1">
               <a:rPr lang="en-US" smtClean="0"/>
-              <a:t>5/27/2022</a:t>
+              <a:t>5/29/2022</a:t>
             </a:fld>
             <a:endParaRPr lang="en-US" dirty="0"/>
           </a:p>
@@ -4143,7 +4147,7 @@
           <a:p>
             <a:fld id="{CAE507A8-A5CF-4D38-AB86-7EDDA87A85D4}" type="datetime1">
               <a:rPr lang="en-US" smtClean="0"/>
-              <a:t>5/27/2022</a:t>
+              <a:t>5/29/2022</a:t>
             </a:fld>
             <a:endParaRPr lang="en-US" dirty="0"/>
           </a:p>
@@ -4385,7 +4389,7 @@
           <a:p>
             <a:fld id="{BDFCD27C-8599-43EF-BA1D-14DDC1946E06}" type="datetime1">
               <a:rPr lang="en-US" smtClean="0"/>
-              <a:t>5/27/2022</a:t>
+              <a:t>5/29/2022</a:t>
             </a:fld>
             <a:endParaRPr lang="en-US" dirty="0"/>
           </a:p>
@@ -4868,7 +4872,7 @@
           <a:p>
             <a:fld id="{49343D99-809A-49C0-96E5-4250D0B498EE}" type="datetime1">
               <a:rPr lang="en-US" smtClean="0"/>
-              <a:t>5/27/2022</a:t>
+              <a:t>5/29/2022</a:t>
             </a:fld>
             <a:endParaRPr lang="en-US" dirty="0"/>
           </a:p>
@@ -4986,7 +4990,7 @@
           <a:p>
             <a:fld id="{A143DE9B-B678-4EFB-BB7D-A4370204A0B0}" type="datetime1">
               <a:rPr lang="en-US" smtClean="0"/>
-              <a:t>5/27/2022</a:t>
+              <a:t>5/29/2022</a:t>
             </a:fld>
             <a:endParaRPr lang="en-US" dirty="0"/>
           </a:p>
@@ -5081,7 +5085,7 @@
           <a:p>
             <a:fld id="{E68812DA-F765-4142-A6A3-A8ED7235E082}" type="datetime1">
               <a:rPr lang="en-US" smtClean="0"/>
-              <a:t>5/27/2022</a:t>
+              <a:t>5/29/2022</a:t>
             </a:fld>
             <a:endParaRPr lang="en-US" dirty="0"/>
           </a:p>
@@ -5336,7 +5340,7 @@
           <a:p>
             <a:fld id="{3E0277FD-7DE6-41D4-930D-AC99F5AFE54E}" type="datetime1">
               <a:rPr lang="en-US" smtClean="0"/>
-              <a:t>5/27/2022</a:t>
+              <a:t>5/29/2022</a:t>
             </a:fld>
             <a:endParaRPr lang="en-US" dirty="0"/>
           </a:p>
@@ -5643,7 +5647,7 @@
           <a:p>
             <a:fld id="{9EA15526-7079-4B7B-987C-1B5FAE11A0FF}" type="datetime1">
               <a:rPr lang="en-US" smtClean="0"/>
-              <a:t>5/27/2022</a:t>
+              <a:t>5/29/2022</a:t>
             </a:fld>
             <a:endParaRPr lang="en-US" dirty="0"/>
           </a:p>
@@ -5878,7 +5882,7 @@
           <a:p>
             <a:fld id="{073ED0CC-082F-4160-86E5-0D6041F12778}" type="datetime1">
               <a:rPr lang="en-US" smtClean="0"/>
-              <a:t>5/27/2022</a:t>
+              <a:t>5/29/2022</a:t>
             </a:fld>
             <a:endParaRPr lang="en-US" dirty="0"/>
           </a:p>
@@ -17539,8 +17543,8 @@
         </p:nvSpPr>
         <p:spPr>
           <a:xfrm>
-            <a:off x="834013" y="1115568"/>
-            <a:ext cx="3487616" cy="4626864"/>
+            <a:off x="743636" y="2272284"/>
+            <a:ext cx="3487616" cy="2313432"/>
           </a:xfrm>
         </p:spPr>
         <p:txBody>
@@ -17640,8 +17644,8 @@
         </p:nvSpPr>
         <p:spPr>
           <a:xfrm>
-            <a:off x="5105398" y="1115568"/>
-            <a:ext cx="6245352" cy="4626864"/>
+            <a:off x="5300627" y="914400"/>
+            <a:ext cx="6245352" cy="5314122"/>
           </a:xfrm>
         </p:spPr>
         <p:txBody>
@@ -17651,181 +17655,29 @@
           <a:lstStyle/>
           <a:p>
             <a:r>
+              <a:rPr lang="it-IT" dirty="0"/>
+              <a:t>NORM Framework </a:t>
+            </a:r>
+            <a:r>
               <a:rPr lang="it-IT" dirty="0" err="1"/>
-              <a:t>During</a:t>
+              <a:t>Overview</a:t>
+            </a:r>
+            <a:endParaRPr lang="it-IT" dirty="0"/>
+          </a:p>
+          <a:p>
+            <a:r>
+              <a:rPr lang="it-IT" dirty="0" err="1"/>
+              <a:t>Coupling</a:t>
             </a:r>
             <a:r>
               <a:rPr lang="it-IT" dirty="0"/>
-              <a:t> the DNN </a:t>
-            </a:r>
-            <a:r>
-              <a:rPr lang="it-IT" dirty="0" err="1"/>
-              <a:t>computation</a:t>
-            </a:r>
-            <a:r>
-              <a:rPr lang="it-IT" dirty="0"/>
-              <a:t>, </a:t>
-            </a:r>
-            <a:r>
-              <a:rPr lang="it-IT" dirty="0" err="1"/>
-              <a:t>only</a:t>
-            </a:r>
-            <a:r>
-              <a:rPr lang="it-IT" dirty="0"/>
-              <a:t> one </a:t>
-            </a:r>
-            <a:r>
-              <a:rPr lang="it-IT" dirty="0" err="1"/>
-              <a:t>layer</a:t>
-            </a:r>
-            <a:r>
-              <a:rPr lang="it-IT" dirty="0"/>
-              <a:t> </a:t>
-            </a:r>
-            <a:r>
-              <a:rPr lang="it-IT" dirty="0" err="1"/>
-              <a:t>is</a:t>
-            </a:r>
-            <a:r>
-              <a:rPr lang="it-IT" dirty="0"/>
-              <a:t> </a:t>
-            </a:r>
-            <a:r>
-              <a:rPr lang="it-IT" dirty="0" err="1"/>
-              <a:t>actived</a:t>
-            </a:r>
-            <a:r>
-              <a:rPr lang="it-IT" dirty="0"/>
-              <a:t>, </a:t>
-            </a:r>
-            <a:r>
-              <a:rPr lang="it-IT" dirty="0" err="1"/>
-              <a:t>which</a:t>
-            </a:r>
-            <a:r>
-              <a:rPr lang="it-IT" dirty="0"/>
-              <a:t> fetches data from the </a:t>
-            </a:r>
-            <a:r>
-              <a:rPr lang="it-IT" dirty="0" err="1"/>
-              <a:t>previous</a:t>
-            </a:r>
-            <a:r>
-              <a:rPr lang="it-IT" dirty="0"/>
-              <a:t> </a:t>
-            </a:r>
-            <a:r>
-              <a:rPr lang="it-IT" dirty="0" err="1"/>
-              <a:t>layer</a:t>
-            </a:r>
-            <a:r>
-              <a:rPr lang="it-IT" dirty="0"/>
-              <a:t>. So </a:t>
-            </a:r>
-            <a:r>
-              <a:rPr lang="it-IT" dirty="0" err="1"/>
-              <a:t>if</a:t>
-            </a:r>
-            <a:r>
-              <a:rPr lang="it-IT" dirty="0"/>
-              <a:t> an hazard </a:t>
-            </a:r>
-            <a:r>
-              <a:rPr lang="it-IT" dirty="0" err="1"/>
-              <a:t>occurs</a:t>
-            </a:r>
-            <a:r>
-              <a:rPr lang="it-IT" dirty="0"/>
-              <a:t> </a:t>
-            </a:r>
-            <a:r>
-              <a:rPr lang="it-IT" b="1" dirty="0" err="1"/>
-              <a:t>we</a:t>
-            </a:r>
-            <a:r>
-              <a:rPr lang="it-IT" b="1" dirty="0"/>
-              <a:t> </a:t>
-            </a:r>
-            <a:r>
-              <a:rPr lang="it-IT" b="1" dirty="0" err="1"/>
-              <a:t>need</a:t>
-            </a:r>
-            <a:r>
-              <a:rPr lang="it-IT" b="1" dirty="0"/>
-              <a:t> to </a:t>
-            </a:r>
-            <a:r>
-              <a:rPr lang="it-IT" b="1" dirty="0" err="1"/>
-              <a:t>save</a:t>
-            </a:r>
-            <a:r>
-              <a:rPr lang="it-IT" b="1" dirty="0"/>
-              <a:t> the </a:t>
-            </a:r>
-            <a:r>
-              <a:rPr lang="it-IT" b="1" dirty="0" err="1"/>
-              <a:t>relevant</a:t>
-            </a:r>
-            <a:r>
-              <a:rPr lang="it-IT" b="1" dirty="0"/>
-              <a:t> </a:t>
-            </a:r>
-            <a:r>
-              <a:rPr lang="it-IT" b="1" dirty="0" err="1"/>
-              <a:t>registers</a:t>
-            </a:r>
-            <a:r>
-              <a:rPr lang="it-IT" b="1" dirty="0"/>
-              <a:t> of the </a:t>
-            </a:r>
-            <a:r>
-              <a:rPr lang="it-IT" b="1" dirty="0" err="1"/>
-              <a:t>currently</a:t>
-            </a:r>
-            <a:r>
-              <a:rPr lang="it-IT" b="1" dirty="0"/>
-              <a:t> </a:t>
-            </a:r>
-            <a:r>
-              <a:rPr lang="it-IT" b="1" dirty="0" err="1"/>
-              <a:t>active</a:t>
-            </a:r>
-            <a:r>
-              <a:rPr lang="it-IT" b="1" dirty="0"/>
-              <a:t> </a:t>
-            </a:r>
-            <a:r>
-              <a:rPr lang="it-IT" b="1" dirty="0" err="1"/>
-              <a:t>layer</a:t>
-            </a:r>
-            <a:r>
-              <a:rPr lang="it-IT" b="1" dirty="0"/>
-              <a:t> and the </a:t>
-            </a:r>
-            <a:r>
-              <a:rPr lang="it-IT" b="1" dirty="0" err="1"/>
-              <a:t>neurons</a:t>
-            </a:r>
-            <a:r>
-              <a:rPr lang="it-IT" b="1" dirty="0"/>
-              <a:t>’ output of the </a:t>
-            </a:r>
-            <a:r>
-              <a:rPr lang="it-IT" b="1" dirty="0" err="1"/>
-              <a:t>previous</a:t>
-            </a:r>
-            <a:r>
-              <a:rPr lang="it-IT" b="1" dirty="0"/>
-              <a:t> </a:t>
-            </a:r>
-            <a:r>
-              <a:rPr lang="it-IT" b="1" dirty="0" err="1"/>
-              <a:t>layer</a:t>
-            </a:r>
-            <a:r>
-              <a:rPr lang="it-IT" b="1" dirty="0"/>
-              <a:t>.</a:t>
-            </a:r>
+              <a:t> with NORM</a:t>
+            </a:r>
+          </a:p>
+          <a:p>
+            <a:endParaRPr lang="it-IT" dirty="0"/>
+          </a:p>
+          <a:p>
             <a:endParaRPr lang="en-US" b="1" dirty="0"/>
           </a:p>
         </p:txBody>
@@ -19306,6 +19158,1438 @@
       </p:grpSpPr>
       <p:sp>
         <p:nvSpPr>
+          <p:cNvPr id="2" name="Title 1">
+            <a:extLst>
+              <a:ext uri="{FF2B5EF4-FFF2-40B4-BE49-F238E27FC236}">
+                <a16:creationId xmlns:a16="http://schemas.microsoft.com/office/drawing/2014/main" id="{320D1574-660F-F302-B03B-6FAAFFECE5B3}"/>
+              </a:ext>
+            </a:extLst>
+          </p:cNvPr>
+          <p:cNvSpPr>
+            <a:spLocks noGrp="1"/>
+          </p:cNvSpPr>
+          <p:nvPr>
+            <p:ph type="title"/>
+          </p:nvPr>
+        </p:nvSpPr>
+        <p:spPr>
+          <a:xfrm>
+            <a:off x="919119" y="119270"/>
+            <a:ext cx="10353762" cy="1257300"/>
+          </a:xfrm>
+        </p:spPr>
+        <p:txBody>
+          <a:bodyPr/>
+          <a:lstStyle/>
+          <a:p>
+            <a:r>
+              <a:rPr lang="it-IT" dirty="0"/>
+              <a:t>OVERALL ARCHITECTURE</a:t>
+            </a:r>
+            <a:endParaRPr lang="en-US" dirty="0"/>
+          </a:p>
+        </p:txBody>
+      </p:sp>
+      <p:pic>
+        <p:nvPicPr>
+          <p:cNvPr id="4" name="Picture 3" descr="Diagram&#10;&#10;Description automatically generated">
+            <a:extLst>
+              <a:ext uri="{FF2B5EF4-FFF2-40B4-BE49-F238E27FC236}">
+                <a16:creationId xmlns:a16="http://schemas.microsoft.com/office/drawing/2014/main" id="{6955EC8D-9C54-A457-667B-4D5B54C61F7C}"/>
+              </a:ext>
+            </a:extLst>
+          </p:cNvPr>
+          <p:cNvPicPr>
+            <a:picLocks noChangeAspect="1"/>
+          </p:cNvPicPr>
+          <p:nvPr/>
+        </p:nvPicPr>
+        <p:blipFill>
+          <a:blip r:embed="rId2"/>
+          <a:stretch>
+            <a:fillRect/>
+          </a:stretch>
+        </p:blipFill>
+        <p:spPr>
+          <a:xfrm>
+            <a:off x="630758" y="1523762"/>
+            <a:ext cx="8194625" cy="4586751"/>
+          </a:xfrm>
+          <a:prstGeom prst="rect">
+            <a:avLst/>
+          </a:prstGeom>
+        </p:spPr>
+      </p:pic>
+      <p:sp>
+        <p:nvSpPr>
+          <p:cNvPr id="5" name="Rectangle 4">
+            <a:extLst>
+              <a:ext uri="{FF2B5EF4-FFF2-40B4-BE49-F238E27FC236}">
+                <a16:creationId xmlns:a16="http://schemas.microsoft.com/office/drawing/2014/main" id="{2E170B35-40C2-5693-4D77-AA59BE7EF68B}"/>
+              </a:ext>
+            </a:extLst>
+          </p:cNvPr>
+          <p:cNvSpPr/>
+          <p:nvPr/>
+        </p:nvSpPr>
+        <p:spPr>
+          <a:xfrm>
+            <a:off x="817519" y="2104571"/>
+            <a:ext cx="1112881" cy="188966"/>
+          </a:xfrm>
+          <a:prstGeom prst="rect">
+            <a:avLst/>
+          </a:prstGeom>
+          <a:solidFill>
+            <a:srgbClr val="FFFF00"/>
+          </a:solidFill>
+          <a:ln>
+            <a:solidFill>
+              <a:schemeClr val="bg1"/>
+            </a:solidFill>
+          </a:ln>
+        </p:spPr>
+        <p:style>
+          <a:lnRef idx="2">
+            <a:schemeClr val="accent1">
+              <a:shade val="50000"/>
+            </a:schemeClr>
+          </a:lnRef>
+          <a:fillRef idx="1">
+            <a:schemeClr val="accent1"/>
+          </a:fillRef>
+          <a:effectRef idx="0">
+            <a:schemeClr val="accent1"/>
+          </a:effectRef>
+          <a:fontRef idx="minor">
+            <a:schemeClr val="lt1"/>
+          </a:fontRef>
+        </p:style>
+        <p:txBody>
+          <a:bodyPr rtlCol="0" anchor="ctr"/>
+          <a:lstStyle/>
+          <a:p>
+            <a:pPr algn="ctr"/>
+            <a:r>
+              <a:rPr lang="it-IT" sz="800" dirty="0">
+                <a:solidFill>
+                  <a:srgbClr val="FF0000"/>
+                </a:solidFill>
+              </a:rPr>
+              <a:t>POWER_RESET</a:t>
+            </a:r>
+            <a:endParaRPr lang="en-US" sz="800" dirty="0">
+              <a:solidFill>
+                <a:srgbClr val="FF0000"/>
+              </a:solidFill>
+            </a:endParaRPr>
+          </a:p>
+        </p:txBody>
+      </p:sp>
+      <p:sp>
+        <p:nvSpPr>
+          <p:cNvPr id="6" name="Rectangle 5">
+            <a:extLst>
+              <a:ext uri="{FF2B5EF4-FFF2-40B4-BE49-F238E27FC236}">
+                <a16:creationId xmlns:a16="http://schemas.microsoft.com/office/drawing/2014/main" id="{C85FF329-32FF-6C43-2AA5-6987FF07291E}"/>
+              </a:ext>
+            </a:extLst>
+          </p:cNvPr>
+          <p:cNvSpPr/>
+          <p:nvPr/>
+        </p:nvSpPr>
+        <p:spPr>
+          <a:xfrm>
+            <a:off x="9028583" y="4534045"/>
+            <a:ext cx="1680254" cy="998848"/>
+          </a:xfrm>
+          <a:prstGeom prst="rect">
+            <a:avLst/>
+          </a:prstGeom>
+          <a:solidFill>
+            <a:srgbClr val="FFFF00"/>
+          </a:solidFill>
+          <a:ln>
+            <a:solidFill>
+              <a:schemeClr val="bg1"/>
+            </a:solidFill>
+          </a:ln>
+        </p:spPr>
+        <p:style>
+          <a:lnRef idx="2">
+            <a:schemeClr val="accent1">
+              <a:shade val="50000"/>
+            </a:schemeClr>
+          </a:lnRef>
+          <a:fillRef idx="1">
+            <a:schemeClr val="accent1"/>
+          </a:fillRef>
+          <a:effectRef idx="0">
+            <a:schemeClr val="accent1"/>
+          </a:effectRef>
+          <a:fontRef idx="minor">
+            <a:schemeClr val="lt1"/>
+          </a:fontRef>
+        </p:style>
+        <p:txBody>
+          <a:bodyPr rtlCol="0" anchor="ctr"/>
+          <a:lstStyle/>
+          <a:p>
+            <a:pPr algn="ctr"/>
+            <a:r>
+              <a:rPr lang="it-IT" dirty="0">
+                <a:solidFill>
+                  <a:srgbClr val="FF0000"/>
+                </a:solidFill>
+              </a:rPr>
+              <a:t>NV_REG</a:t>
+            </a:r>
+            <a:endParaRPr lang="en-US" dirty="0">
+              <a:solidFill>
+                <a:srgbClr val="FF0000"/>
+              </a:solidFill>
+            </a:endParaRPr>
+          </a:p>
+        </p:txBody>
+      </p:sp>
+      <p:sp>
+        <p:nvSpPr>
+          <p:cNvPr id="7" name="Rectangle 6">
+            <a:extLst>
+              <a:ext uri="{FF2B5EF4-FFF2-40B4-BE49-F238E27FC236}">
+                <a16:creationId xmlns:a16="http://schemas.microsoft.com/office/drawing/2014/main" id="{4250A623-CF9A-F8B4-5C58-6921A6E3948B}"/>
+              </a:ext>
+            </a:extLst>
+          </p:cNvPr>
+          <p:cNvSpPr/>
+          <p:nvPr/>
+        </p:nvSpPr>
+        <p:spPr>
+          <a:xfrm>
+            <a:off x="9028583" y="3068562"/>
+            <a:ext cx="1680254" cy="1133455"/>
+          </a:xfrm>
+          <a:prstGeom prst="rect">
+            <a:avLst/>
+          </a:prstGeom>
+          <a:solidFill>
+            <a:srgbClr val="FFFF00"/>
+          </a:solidFill>
+          <a:ln>
+            <a:solidFill>
+              <a:schemeClr val="bg1"/>
+            </a:solidFill>
+          </a:ln>
+        </p:spPr>
+        <p:style>
+          <a:lnRef idx="2">
+            <a:schemeClr val="accent1">
+              <a:shade val="50000"/>
+            </a:schemeClr>
+          </a:lnRef>
+          <a:fillRef idx="1">
+            <a:schemeClr val="accent1"/>
+          </a:fillRef>
+          <a:effectRef idx="0">
+            <a:schemeClr val="accent1"/>
+          </a:effectRef>
+          <a:fontRef idx="minor">
+            <a:schemeClr val="lt1"/>
+          </a:fontRef>
+        </p:style>
+        <p:txBody>
+          <a:bodyPr rtlCol="0" anchor="ctr"/>
+          <a:lstStyle/>
+          <a:p>
+            <a:pPr algn="ctr"/>
+            <a:r>
+              <a:rPr lang="it-IT" dirty="0">
+                <a:solidFill>
+                  <a:srgbClr val="FF0000"/>
+                </a:solidFill>
+              </a:rPr>
+              <a:t>FSM_NV_REG</a:t>
+            </a:r>
+            <a:endParaRPr lang="en-US" dirty="0">
+              <a:solidFill>
+                <a:srgbClr val="FF0000"/>
+              </a:solidFill>
+            </a:endParaRPr>
+          </a:p>
+        </p:txBody>
+      </p:sp>
+      <p:sp>
+        <p:nvSpPr>
+          <p:cNvPr id="8" name="Arrow: Left-Right 7">
+            <a:extLst>
+              <a:ext uri="{FF2B5EF4-FFF2-40B4-BE49-F238E27FC236}">
+                <a16:creationId xmlns:a16="http://schemas.microsoft.com/office/drawing/2014/main" id="{524494B1-D44E-6C19-77CD-35ECB4F63CCF}"/>
+              </a:ext>
+            </a:extLst>
+          </p:cNvPr>
+          <p:cNvSpPr/>
+          <p:nvPr/>
+        </p:nvSpPr>
+        <p:spPr>
+          <a:xfrm>
+            <a:off x="7910983" y="3336840"/>
+            <a:ext cx="1117600" cy="596900"/>
+          </a:xfrm>
+          <a:prstGeom prst="leftRightArrow">
+            <a:avLst/>
+          </a:prstGeom>
+          <a:solidFill>
+            <a:srgbClr val="FFFF00"/>
+          </a:solidFill>
+          <a:ln>
+            <a:solidFill>
+              <a:schemeClr val="bg1"/>
+            </a:solidFill>
+          </a:ln>
+        </p:spPr>
+        <p:style>
+          <a:lnRef idx="2">
+            <a:schemeClr val="accent1">
+              <a:shade val="50000"/>
+            </a:schemeClr>
+          </a:lnRef>
+          <a:fillRef idx="1">
+            <a:schemeClr val="accent1"/>
+          </a:fillRef>
+          <a:effectRef idx="0">
+            <a:schemeClr val="accent1"/>
+          </a:effectRef>
+          <a:fontRef idx="minor">
+            <a:schemeClr val="lt1"/>
+          </a:fontRef>
+        </p:style>
+        <p:txBody>
+          <a:bodyPr rtlCol="0" anchor="ctr"/>
+          <a:lstStyle/>
+          <a:p>
+            <a:pPr algn="ctr"/>
+            <a:endParaRPr lang="en-US"/>
+          </a:p>
+        </p:txBody>
+      </p:sp>
+      <p:sp>
+        <p:nvSpPr>
+          <p:cNvPr id="9" name="Arrow: Left-Right 8">
+            <a:extLst>
+              <a:ext uri="{FF2B5EF4-FFF2-40B4-BE49-F238E27FC236}">
+                <a16:creationId xmlns:a16="http://schemas.microsoft.com/office/drawing/2014/main" id="{BD04DC88-F9EE-F29C-36B4-22FD002E5EAF}"/>
+              </a:ext>
+            </a:extLst>
+          </p:cNvPr>
+          <p:cNvSpPr/>
+          <p:nvPr/>
+        </p:nvSpPr>
+        <p:spPr>
+          <a:xfrm>
+            <a:off x="7927672" y="4735019"/>
+            <a:ext cx="1100911" cy="596900"/>
+          </a:xfrm>
+          <a:prstGeom prst="leftRightArrow">
+            <a:avLst/>
+          </a:prstGeom>
+          <a:solidFill>
+            <a:srgbClr val="FFFF00"/>
+          </a:solidFill>
+          <a:ln>
+            <a:solidFill>
+              <a:schemeClr val="bg1"/>
+            </a:solidFill>
+          </a:ln>
+        </p:spPr>
+        <p:style>
+          <a:lnRef idx="2">
+            <a:schemeClr val="accent1">
+              <a:shade val="50000"/>
+            </a:schemeClr>
+          </a:lnRef>
+          <a:fillRef idx="1">
+            <a:schemeClr val="accent1"/>
+          </a:fillRef>
+          <a:effectRef idx="0">
+            <a:schemeClr val="accent1"/>
+          </a:effectRef>
+          <a:fontRef idx="minor">
+            <a:schemeClr val="lt1"/>
+          </a:fontRef>
+        </p:style>
+        <p:txBody>
+          <a:bodyPr rtlCol="0" anchor="ctr"/>
+          <a:lstStyle/>
+          <a:p>
+            <a:pPr algn="ctr"/>
+            <a:endParaRPr lang="en-US"/>
+          </a:p>
+        </p:txBody>
+      </p:sp>
+    </p:spTree>
+    <p:extLst>
+      <p:ext uri="{BB962C8B-B14F-4D97-AF65-F5344CB8AC3E}">
+        <p14:creationId xmlns:p14="http://schemas.microsoft.com/office/powerpoint/2010/main" val="3595152642"/>
+      </p:ext>
+    </p:extLst>
+  </p:cSld>
+  <p:clrMapOvr>
+    <a:masterClrMapping/>
+  </p:clrMapOvr>
+</p:sld>
+</file>
+
+<file path=ppt/slides/slide27.xml><?xml version="1.0" encoding="utf-8"?>
+<p:sld xmlns:a="http://schemas.openxmlformats.org/drawingml/2006/main" xmlns:r="http://schemas.openxmlformats.org/officeDocument/2006/relationships" xmlns:p="http://schemas.openxmlformats.org/presentationml/2006/main">
+  <p:cSld>
+    <p:spTree>
+      <p:nvGrpSpPr>
+        <p:cNvPr id="1" name=""/>
+        <p:cNvGrpSpPr/>
+        <p:nvPr/>
+      </p:nvGrpSpPr>
+      <p:grpSpPr>
+        <a:xfrm>
+          <a:off x="0" y="0"/>
+          <a:ext cx="0" cy="0"/>
+          <a:chOff x="0" y="0"/>
+          <a:chExt cx="0" cy="0"/>
+        </a:xfrm>
+      </p:grpSpPr>
+      <p:sp>
+        <p:nvSpPr>
+          <p:cNvPr id="5" name="Rectangle 4">
+            <a:extLst>
+              <a:ext uri="{FF2B5EF4-FFF2-40B4-BE49-F238E27FC236}">
+                <a16:creationId xmlns:a16="http://schemas.microsoft.com/office/drawing/2014/main" id="{34FF8B9C-1E67-5A07-1E90-D9BD78B519DD}"/>
+              </a:ext>
+            </a:extLst>
+          </p:cNvPr>
+          <p:cNvSpPr/>
+          <p:nvPr/>
+        </p:nvSpPr>
+        <p:spPr>
+          <a:xfrm>
+            <a:off x="132522" y="1292915"/>
+            <a:ext cx="11953461" cy="5115340"/>
+          </a:xfrm>
+          <a:prstGeom prst="rect">
+            <a:avLst/>
+          </a:prstGeom>
+          <a:solidFill>
+            <a:schemeClr val="tx1"/>
+          </a:solidFill>
+          <a:ln>
+            <a:noFill/>
+          </a:ln>
+        </p:spPr>
+        <p:style>
+          <a:lnRef idx="2">
+            <a:schemeClr val="accent1">
+              <a:shade val="50000"/>
+            </a:schemeClr>
+          </a:lnRef>
+          <a:fillRef idx="1">
+            <a:schemeClr val="accent1"/>
+          </a:fillRef>
+          <a:effectRef idx="0">
+            <a:schemeClr val="accent1"/>
+          </a:effectRef>
+          <a:fontRef idx="minor">
+            <a:schemeClr val="lt1"/>
+          </a:fontRef>
+        </p:style>
+        <p:txBody>
+          <a:bodyPr rtlCol="0" anchor="ctr"/>
+          <a:lstStyle/>
+          <a:p>
+            <a:pPr algn="ctr"/>
+            <a:endParaRPr lang="en-US" dirty="0"/>
+          </a:p>
+        </p:txBody>
+      </p:sp>
+      <p:sp>
+        <p:nvSpPr>
+          <p:cNvPr id="2" name="Title 1">
+            <a:extLst>
+              <a:ext uri="{FF2B5EF4-FFF2-40B4-BE49-F238E27FC236}">
+                <a16:creationId xmlns:a16="http://schemas.microsoft.com/office/drawing/2014/main" id="{4BDE4C67-A87F-2415-7F1C-1A4E6F999032}"/>
+              </a:ext>
+            </a:extLst>
+          </p:cNvPr>
+          <p:cNvSpPr>
+            <a:spLocks noGrp="1"/>
+          </p:cNvSpPr>
+          <p:nvPr>
+            <p:ph type="title"/>
+          </p:nvPr>
+        </p:nvSpPr>
+        <p:spPr>
+          <a:xfrm>
+            <a:off x="919119" y="35615"/>
+            <a:ext cx="10353762" cy="1257300"/>
+          </a:xfrm>
+        </p:spPr>
+        <p:txBody>
+          <a:bodyPr/>
+          <a:lstStyle/>
+          <a:p>
+            <a:r>
+              <a:rPr lang="it-IT" dirty="0" err="1"/>
+              <a:t>Coupling</a:t>
+            </a:r>
+            <a:r>
+              <a:rPr lang="it-IT" dirty="0"/>
+              <a:t> the DNN with NORM</a:t>
+            </a:r>
+            <a:endParaRPr lang="en-US" dirty="0"/>
+          </a:p>
+        </p:txBody>
+      </p:sp>
+      <p:pic>
+        <p:nvPicPr>
+          <p:cNvPr id="4" name="Picture 3" descr="Diagram&#10;&#10;Description automatically generated">
+            <a:extLst>
+              <a:ext uri="{FF2B5EF4-FFF2-40B4-BE49-F238E27FC236}">
+                <a16:creationId xmlns:a16="http://schemas.microsoft.com/office/drawing/2014/main" id="{A0E8E047-AD72-F0CD-80A7-FBBDAF0EE4DC}"/>
+              </a:ext>
+            </a:extLst>
+          </p:cNvPr>
+          <p:cNvPicPr>
+            <a:picLocks noChangeAspect="1"/>
+          </p:cNvPicPr>
+          <p:nvPr/>
+        </p:nvPicPr>
+        <p:blipFill>
+          <a:blip r:embed="rId2"/>
+          <a:stretch>
+            <a:fillRect/>
+          </a:stretch>
+        </p:blipFill>
+        <p:spPr>
+          <a:xfrm>
+            <a:off x="239357" y="1592599"/>
+            <a:ext cx="11713286" cy="4515971"/>
+          </a:xfrm>
+          <a:prstGeom prst="rect">
+            <a:avLst/>
+          </a:prstGeom>
+        </p:spPr>
+      </p:pic>
+      <p:sp>
+        <p:nvSpPr>
+          <p:cNvPr id="6" name="Rectangle 5">
+            <a:extLst>
+              <a:ext uri="{FF2B5EF4-FFF2-40B4-BE49-F238E27FC236}">
+                <a16:creationId xmlns:a16="http://schemas.microsoft.com/office/drawing/2014/main" id="{8F992E08-D414-5F3B-FFED-427F3A88A6E6}"/>
+              </a:ext>
+            </a:extLst>
+          </p:cNvPr>
+          <p:cNvSpPr/>
+          <p:nvPr/>
+        </p:nvSpPr>
+        <p:spPr>
+          <a:xfrm>
+            <a:off x="2142570" y="4584873"/>
+            <a:ext cx="1186058" cy="579864"/>
+          </a:xfrm>
+          <a:prstGeom prst="rect">
+            <a:avLst/>
+          </a:prstGeom>
+          <a:solidFill>
+            <a:srgbClr val="FFFF00"/>
+          </a:solidFill>
+          <a:ln>
+            <a:solidFill>
+              <a:schemeClr val="bg1"/>
+            </a:solidFill>
+          </a:ln>
+        </p:spPr>
+        <p:style>
+          <a:lnRef idx="2">
+            <a:schemeClr val="accent1">
+              <a:shade val="50000"/>
+            </a:schemeClr>
+          </a:lnRef>
+          <a:fillRef idx="1">
+            <a:schemeClr val="accent1"/>
+          </a:fillRef>
+          <a:effectRef idx="0">
+            <a:schemeClr val="accent1"/>
+          </a:effectRef>
+          <a:fontRef idx="minor">
+            <a:schemeClr val="lt1"/>
+          </a:fontRef>
+        </p:style>
+        <p:txBody>
+          <a:bodyPr rtlCol="0" anchor="ctr"/>
+          <a:lstStyle/>
+          <a:p>
+            <a:pPr algn="ctr"/>
+            <a:r>
+              <a:rPr lang="it-IT" dirty="0">
+                <a:solidFill>
+                  <a:srgbClr val="FF0000"/>
+                </a:solidFill>
+              </a:rPr>
+              <a:t>NV_REG</a:t>
+            </a:r>
+            <a:endParaRPr lang="en-US" dirty="0">
+              <a:solidFill>
+                <a:srgbClr val="FF0000"/>
+              </a:solidFill>
+            </a:endParaRPr>
+          </a:p>
+        </p:txBody>
+      </p:sp>
+      <p:sp>
+        <p:nvSpPr>
+          <p:cNvPr id="7" name="Rectangle 6">
+            <a:extLst>
+              <a:ext uri="{FF2B5EF4-FFF2-40B4-BE49-F238E27FC236}">
+                <a16:creationId xmlns:a16="http://schemas.microsoft.com/office/drawing/2014/main" id="{A3BF5C5B-55C8-E23A-C203-3A5152D1C39E}"/>
+              </a:ext>
+            </a:extLst>
+          </p:cNvPr>
+          <p:cNvSpPr/>
+          <p:nvPr/>
+        </p:nvSpPr>
+        <p:spPr>
+          <a:xfrm>
+            <a:off x="10966595" y="5750246"/>
+            <a:ext cx="1186058" cy="658008"/>
+          </a:xfrm>
+          <a:prstGeom prst="rect">
+            <a:avLst/>
+          </a:prstGeom>
+          <a:solidFill>
+            <a:srgbClr val="FFFF00"/>
+          </a:solidFill>
+          <a:ln>
+            <a:solidFill>
+              <a:schemeClr val="bg1"/>
+            </a:solidFill>
+          </a:ln>
+        </p:spPr>
+        <p:style>
+          <a:lnRef idx="2">
+            <a:schemeClr val="accent1">
+              <a:shade val="50000"/>
+            </a:schemeClr>
+          </a:lnRef>
+          <a:fillRef idx="1">
+            <a:schemeClr val="accent1"/>
+          </a:fillRef>
+          <a:effectRef idx="0">
+            <a:schemeClr val="accent1"/>
+          </a:effectRef>
+          <a:fontRef idx="minor">
+            <a:schemeClr val="lt1"/>
+          </a:fontRef>
+        </p:style>
+        <p:txBody>
+          <a:bodyPr rtlCol="0" anchor="ctr"/>
+          <a:lstStyle/>
+          <a:p>
+            <a:pPr algn="ctr"/>
+            <a:r>
+              <a:rPr lang="it-IT" dirty="0">
+                <a:solidFill>
+                  <a:srgbClr val="FF0000"/>
+                </a:solidFill>
+              </a:rPr>
+              <a:t>FSM_NV_REG</a:t>
+            </a:r>
+            <a:endParaRPr lang="en-US" dirty="0">
+              <a:solidFill>
+                <a:srgbClr val="FF0000"/>
+              </a:solidFill>
+            </a:endParaRPr>
+          </a:p>
+        </p:txBody>
+      </p:sp>
+      <p:sp>
+        <p:nvSpPr>
+          <p:cNvPr id="8" name="Rectangle 7">
+            <a:extLst>
+              <a:ext uri="{FF2B5EF4-FFF2-40B4-BE49-F238E27FC236}">
+                <a16:creationId xmlns:a16="http://schemas.microsoft.com/office/drawing/2014/main" id="{ADD757FA-439F-8277-651E-2F62C2096B16}"/>
+              </a:ext>
+            </a:extLst>
+          </p:cNvPr>
+          <p:cNvSpPr/>
+          <p:nvPr/>
+        </p:nvSpPr>
+        <p:spPr>
+          <a:xfrm>
+            <a:off x="5161835" y="4640830"/>
+            <a:ext cx="1186058" cy="579864"/>
+          </a:xfrm>
+          <a:prstGeom prst="rect">
+            <a:avLst/>
+          </a:prstGeom>
+          <a:solidFill>
+            <a:srgbClr val="FFFF00"/>
+          </a:solidFill>
+          <a:ln>
+            <a:solidFill>
+              <a:schemeClr val="bg1"/>
+            </a:solidFill>
+          </a:ln>
+        </p:spPr>
+        <p:style>
+          <a:lnRef idx="2">
+            <a:schemeClr val="accent1">
+              <a:shade val="50000"/>
+            </a:schemeClr>
+          </a:lnRef>
+          <a:fillRef idx="1">
+            <a:schemeClr val="accent1"/>
+          </a:fillRef>
+          <a:effectRef idx="0">
+            <a:schemeClr val="accent1"/>
+          </a:effectRef>
+          <a:fontRef idx="minor">
+            <a:schemeClr val="lt1"/>
+          </a:fontRef>
+        </p:style>
+        <p:txBody>
+          <a:bodyPr rtlCol="0" anchor="ctr"/>
+          <a:lstStyle/>
+          <a:p>
+            <a:pPr algn="ctr"/>
+            <a:r>
+              <a:rPr lang="it-IT" dirty="0">
+                <a:solidFill>
+                  <a:srgbClr val="FF0000"/>
+                </a:solidFill>
+              </a:rPr>
+              <a:t>NV_REG</a:t>
+            </a:r>
+            <a:endParaRPr lang="en-US" dirty="0">
+              <a:solidFill>
+                <a:srgbClr val="FF0000"/>
+              </a:solidFill>
+            </a:endParaRPr>
+          </a:p>
+        </p:txBody>
+      </p:sp>
+      <p:sp>
+        <p:nvSpPr>
+          <p:cNvPr id="10" name="Rectangle 9">
+            <a:extLst>
+              <a:ext uri="{FF2B5EF4-FFF2-40B4-BE49-F238E27FC236}">
+                <a16:creationId xmlns:a16="http://schemas.microsoft.com/office/drawing/2014/main" id="{94D375F2-7022-47C5-3943-3D664BDF17D1}"/>
+              </a:ext>
+            </a:extLst>
+          </p:cNvPr>
+          <p:cNvSpPr/>
+          <p:nvPr/>
+        </p:nvSpPr>
+        <p:spPr>
+          <a:xfrm>
+            <a:off x="8350216" y="4634990"/>
+            <a:ext cx="1186058" cy="579864"/>
+          </a:xfrm>
+          <a:prstGeom prst="rect">
+            <a:avLst/>
+          </a:prstGeom>
+          <a:solidFill>
+            <a:srgbClr val="FFFF00"/>
+          </a:solidFill>
+          <a:ln>
+            <a:solidFill>
+              <a:schemeClr val="bg1"/>
+            </a:solidFill>
+          </a:ln>
+        </p:spPr>
+        <p:style>
+          <a:lnRef idx="2">
+            <a:schemeClr val="accent1">
+              <a:shade val="50000"/>
+            </a:schemeClr>
+          </a:lnRef>
+          <a:fillRef idx="1">
+            <a:schemeClr val="accent1"/>
+          </a:fillRef>
+          <a:effectRef idx="0">
+            <a:schemeClr val="accent1"/>
+          </a:effectRef>
+          <a:fontRef idx="minor">
+            <a:schemeClr val="lt1"/>
+          </a:fontRef>
+        </p:style>
+        <p:txBody>
+          <a:bodyPr rtlCol="0" anchor="ctr"/>
+          <a:lstStyle/>
+          <a:p>
+            <a:pPr algn="ctr"/>
+            <a:r>
+              <a:rPr lang="it-IT" dirty="0">
+                <a:solidFill>
+                  <a:srgbClr val="FF0000"/>
+                </a:solidFill>
+              </a:rPr>
+              <a:t>NV_REG</a:t>
+            </a:r>
+            <a:endParaRPr lang="en-US" dirty="0">
+              <a:solidFill>
+                <a:srgbClr val="FF0000"/>
+              </a:solidFill>
+            </a:endParaRPr>
+          </a:p>
+        </p:txBody>
+      </p:sp>
+      <p:sp>
+        <p:nvSpPr>
+          <p:cNvPr id="12" name="Rectangle 11">
+            <a:extLst>
+              <a:ext uri="{FF2B5EF4-FFF2-40B4-BE49-F238E27FC236}">
+                <a16:creationId xmlns:a16="http://schemas.microsoft.com/office/drawing/2014/main" id="{71B188A1-A8C2-5D0C-BA6A-4ADE110D28F9}"/>
+              </a:ext>
+            </a:extLst>
+          </p:cNvPr>
+          <p:cNvSpPr/>
+          <p:nvPr/>
+        </p:nvSpPr>
+        <p:spPr>
+          <a:xfrm>
+            <a:off x="3093637" y="3569825"/>
+            <a:ext cx="1027789" cy="171450"/>
+          </a:xfrm>
+          <a:prstGeom prst="rect">
+            <a:avLst/>
+          </a:prstGeom>
+          <a:solidFill>
+            <a:srgbClr val="FFFF00"/>
+          </a:solidFill>
+          <a:ln>
+            <a:solidFill>
+              <a:schemeClr val="bg1"/>
+            </a:solidFill>
+          </a:ln>
+        </p:spPr>
+        <p:style>
+          <a:lnRef idx="2">
+            <a:schemeClr val="accent1">
+              <a:shade val="50000"/>
+            </a:schemeClr>
+          </a:lnRef>
+          <a:fillRef idx="1">
+            <a:schemeClr val="accent1"/>
+          </a:fillRef>
+          <a:effectRef idx="0">
+            <a:schemeClr val="accent1"/>
+          </a:effectRef>
+          <a:fontRef idx="minor">
+            <a:schemeClr val="lt1"/>
+          </a:fontRef>
+        </p:style>
+        <p:txBody>
+          <a:bodyPr rtlCol="0" anchor="ctr"/>
+          <a:lstStyle/>
+          <a:p>
+            <a:pPr algn="ctr"/>
+            <a:r>
+              <a:rPr lang="it-IT" sz="800" dirty="0">
+                <a:solidFill>
+                  <a:srgbClr val="FF0000"/>
+                </a:solidFill>
+              </a:rPr>
+              <a:t>TASK_STATUS</a:t>
+            </a:r>
+            <a:endParaRPr lang="en-US" sz="800" dirty="0">
+              <a:solidFill>
+                <a:srgbClr val="FF0000"/>
+              </a:solidFill>
+            </a:endParaRPr>
+          </a:p>
+        </p:txBody>
+      </p:sp>
+      <p:sp>
+        <p:nvSpPr>
+          <p:cNvPr id="13" name="Rectangle 12">
+            <a:extLst>
+              <a:ext uri="{FF2B5EF4-FFF2-40B4-BE49-F238E27FC236}">
+                <a16:creationId xmlns:a16="http://schemas.microsoft.com/office/drawing/2014/main" id="{7F49A3BC-2A43-55BE-5FC3-7FF95D9260B2}"/>
+              </a:ext>
+            </a:extLst>
+          </p:cNvPr>
+          <p:cNvSpPr/>
+          <p:nvPr/>
+        </p:nvSpPr>
+        <p:spPr>
+          <a:xfrm>
+            <a:off x="6284097" y="3584350"/>
+            <a:ext cx="1027789" cy="171450"/>
+          </a:xfrm>
+          <a:prstGeom prst="rect">
+            <a:avLst/>
+          </a:prstGeom>
+          <a:solidFill>
+            <a:srgbClr val="FFFF00"/>
+          </a:solidFill>
+          <a:ln>
+            <a:solidFill>
+              <a:schemeClr val="bg1"/>
+            </a:solidFill>
+          </a:ln>
+        </p:spPr>
+        <p:style>
+          <a:lnRef idx="2">
+            <a:schemeClr val="accent1">
+              <a:shade val="50000"/>
+            </a:schemeClr>
+          </a:lnRef>
+          <a:fillRef idx="1">
+            <a:schemeClr val="accent1"/>
+          </a:fillRef>
+          <a:effectRef idx="0">
+            <a:schemeClr val="accent1"/>
+          </a:effectRef>
+          <a:fontRef idx="minor">
+            <a:schemeClr val="lt1"/>
+          </a:fontRef>
+        </p:style>
+        <p:txBody>
+          <a:bodyPr rtlCol="0" anchor="ctr"/>
+          <a:lstStyle/>
+          <a:p>
+            <a:pPr algn="ctr"/>
+            <a:r>
+              <a:rPr lang="it-IT" sz="800" dirty="0">
+                <a:solidFill>
+                  <a:srgbClr val="FF0000"/>
+                </a:solidFill>
+              </a:rPr>
+              <a:t>TASK_STATUS</a:t>
+            </a:r>
+            <a:endParaRPr lang="en-US" sz="800" dirty="0">
+              <a:solidFill>
+                <a:srgbClr val="FF0000"/>
+              </a:solidFill>
+            </a:endParaRPr>
+          </a:p>
+        </p:txBody>
+      </p:sp>
+      <p:sp>
+        <p:nvSpPr>
+          <p:cNvPr id="14" name="Rectangle 13">
+            <a:extLst>
+              <a:ext uri="{FF2B5EF4-FFF2-40B4-BE49-F238E27FC236}">
+                <a16:creationId xmlns:a16="http://schemas.microsoft.com/office/drawing/2014/main" id="{76A1B94D-F2B7-AA04-A29B-D224E9E2E73E}"/>
+              </a:ext>
+            </a:extLst>
+          </p:cNvPr>
+          <p:cNvSpPr/>
+          <p:nvPr/>
+        </p:nvSpPr>
+        <p:spPr>
+          <a:xfrm>
+            <a:off x="9256693" y="3569825"/>
+            <a:ext cx="1027789" cy="171450"/>
+          </a:xfrm>
+          <a:prstGeom prst="rect">
+            <a:avLst/>
+          </a:prstGeom>
+          <a:solidFill>
+            <a:srgbClr val="FFFF00"/>
+          </a:solidFill>
+          <a:ln>
+            <a:solidFill>
+              <a:schemeClr val="bg1"/>
+            </a:solidFill>
+          </a:ln>
+        </p:spPr>
+        <p:style>
+          <a:lnRef idx="2">
+            <a:schemeClr val="accent1">
+              <a:shade val="50000"/>
+            </a:schemeClr>
+          </a:lnRef>
+          <a:fillRef idx="1">
+            <a:schemeClr val="accent1"/>
+          </a:fillRef>
+          <a:effectRef idx="0">
+            <a:schemeClr val="accent1"/>
+          </a:effectRef>
+          <a:fontRef idx="minor">
+            <a:schemeClr val="lt1"/>
+          </a:fontRef>
+        </p:style>
+        <p:txBody>
+          <a:bodyPr rtlCol="0" anchor="ctr"/>
+          <a:lstStyle/>
+          <a:p>
+            <a:pPr algn="ctr"/>
+            <a:r>
+              <a:rPr lang="it-IT" sz="800" dirty="0">
+                <a:solidFill>
+                  <a:srgbClr val="FF0000"/>
+                </a:solidFill>
+              </a:rPr>
+              <a:t>TASK_STATUS</a:t>
+            </a:r>
+            <a:endParaRPr lang="en-US" sz="800" dirty="0">
+              <a:solidFill>
+                <a:srgbClr val="FF0000"/>
+              </a:solidFill>
+            </a:endParaRPr>
+          </a:p>
+        </p:txBody>
+      </p:sp>
+      <p:sp>
+        <p:nvSpPr>
+          <p:cNvPr id="15" name="Flowchart: Delay 14">
+            <a:extLst>
+              <a:ext uri="{FF2B5EF4-FFF2-40B4-BE49-F238E27FC236}">
+                <a16:creationId xmlns:a16="http://schemas.microsoft.com/office/drawing/2014/main" id="{CD6935C8-6956-5878-D1BE-8197E37525E7}"/>
+              </a:ext>
+            </a:extLst>
+          </p:cNvPr>
+          <p:cNvSpPr/>
+          <p:nvPr/>
+        </p:nvSpPr>
+        <p:spPr>
+          <a:xfrm>
+            <a:off x="6940922" y="4723168"/>
+            <a:ext cx="564194" cy="579864"/>
+          </a:xfrm>
+          <a:prstGeom prst="flowChartDelay">
+            <a:avLst/>
+          </a:prstGeom>
+          <a:solidFill>
+            <a:srgbClr val="FFFF00"/>
+          </a:solidFill>
+          <a:ln>
+            <a:solidFill>
+              <a:schemeClr val="bg1"/>
+            </a:solidFill>
+          </a:ln>
+        </p:spPr>
+        <p:style>
+          <a:lnRef idx="2">
+            <a:schemeClr val="accent1">
+              <a:shade val="50000"/>
+            </a:schemeClr>
+          </a:lnRef>
+          <a:fillRef idx="1">
+            <a:schemeClr val="accent1"/>
+          </a:fillRef>
+          <a:effectRef idx="0">
+            <a:schemeClr val="accent1"/>
+          </a:effectRef>
+          <a:fontRef idx="minor">
+            <a:schemeClr val="lt1"/>
+          </a:fontRef>
+        </p:style>
+        <p:txBody>
+          <a:bodyPr rtlCol="0" anchor="ctr"/>
+          <a:lstStyle/>
+          <a:p>
+            <a:pPr algn="ctr"/>
+            <a:endParaRPr lang="en-US"/>
+          </a:p>
+        </p:txBody>
+      </p:sp>
+      <p:cxnSp>
+        <p:nvCxnSpPr>
+          <p:cNvPr id="37" name="Connector: Elbow 36">
+            <a:extLst>
+              <a:ext uri="{FF2B5EF4-FFF2-40B4-BE49-F238E27FC236}">
+                <a16:creationId xmlns:a16="http://schemas.microsoft.com/office/drawing/2014/main" id="{08F34F69-0FC1-A61C-F96B-EA0E899ECBA5}"/>
+              </a:ext>
+            </a:extLst>
+          </p:cNvPr>
+          <p:cNvCxnSpPr>
+            <a:cxnSpLocks/>
+            <a:endCxn id="15" idx="1"/>
+          </p:cNvCxnSpPr>
+          <p:nvPr/>
+        </p:nvCxnSpPr>
+        <p:spPr>
+          <a:xfrm>
+            <a:off x="4121426" y="3755800"/>
+            <a:ext cx="2819496" cy="1257300"/>
+          </a:xfrm>
+          <a:prstGeom prst="bentConnector3">
+            <a:avLst>
+              <a:gd name="adj1" fmla="val 50000"/>
+            </a:avLst>
+          </a:prstGeom>
+          <a:ln w="28575">
+            <a:solidFill>
+              <a:srgbClr val="FF0000"/>
+            </a:solidFill>
+            <a:tailEnd type="triangle"/>
+          </a:ln>
+        </p:spPr>
+        <p:style>
+          <a:lnRef idx="1">
+            <a:schemeClr val="accent1"/>
+          </a:lnRef>
+          <a:fillRef idx="0">
+            <a:schemeClr val="accent1"/>
+          </a:fillRef>
+          <a:effectRef idx="0">
+            <a:schemeClr val="accent1"/>
+          </a:effectRef>
+          <a:fontRef idx="minor">
+            <a:schemeClr val="tx1"/>
+          </a:fontRef>
+        </p:style>
+      </p:cxnSp>
+      <p:cxnSp>
+        <p:nvCxnSpPr>
+          <p:cNvPr id="46" name="Connector: Elbow 45">
+            <a:extLst>
+              <a:ext uri="{FF2B5EF4-FFF2-40B4-BE49-F238E27FC236}">
+                <a16:creationId xmlns:a16="http://schemas.microsoft.com/office/drawing/2014/main" id="{7F0B2A13-2B9E-7851-F51C-6445CD2357C1}"/>
+              </a:ext>
+            </a:extLst>
+          </p:cNvPr>
+          <p:cNvCxnSpPr>
+            <a:cxnSpLocks/>
+            <a:stCxn id="13" idx="1"/>
+            <a:endCxn id="15" idx="1"/>
+          </p:cNvCxnSpPr>
+          <p:nvPr/>
+        </p:nvCxnSpPr>
+        <p:spPr>
+          <a:xfrm rot="10800000" flipH="1" flipV="1">
+            <a:off x="6284096" y="3670074"/>
+            <a:ext cx="656825" cy="1343025"/>
+          </a:xfrm>
+          <a:prstGeom prst="bentConnector3">
+            <a:avLst>
+              <a:gd name="adj1" fmla="val -34804"/>
+            </a:avLst>
+          </a:prstGeom>
+          <a:ln w="28575">
+            <a:solidFill>
+              <a:srgbClr val="FF0000"/>
+            </a:solidFill>
+            <a:tailEnd type="triangle"/>
+          </a:ln>
+        </p:spPr>
+        <p:style>
+          <a:lnRef idx="1">
+            <a:schemeClr val="accent1"/>
+          </a:lnRef>
+          <a:fillRef idx="0">
+            <a:schemeClr val="accent1"/>
+          </a:fillRef>
+          <a:effectRef idx="0">
+            <a:schemeClr val="accent1"/>
+          </a:effectRef>
+          <a:fontRef idx="minor">
+            <a:schemeClr val="tx1"/>
+          </a:fontRef>
+        </p:style>
+      </p:cxnSp>
+      <p:cxnSp>
+        <p:nvCxnSpPr>
+          <p:cNvPr id="51" name="Connector: Elbow 50">
+            <a:extLst>
+              <a:ext uri="{FF2B5EF4-FFF2-40B4-BE49-F238E27FC236}">
+                <a16:creationId xmlns:a16="http://schemas.microsoft.com/office/drawing/2014/main" id="{15EF183D-6B4B-FE9B-C8A7-4AE8054C4A92}"/>
+              </a:ext>
+            </a:extLst>
+          </p:cNvPr>
+          <p:cNvCxnSpPr>
+            <a:cxnSpLocks/>
+            <a:endCxn id="15" idx="1"/>
+          </p:cNvCxnSpPr>
+          <p:nvPr/>
+        </p:nvCxnSpPr>
+        <p:spPr>
+          <a:xfrm rot="10800000" flipV="1">
+            <a:off x="6940922" y="3841520"/>
+            <a:ext cx="2595352" cy="1171579"/>
+          </a:xfrm>
+          <a:prstGeom prst="bentConnector3">
+            <a:avLst>
+              <a:gd name="adj1" fmla="val 108808"/>
+            </a:avLst>
+          </a:prstGeom>
+          <a:ln w="28575">
+            <a:solidFill>
+              <a:srgbClr val="FF0000"/>
+            </a:solidFill>
+            <a:tailEnd type="triangle"/>
+          </a:ln>
+        </p:spPr>
+        <p:style>
+          <a:lnRef idx="1">
+            <a:schemeClr val="accent1"/>
+          </a:lnRef>
+          <a:fillRef idx="0">
+            <a:schemeClr val="accent1"/>
+          </a:fillRef>
+          <a:effectRef idx="0">
+            <a:schemeClr val="accent1"/>
+          </a:effectRef>
+          <a:fontRef idx="minor">
+            <a:schemeClr val="tx1"/>
+          </a:fontRef>
+        </p:style>
+      </p:cxnSp>
+      <p:cxnSp>
+        <p:nvCxnSpPr>
+          <p:cNvPr id="67" name="Straight Arrow Connector 66">
+            <a:extLst>
+              <a:ext uri="{FF2B5EF4-FFF2-40B4-BE49-F238E27FC236}">
+                <a16:creationId xmlns:a16="http://schemas.microsoft.com/office/drawing/2014/main" id="{6666EB70-F672-D555-842D-0272FDD4B4F9}"/>
+              </a:ext>
+            </a:extLst>
+          </p:cNvPr>
+          <p:cNvCxnSpPr>
+            <a:cxnSpLocks/>
+            <a:stCxn id="20" idx="2"/>
+            <a:endCxn id="7" idx="1"/>
+          </p:cNvCxnSpPr>
+          <p:nvPr/>
+        </p:nvCxnSpPr>
+        <p:spPr>
+          <a:xfrm flipH="1">
+            <a:off x="10966595" y="4555315"/>
+            <a:ext cx="306286" cy="1523935"/>
+          </a:xfrm>
+          <a:prstGeom prst="straightConnector1">
+            <a:avLst/>
+          </a:prstGeom>
+          <a:ln w="28575">
+            <a:solidFill>
+              <a:srgbClr val="FF0000"/>
+            </a:solidFill>
+            <a:tailEnd type="triangle"/>
+          </a:ln>
+        </p:spPr>
+        <p:style>
+          <a:lnRef idx="1">
+            <a:schemeClr val="accent1"/>
+          </a:lnRef>
+          <a:fillRef idx="0">
+            <a:schemeClr val="accent1"/>
+          </a:fillRef>
+          <a:effectRef idx="0">
+            <a:schemeClr val="accent1"/>
+          </a:effectRef>
+          <a:fontRef idx="minor">
+            <a:schemeClr val="tx1"/>
+          </a:fontRef>
+        </p:style>
+      </p:cxnSp>
+      <p:sp>
+        <p:nvSpPr>
+          <p:cNvPr id="17" name="Rectangle 16">
+            <a:extLst>
+              <a:ext uri="{FF2B5EF4-FFF2-40B4-BE49-F238E27FC236}">
+                <a16:creationId xmlns:a16="http://schemas.microsoft.com/office/drawing/2014/main" id="{A98343A6-5040-F254-75E3-BF6DAA9966C3}"/>
+              </a:ext>
+            </a:extLst>
+          </p:cNvPr>
+          <p:cNvSpPr/>
+          <p:nvPr/>
+        </p:nvSpPr>
+        <p:spPr>
+          <a:xfrm>
+            <a:off x="132522" y="2523564"/>
+            <a:ext cx="1112881" cy="188966"/>
+          </a:xfrm>
+          <a:prstGeom prst="rect">
+            <a:avLst/>
+          </a:prstGeom>
+          <a:solidFill>
+            <a:srgbClr val="FFFF00"/>
+          </a:solidFill>
+          <a:ln>
+            <a:solidFill>
+              <a:schemeClr val="bg1"/>
+            </a:solidFill>
+          </a:ln>
+        </p:spPr>
+        <p:style>
+          <a:lnRef idx="2">
+            <a:schemeClr val="accent1">
+              <a:shade val="50000"/>
+            </a:schemeClr>
+          </a:lnRef>
+          <a:fillRef idx="1">
+            <a:schemeClr val="accent1"/>
+          </a:fillRef>
+          <a:effectRef idx="0">
+            <a:schemeClr val="accent1"/>
+          </a:effectRef>
+          <a:fontRef idx="minor">
+            <a:schemeClr val="lt1"/>
+          </a:fontRef>
+        </p:style>
+        <p:txBody>
+          <a:bodyPr rtlCol="0" anchor="ctr"/>
+          <a:lstStyle/>
+          <a:p>
+            <a:pPr algn="ctr"/>
+            <a:r>
+              <a:rPr lang="it-IT" sz="800" dirty="0">
+                <a:solidFill>
+                  <a:srgbClr val="FF0000"/>
+                </a:solidFill>
+              </a:rPr>
+              <a:t>POWER_RESET</a:t>
+            </a:r>
+            <a:endParaRPr lang="en-US" sz="800" dirty="0">
+              <a:solidFill>
+                <a:srgbClr val="FF0000"/>
+              </a:solidFill>
+            </a:endParaRPr>
+          </a:p>
+        </p:txBody>
+      </p:sp>
+      <p:sp>
+        <p:nvSpPr>
+          <p:cNvPr id="20" name="Rectangle 19">
+            <a:extLst>
+              <a:ext uri="{FF2B5EF4-FFF2-40B4-BE49-F238E27FC236}">
+                <a16:creationId xmlns:a16="http://schemas.microsoft.com/office/drawing/2014/main" id="{0172A05A-755A-70EE-D266-646188820F0D}"/>
+              </a:ext>
+            </a:extLst>
+          </p:cNvPr>
+          <p:cNvSpPr/>
+          <p:nvPr/>
+        </p:nvSpPr>
+        <p:spPr>
+          <a:xfrm>
+            <a:off x="10758986" y="4383865"/>
+            <a:ext cx="1027789" cy="171450"/>
+          </a:xfrm>
+          <a:prstGeom prst="rect">
+            <a:avLst/>
+          </a:prstGeom>
+          <a:solidFill>
+            <a:srgbClr val="FFFF00"/>
+          </a:solidFill>
+          <a:ln>
+            <a:solidFill>
+              <a:schemeClr val="bg1"/>
+            </a:solidFill>
+          </a:ln>
+        </p:spPr>
+        <p:style>
+          <a:lnRef idx="2">
+            <a:schemeClr val="accent1">
+              <a:shade val="50000"/>
+            </a:schemeClr>
+          </a:lnRef>
+          <a:fillRef idx="1">
+            <a:schemeClr val="accent1"/>
+          </a:fillRef>
+          <a:effectRef idx="0">
+            <a:schemeClr val="accent1"/>
+          </a:effectRef>
+          <a:fontRef idx="minor">
+            <a:schemeClr val="lt1"/>
+          </a:fontRef>
+        </p:style>
+        <p:txBody>
+          <a:bodyPr rtlCol="0" anchor="ctr"/>
+          <a:lstStyle/>
+          <a:p>
+            <a:pPr algn="ctr"/>
+            <a:r>
+              <a:rPr lang="it-IT" sz="800" dirty="0">
+                <a:solidFill>
+                  <a:srgbClr val="FF0000"/>
+                </a:solidFill>
+              </a:rPr>
+              <a:t>TASK_STATUS</a:t>
+            </a:r>
+            <a:endParaRPr lang="en-US" sz="800" dirty="0">
+              <a:solidFill>
+                <a:srgbClr val="FF0000"/>
+              </a:solidFill>
+            </a:endParaRPr>
+          </a:p>
+        </p:txBody>
+      </p:sp>
+      <p:cxnSp>
+        <p:nvCxnSpPr>
+          <p:cNvPr id="23" name="Straight Arrow Connector 22">
+            <a:extLst>
+              <a:ext uri="{FF2B5EF4-FFF2-40B4-BE49-F238E27FC236}">
+                <a16:creationId xmlns:a16="http://schemas.microsoft.com/office/drawing/2014/main" id="{B16ECDC4-C6C7-4D6B-BD9B-D3B06455C4D0}"/>
+              </a:ext>
+            </a:extLst>
+          </p:cNvPr>
+          <p:cNvCxnSpPr>
+            <a:cxnSpLocks/>
+            <a:stCxn id="15" idx="3"/>
+            <a:endCxn id="20" idx="1"/>
+          </p:cNvCxnSpPr>
+          <p:nvPr/>
+        </p:nvCxnSpPr>
+        <p:spPr>
+          <a:xfrm flipV="1">
+            <a:off x="7505116" y="4469590"/>
+            <a:ext cx="3253870" cy="543510"/>
+          </a:xfrm>
+          <a:prstGeom prst="straightConnector1">
+            <a:avLst/>
+          </a:prstGeom>
+          <a:ln w="28575">
+            <a:solidFill>
+              <a:srgbClr val="FF0000"/>
+            </a:solidFill>
+            <a:tailEnd type="triangle"/>
+          </a:ln>
+        </p:spPr>
+        <p:style>
+          <a:lnRef idx="1">
+            <a:schemeClr val="accent1"/>
+          </a:lnRef>
+          <a:fillRef idx="0">
+            <a:schemeClr val="accent1"/>
+          </a:fillRef>
+          <a:effectRef idx="0">
+            <a:schemeClr val="accent1"/>
+          </a:effectRef>
+          <a:fontRef idx="minor">
+            <a:schemeClr val="tx1"/>
+          </a:fontRef>
+        </p:style>
+      </p:cxnSp>
+    </p:spTree>
+    <p:extLst>
+      <p:ext uri="{BB962C8B-B14F-4D97-AF65-F5344CB8AC3E}">
+        <p14:creationId xmlns:p14="http://schemas.microsoft.com/office/powerpoint/2010/main" val="1495864833"/>
+      </p:ext>
+    </p:extLst>
+  </p:cSld>
+  <p:clrMapOvr>
+    <a:masterClrMapping/>
+  </p:clrMapOvr>
+</p:sld>
+</file>
+
+<file path=ppt/slides/slide28.xml><?xml version="1.0" encoding="utf-8"?>
+<p:sld xmlns:a="http://schemas.openxmlformats.org/drawingml/2006/main" xmlns:r="http://schemas.openxmlformats.org/officeDocument/2006/relationships" xmlns:p="http://schemas.openxmlformats.org/presentationml/2006/main">
+  <p:cSld>
+    <p:spTree>
+      <p:nvGrpSpPr>
+        <p:cNvPr id="1" name=""/>
+        <p:cNvGrpSpPr/>
+        <p:nvPr/>
+      </p:nvGrpSpPr>
+      <p:grpSpPr>
+        <a:xfrm>
+          <a:off x="0" y="0"/>
+          <a:ext cx="0" cy="0"/>
+          <a:chOff x="0" y="0"/>
+          <a:chExt cx="0" cy="0"/>
+        </a:xfrm>
+      </p:grpSpPr>
+      <p:sp>
+        <p:nvSpPr>
           <p:cNvPr id="15" name="Rectangle 14">
             <a:extLst>
               <a:ext uri="{FF2B5EF4-FFF2-40B4-BE49-F238E27FC236}">
@@ -20242,7 +21526,7 @@
 </p:sld>
 </file>
 
-<file path=ppt/slides/slide27.xml><?xml version="1.0" encoding="utf-8"?>
+<file path=ppt/slides/slide29.xml><?xml version="1.0" encoding="utf-8"?>
 <p:sld xmlns:a="http://schemas.openxmlformats.org/drawingml/2006/main" xmlns:r="http://schemas.openxmlformats.org/officeDocument/2006/relationships" xmlns:p="http://schemas.openxmlformats.org/presentationml/2006/main">
   <p:cSld>
     <p:spTree>
@@ -20636,7 +21920,7 @@
         </p:nvSpPr>
         <p:spPr>
           <a:xfrm>
-            <a:off x="300867" y="5963257"/>
+            <a:off x="484107" y="5317153"/>
             <a:ext cx="2184611" cy="646331"/>
           </a:xfrm>
           <a:prstGeom prst="rect">
@@ -20838,7 +22122,7 @@
         </p:nvSpPr>
         <p:spPr>
           <a:xfrm>
-            <a:off x="300867" y="5339593"/>
+            <a:off x="484107" y="5963484"/>
             <a:ext cx="1514477" cy="646331"/>
           </a:xfrm>
           <a:prstGeom prst="rect">
@@ -21020,1260 +22304,6 @@
   <p:clrMapOvr>
     <a:masterClrMapping/>
   </p:clrMapOvr>
-</p:sld>
-</file>
-
-<file path=ppt/slides/slide28.xml><?xml version="1.0" encoding="utf-8"?>
-<p:sld xmlns:a="http://schemas.openxmlformats.org/drawingml/2006/main" xmlns:r="http://schemas.openxmlformats.org/officeDocument/2006/relationships" xmlns:p="http://schemas.openxmlformats.org/presentationml/2006/main">
-  <p:cSld>
-    <p:spTree>
-      <p:nvGrpSpPr>
-        <p:cNvPr id="1" name=""/>
-        <p:cNvGrpSpPr/>
-        <p:nvPr/>
-      </p:nvGrpSpPr>
-      <p:grpSpPr>
-        <a:xfrm>
-          <a:off x="0" y="0"/>
-          <a:ext cx="0" cy="0"/>
-          <a:chOff x="0" y="0"/>
-          <a:chExt cx="0" cy="0"/>
-        </a:xfrm>
-      </p:grpSpPr>
-      <p:sp>
-        <p:nvSpPr>
-          <p:cNvPr id="5" name="Rectangle 4">
-            <a:extLst>
-              <a:ext uri="{FF2B5EF4-FFF2-40B4-BE49-F238E27FC236}">
-                <a16:creationId xmlns:a16="http://schemas.microsoft.com/office/drawing/2014/main" id="{F0FB4F9C-A688-4158-48FA-FCCC40091159}"/>
-              </a:ext>
-            </a:extLst>
-          </p:cNvPr>
-          <p:cNvSpPr/>
-          <p:nvPr/>
-        </p:nvSpPr>
-        <p:spPr>
-          <a:xfrm>
-            <a:off x="645059" y="2062369"/>
-            <a:ext cx="10891234" cy="3701087"/>
-          </a:xfrm>
-          <a:prstGeom prst="rect">
-            <a:avLst/>
-          </a:prstGeom>
-          <a:solidFill>
-            <a:schemeClr val="tx1"/>
-          </a:solidFill>
-          <a:ln>
-            <a:noFill/>
-          </a:ln>
-        </p:spPr>
-        <p:style>
-          <a:lnRef idx="2">
-            <a:schemeClr val="accent1">
-              <a:shade val="50000"/>
-            </a:schemeClr>
-          </a:lnRef>
-          <a:fillRef idx="1">
-            <a:schemeClr val="accent1"/>
-          </a:fillRef>
-          <a:effectRef idx="0">
-            <a:schemeClr val="accent1"/>
-          </a:effectRef>
-          <a:fontRef idx="minor">
-            <a:schemeClr val="lt1"/>
-          </a:fontRef>
-        </p:style>
-        <p:txBody>
-          <a:bodyPr rtlCol="0" anchor="ctr"/>
-          <a:lstStyle/>
-          <a:p>
-            <a:pPr algn="ctr"/>
-            <a:endParaRPr lang="en-US" dirty="0"/>
-          </a:p>
-        </p:txBody>
-      </p:sp>
-      <p:sp>
-        <p:nvSpPr>
-          <p:cNvPr id="2" name="Title 1">
-            <a:extLst>
-              <a:ext uri="{FF2B5EF4-FFF2-40B4-BE49-F238E27FC236}">
-                <a16:creationId xmlns:a16="http://schemas.microsoft.com/office/drawing/2014/main" id="{7E87068D-3367-2859-8192-F15D2066C50C}"/>
-              </a:ext>
-            </a:extLst>
-          </p:cNvPr>
-          <p:cNvSpPr>
-            <a:spLocks noGrp="1"/>
-          </p:cNvSpPr>
-          <p:nvPr>
-            <p:ph type="title"/>
-          </p:nvPr>
-        </p:nvSpPr>
-        <p:spPr/>
-        <p:txBody>
-          <a:bodyPr/>
-          <a:lstStyle/>
-          <a:p>
-            <a:r>
-              <a:rPr lang="it-IT" dirty="0" err="1"/>
-              <a:t>Neuron</a:t>
-            </a:r>
-            <a:r>
-              <a:rPr lang="it-IT" dirty="0"/>
-              <a:t> </a:t>
-            </a:r>
-            <a:r>
-              <a:rPr lang="it-IT" dirty="0" err="1"/>
-              <a:t>Added</a:t>
-            </a:r>
-            <a:r>
-              <a:rPr lang="it-IT" dirty="0"/>
-              <a:t> Pins</a:t>
-            </a:r>
-            <a:endParaRPr lang="en-US" dirty="0"/>
-          </a:p>
-        </p:txBody>
-      </p:sp>
-      <p:pic>
-        <p:nvPicPr>
-          <p:cNvPr id="4" name="Picture 3" descr="Diagram&#10;&#10;Description automatically generated">
-            <a:extLst>
-              <a:ext uri="{FF2B5EF4-FFF2-40B4-BE49-F238E27FC236}">
-                <a16:creationId xmlns:a16="http://schemas.microsoft.com/office/drawing/2014/main" id="{239A3E7A-0309-BF87-9AC9-988D2DC2CD30}"/>
-              </a:ext>
-            </a:extLst>
-          </p:cNvPr>
-          <p:cNvPicPr>
-            <a:picLocks noChangeAspect="1"/>
-          </p:cNvPicPr>
-          <p:nvPr/>
-        </p:nvPicPr>
-        <p:blipFill>
-          <a:blip r:embed="rId2"/>
-          <a:stretch>
-            <a:fillRect/>
-          </a:stretch>
-        </p:blipFill>
-        <p:spPr>
-          <a:xfrm>
-            <a:off x="2878611" y="2062369"/>
-            <a:ext cx="5279406" cy="3519604"/>
-          </a:xfrm>
-          <a:prstGeom prst="rect">
-            <a:avLst/>
-          </a:prstGeom>
-        </p:spPr>
-      </p:pic>
-      <p:sp>
-        <p:nvSpPr>
-          <p:cNvPr id="6" name="Rectangle 5">
-            <a:extLst>
-              <a:ext uri="{FF2B5EF4-FFF2-40B4-BE49-F238E27FC236}">
-                <a16:creationId xmlns:a16="http://schemas.microsoft.com/office/drawing/2014/main" id="{C1843C96-5267-3F66-2F54-C99ADE36AB82}"/>
-              </a:ext>
-            </a:extLst>
-          </p:cNvPr>
-          <p:cNvSpPr/>
-          <p:nvPr/>
-        </p:nvSpPr>
-        <p:spPr>
-          <a:xfrm>
-            <a:off x="2878610" y="3916756"/>
-            <a:ext cx="893705" cy="207024"/>
-          </a:xfrm>
-          <a:prstGeom prst="rect">
-            <a:avLst/>
-          </a:prstGeom>
-          <a:solidFill>
-            <a:srgbClr val="FFFF00"/>
-          </a:solidFill>
-          <a:ln>
-            <a:solidFill>
-              <a:schemeClr val="bg1"/>
-            </a:solidFill>
-          </a:ln>
-        </p:spPr>
-        <p:style>
-          <a:lnRef idx="2">
-            <a:schemeClr val="accent1">
-              <a:shade val="50000"/>
-            </a:schemeClr>
-          </a:lnRef>
-          <a:fillRef idx="1">
-            <a:schemeClr val="accent1"/>
-          </a:fillRef>
-          <a:effectRef idx="0">
-            <a:schemeClr val="accent1"/>
-          </a:effectRef>
-          <a:fontRef idx="minor">
-            <a:schemeClr val="lt1"/>
-          </a:fontRef>
-        </p:style>
-        <p:txBody>
-          <a:bodyPr rtlCol="0" anchor="ctr"/>
-          <a:lstStyle/>
-          <a:p>
-            <a:pPr algn="ctr"/>
-            <a:r>
-              <a:rPr lang="it-IT" sz="800" dirty="0">
-                <a:solidFill>
-                  <a:srgbClr val="FF0000"/>
-                </a:solidFill>
-              </a:rPr>
-              <a:t>POWER_RESET</a:t>
-            </a:r>
-            <a:endParaRPr lang="en-US" sz="800" dirty="0">
-              <a:solidFill>
-                <a:srgbClr val="FF0000"/>
-              </a:solidFill>
-            </a:endParaRPr>
-          </a:p>
-        </p:txBody>
-      </p:sp>
-      <p:cxnSp>
-        <p:nvCxnSpPr>
-          <p:cNvPr id="11" name="Connector: Elbow 10">
-            <a:extLst>
-              <a:ext uri="{FF2B5EF4-FFF2-40B4-BE49-F238E27FC236}">
-                <a16:creationId xmlns:a16="http://schemas.microsoft.com/office/drawing/2014/main" id="{128D221C-B260-1C92-C902-D4144F92A979}"/>
-              </a:ext>
-            </a:extLst>
-          </p:cNvPr>
-          <p:cNvCxnSpPr>
-            <a:cxnSpLocks/>
-            <a:stCxn id="6" idx="2"/>
-          </p:cNvCxnSpPr>
-          <p:nvPr/>
-        </p:nvCxnSpPr>
-        <p:spPr>
-          <a:xfrm rot="16200000" flipH="1">
-            <a:off x="3291999" y="4157244"/>
-            <a:ext cx="352424" cy="285496"/>
-          </a:xfrm>
-          <a:prstGeom prst="bentConnector3">
-            <a:avLst/>
-          </a:prstGeom>
-          <a:ln w="38100">
-            <a:solidFill>
-              <a:srgbClr val="FFFF00"/>
-            </a:solidFill>
-            <a:headEnd type="triangle"/>
-            <a:tailEnd type="triangle"/>
-          </a:ln>
-        </p:spPr>
-        <p:style>
-          <a:lnRef idx="1">
-            <a:schemeClr val="accent1"/>
-          </a:lnRef>
-          <a:fillRef idx="0">
-            <a:schemeClr val="accent1"/>
-          </a:fillRef>
-          <a:effectRef idx="0">
-            <a:schemeClr val="accent1"/>
-          </a:effectRef>
-          <a:fontRef idx="minor">
-            <a:schemeClr val="tx1"/>
-          </a:fontRef>
-        </p:style>
-      </p:cxnSp>
-      <p:cxnSp>
-        <p:nvCxnSpPr>
-          <p:cNvPr id="16" name="Connector: Elbow 15">
-            <a:extLst>
-              <a:ext uri="{FF2B5EF4-FFF2-40B4-BE49-F238E27FC236}">
-                <a16:creationId xmlns:a16="http://schemas.microsoft.com/office/drawing/2014/main" id="{E104BA5A-1530-F8E5-EEAE-1B4536C21DAF}"/>
-              </a:ext>
-            </a:extLst>
-          </p:cNvPr>
-          <p:cNvCxnSpPr>
-            <a:cxnSpLocks/>
-          </p:cNvCxnSpPr>
-          <p:nvPr/>
-        </p:nvCxnSpPr>
-        <p:spPr>
-          <a:xfrm>
-            <a:off x="3772316" y="4007498"/>
-            <a:ext cx="3333750" cy="535382"/>
-          </a:xfrm>
-          <a:prstGeom prst="bentConnector3">
-            <a:avLst>
-              <a:gd name="adj1" fmla="val 99714"/>
-            </a:avLst>
-          </a:prstGeom>
-          <a:ln w="38100">
-            <a:solidFill>
-              <a:srgbClr val="FFFF00"/>
-            </a:solidFill>
-            <a:headEnd type="triangle"/>
-            <a:tailEnd type="triangle"/>
-          </a:ln>
-        </p:spPr>
-        <p:style>
-          <a:lnRef idx="1">
-            <a:schemeClr val="accent1"/>
-          </a:lnRef>
-          <a:fillRef idx="0">
-            <a:schemeClr val="accent1"/>
-          </a:fillRef>
-          <a:effectRef idx="0">
-            <a:schemeClr val="accent1"/>
-          </a:effectRef>
-          <a:fontRef idx="minor">
-            <a:schemeClr val="tx1"/>
-          </a:fontRef>
-        </p:style>
-      </p:cxnSp>
-      <p:cxnSp>
-        <p:nvCxnSpPr>
-          <p:cNvPr id="22" name="Connector: Elbow 21">
-            <a:extLst>
-              <a:ext uri="{FF2B5EF4-FFF2-40B4-BE49-F238E27FC236}">
-                <a16:creationId xmlns:a16="http://schemas.microsoft.com/office/drawing/2014/main" id="{E3A93DD1-739F-A827-2160-9F5075103C7B}"/>
-              </a:ext>
-            </a:extLst>
-          </p:cNvPr>
-          <p:cNvCxnSpPr>
-            <a:cxnSpLocks/>
-            <a:stCxn id="6" idx="3"/>
-          </p:cNvCxnSpPr>
-          <p:nvPr/>
-        </p:nvCxnSpPr>
-        <p:spPr>
-          <a:xfrm flipV="1">
-            <a:off x="3772315" y="3638005"/>
-            <a:ext cx="3724276" cy="382263"/>
-          </a:xfrm>
-          <a:prstGeom prst="bentConnector3">
-            <a:avLst>
-              <a:gd name="adj1" fmla="val 100172"/>
-            </a:avLst>
-          </a:prstGeom>
-          <a:ln w="38100">
-            <a:solidFill>
-              <a:srgbClr val="FFFF00"/>
-            </a:solidFill>
-            <a:headEnd type="triangle"/>
-            <a:tailEnd type="triangle"/>
-          </a:ln>
-        </p:spPr>
-        <p:style>
-          <a:lnRef idx="1">
-            <a:schemeClr val="accent1"/>
-          </a:lnRef>
-          <a:fillRef idx="0">
-            <a:schemeClr val="accent1"/>
-          </a:fillRef>
-          <a:effectRef idx="0">
-            <a:schemeClr val="accent1"/>
-          </a:effectRef>
-          <a:fontRef idx="minor">
-            <a:schemeClr val="tx1"/>
-          </a:fontRef>
-        </p:style>
-      </p:cxnSp>
-      <p:sp>
-        <p:nvSpPr>
-          <p:cNvPr id="24" name="Rectangle 23">
-            <a:extLst>
-              <a:ext uri="{FF2B5EF4-FFF2-40B4-BE49-F238E27FC236}">
-                <a16:creationId xmlns:a16="http://schemas.microsoft.com/office/drawing/2014/main" id="{D3F93FBD-1109-AB4F-EF89-8FEDB5DDB150}"/>
-              </a:ext>
-            </a:extLst>
-          </p:cNvPr>
-          <p:cNvSpPr/>
-          <p:nvPr/>
-        </p:nvSpPr>
-        <p:spPr>
-          <a:xfrm>
-            <a:off x="8496716" y="2685505"/>
-            <a:ext cx="1093275" cy="171450"/>
-          </a:xfrm>
-          <a:prstGeom prst="rect">
-            <a:avLst/>
-          </a:prstGeom>
-          <a:solidFill>
-            <a:srgbClr val="FFFF00"/>
-          </a:solidFill>
-          <a:ln>
-            <a:solidFill>
-              <a:schemeClr val="bg1"/>
-            </a:solidFill>
-          </a:ln>
-        </p:spPr>
-        <p:style>
-          <a:lnRef idx="2">
-            <a:schemeClr val="accent1">
-              <a:shade val="50000"/>
-            </a:schemeClr>
-          </a:lnRef>
-          <a:fillRef idx="1">
-            <a:schemeClr val="accent1"/>
-          </a:fillRef>
-          <a:effectRef idx="0">
-            <a:schemeClr val="accent1"/>
-          </a:effectRef>
-          <a:fontRef idx="minor">
-            <a:schemeClr val="lt1"/>
-          </a:fontRef>
-        </p:style>
-        <p:txBody>
-          <a:bodyPr rtlCol="0" anchor="ctr"/>
-          <a:lstStyle/>
-          <a:p>
-            <a:pPr algn="ctr"/>
-            <a:r>
-              <a:rPr lang="it-IT" sz="800" dirty="0">
-                <a:solidFill>
-                  <a:srgbClr val="FF0000"/>
-                </a:solidFill>
-              </a:rPr>
-              <a:t>DATA_OUT_SAVE</a:t>
-            </a:r>
-            <a:endParaRPr lang="en-US" sz="800" dirty="0">
-              <a:solidFill>
-                <a:srgbClr val="FF0000"/>
-              </a:solidFill>
-            </a:endParaRPr>
-          </a:p>
-        </p:txBody>
-      </p:sp>
-      <p:sp>
-        <p:nvSpPr>
-          <p:cNvPr id="25" name="Rectangle 24">
-            <a:extLst>
-              <a:ext uri="{FF2B5EF4-FFF2-40B4-BE49-F238E27FC236}">
-                <a16:creationId xmlns:a16="http://schemas.microsoft.com/office/drawing/2014/main" id="{DC9A16C7-D20F-8695-0ED8-F54AE8AA96F1}"/>
-              </a:ext>
-            </a:extLst>
-          </p:cNvPr>
-          <p:cNvSpPr/>
-          <p:nvPr/>
-        </p:nvSpPr>
-        <p:spPr>
-          <a:xfrm>
-            <a:off x="8496716" y="2941269"/>
-            <a:ext cx="1093275" cy="171450"/>
-          </a:xfrm>
-          <a:prstGeom prst="rect">
-            <a:avLst/>
-          </a:prstGeom>
-          <a:solidFill>
-            <a:srgbClr val="FFFF00"/>
-          </a:solidFill>
-          <a:ln>
-            <a:solidFill>
-              <a:schemeClr val="bg1"/>
-            </a:solidFill>
-          </a:ln>
-        </p:spPr>
-        <p:style>
-          <a:lnRef idx="2">
-            <a:schemeClr val="accent1">
-              <a:shade val="50000"/>
-            </a:schemeClr>
-          </a:lnRef>
-          <a:fillRef idx="1">
-            <a:schemeClr val="accent1"/>
-          </a:fillRef>
-          <a:effectRef idx="0">
-            <a:schemeClr val="accent1"/>
-          </a:effectRef>
-          <a:fontRef idx="minor">
-            <a:schemeClr val="lt1"/>
-          </a:fontRef>
-        </p:style>
-        <p:txBody>
-          <a:bodyPr rtlCol="0" anchor="ctr"/>
-          <a:lstStyle/>
-          <a:p>
-            <a:pPr algn="ctr"/>
-            <a:r>
-              <a:rPr lang="it-IT" sz="800" dirty="0">
-                <a:solidFill>
-                  <a:srgbClr val="FF0000"/>
-                </a:solidFill>
-              </a:rPr>
-              <a:t>DATA_OUT_REC</a:t>
-            </a:r>
-            <a:endParaRPr lang="en-US" sz="800" dirty="0">
-              <a:solidFill>
-                <a:srgbClr val="FF0000"/>
-              </a:solidFill>
-            </a:endParaRPr>
-          </a:p>
-        </p:txBody>
-      </p:sp>
-      <p:sp>
-        <p:nvSpPr>
-          <p:cNvPr id="26" name="Rectangle 25">
-            <a:extLst>
-              <a:ext uri="{FF2B5EF4-FFF2-40B4-BE49-F238E27FC236}">
-                <a16:creationId xmlns:a16="http://schemas.microsoft.com/office/drawing/2014/main" id="{08D105D3-AC1F-248D-1C16-57D1CFC1D8C9}"/>
-              </a:ext>
-            </a:extLst>
-          </p:cNvPr>
-          <p:cNvSpPr/>
-          <p:nvPr/>
-        </p:nvSpPr>
-        <p:spPr>
-          <a:xfrm>
-            <a:off x="7801879" y="4818597"/>
-            <a:ext cx="1093275" cy="171450"/>
-          </a:xfrm>
-          <a:prstGeom prst="rect">
-            <a:avLst/>
-          </a:prstGeom>
-          <a:solidFill>
-            <a:srgbClr val="FFFF00"/>
-          </a:solidFill>
-          <a:ln>
-            <a:solidFill>
-              <a:schemeClr val="bg1"/>
-            </a:solidFill>
-          </a:ln>
-        </p:spPr>
-        <p:style>
-          <a:lnRef idx="2">
-            <a:schemeClr val="accent1">
-              <a:shade val="50000"/>
-            </a:schemeClr>
-          </a:lnRef>
-          <a:fillRef idx="1">
-            <a:schemeClr val="accent1"/>
-          </a:fillRef>
-          <a:effectRef idx="0">
-            <a:schemeClr val="accent1"/>
-          </a:effectRef>
-          <a:fontRef idx="minor">
-            <a:schemeClr val="lt1"/>
-          </a:fontRef>
-        </p:style>
-        <p:txBody>
-          <a:bodyPr rtlCol="0" anchor="ctr"/>
-          <a:lstStyle/>
-          <a:p>
-            <a:pPr algn="ctr"/>
-            <a:r>
-              <a:rPr lang="it-IT" sz="800" dirty="0">
-                <a:solidFill>
-                  <a:srgbClr val="FF0000"/>
-                </a:solidFill>
-              </a:rPr>
-              <a:t>CUM_SUM_SAVE</a:t>
-            </a:r>
-            <a:endParaRPr lang="en-US" sz="800" dirty="0">
-              <a:solidFill>
-                <a:srgbClr val="FF0000"/>
-              </a:solidFill>
-            </a:endParaRPr>
-          </a:p>
-        </p:txBody>
-      </p:sp>
-      <p:sp>
-        <p:nvSpPr>
-          <p:cNvPr id="27" name="Rectangle 26">
-            <a:extLst>
-              <a:ext uri="{FF2B5EF4-FFF2-40B4-BE49-F238E27FC236}">
-                <a16:creationId xmlns:a16="http://schemas.microsoft.com/office/drawing/2014/main" id="{DDFDEAC5-DF71-399C-4613-3306E7A8369A}"/>
-              </a:ext>
-            </a:extLst>
-          </p:cNvPr>
-          <p:cNvSpPr/>
-          <p:nvPr/>
-        </p:nvSpPr>
-        <p:spPr>
-          <a:xfrm>
-            <a:off x="8496716" y="5226786"/>
-            <a:ext cx="1093275" cy="171450"/>
-          </a:xfrm>
-          <a:prstGeom prst="rect">
-            <a:avLst/>
-          </a:prstGeom>
-          <a:solidFill>
-            <a:srgbClr val="FFFF00"/>
-          </a:solidFill>
-          <a:ln>
-            <a:solidFill>
-              <a:schemeClr val="bg1"/>
-            </a:solidFill>
-          </a:ln>
-        </p:spPr>
-        <p:style>
-          <a:lnRef idx="2">
-            <a:schemeClr val="accent1">
-              <a:shade val="50000"/>
-            </a:schemeClr>
-          </a:lnRef>
-          <a:fillRef idx="1">
-            <a:schemeClr val="accent1"/>
-          </a:fillRef>
-          <a:effectRef idx="0">
-            <a:schemeClr val="accent1"/>
-          </a:effectRef>
-          <a:fontRef idx="minor">
-            <a:schemeClr val="lt1"/>
-          </a:fontRef>
-        </p:style>
-        <p:txBody>
-          <a:bodyPr rtlCol="0" anchor="ctr"/>
-          <a:lstStyle/>
-          <a:p>
-            <a:pPr algn="ctr"/>
-            <a:r>
-              <a:rPr lang="it-IT" sz="800" dirty="0">
-                <a:solidFill>
-                  <a:srgbClr val="FF0000"/>
-                </a:solidFill>
-              </a:rPr>
-              <a:t>CUM_SUM_REC</a:t>
-            </a:r>
-            <a:endParaRPr lang="en-US" sz="800" dirty="0">
-              <a:solidFill>
-                <a:srgbClr val="FF0000"/>
-              </a:solidFill>
-            </a:endParaRPr>
-          </a:p>
-        </p:txBody>
-      </p:sp>
-      <p:cxnSp>
-        <p:nvCxnSpPr>
-          <p:cNvPr id="29" name="Straight Arrow Connector 28">
-            <a:extLst>
-              <a:ext uri="{FF2B5EF4-FFF2-40B4-BE49-F238E27FC236}">
-                <a16:creationId xmlns:a16="http://schemas.microsoft.com/office/drawing/2014/main" id="{3CFFE85D-C7FB-64E3-5E09-0CE7B92B5C2C}"/>
-              </a:ext>
-            </a:extLst>
-          </p:cNvPr>
-          <p:cNvCxnSpPr>
-            <a:cxnSpLocks/>
-            <a:endCxn id="24" idx="1"/>
-          </p:cNvCxnSpPr>
-          <p:nvPr/>
-        </p:nvCxnSpPr>
-        <p:spPr>
-          <a:xfrm>
-            <a:off x="8058566" y="2771230"/>
-            <a:ext cx="438150" cy="0"/>
-          </a:xfrm>
-          <a:prstGeom prst="straightConnector1">
-            <a:avLst/>
-          </a:prstGeom>
-          <a:ln>
-            <a:tailEnd type="triangle"/>
-          </a:ln>
-        </p:spPr>
-        <p:style>
-          <a:lnRef idx="1">
-            <a:schemeClr val="dk1"/>
-          </a:lnRef>
-          <a:fillRef idx="0">
-            <a:schemeClr val="dk1"/>
-          </a:fillRef>
-          <a:effectRef idx="0">
-            <a:schemeClr val="dk1"/>
-          </a:effectRef>
-          <a:fontRef idx="minor">
-            <a:schemeClr val="tx1"/>
-          </a:fontRef>
-        </p:style>
-      </p:cxnSp>
-      <p:cxnSp>
-        <p:nvCxnSpPr>
-          <p:cNvPr id="31" name="Straight Arrow Connector 30">
-            <a:extLst>
-              <a:ext uri="{FF2B5EF4-FFF2-40B4-BE49-F238E27FC236}">
-                <a16:creationId xmlns:a16="http://schemas.microsoft.com/office/drawing/2014/main" id="{59324E54-290E-0F13-CFBD-149F0822ABB8}"/>
-              </a:ext>
-            </a:extLst>
-          </p:cNvPr>
-          <p:cNvCxnSpPr>
-            <a:cxnSpLocks/>
-          </p:cNvCxnSpPr>
-          <p:nvPr/>
-        </p:nvCxnSpPr>
-        <p:spPr>
-          <a:xfrm>
-            <a:off x="7463180" y="4904322"/>
-            <a:ext cx="338699" cy="0"/>
-          </a:xfrm>
-          <a:prstGeom prst="straightConnector1">
-            <a:avLst/>
-          </a:prstGeom>
-          <a:ln>
-            <a:tailEnd type="triangle"/>
-          </a:ln>
-        </p:spPr>
-        <p:style>
-          <a:lnRef idx="1">
-            <a:schemeClr val="dk1"/>
-          </a:lnRef>
-          <a:fillRef idx="0">
-            <a:schemeClr val="dk1"/>
-          </a:fillRef>
-          <a:effectRef idx="0">
-            <a:schemeClr val="dk1"/>
-          </a:effectRef>
-          <a:fontRef idx="minor">
-            <a:schemeClr val="tx1"/>
-          </a:fontRef>
-        </p:style>
-      </p:cxnSp>
-      <p:cxnSp>
-        <p:nvCxnSpPr>
-          <p:cNvPr id="37" name="Connector: Elbow 36">
-            <a:extLst>
-              <a:ext uri="{FF2B5EF4-FFF2-40B4-BE49-F238E27FC236}">
-                <a16:creationId xmlns:a16="http://schemas.microsoft.com/office/drawing/2014/main" id="{AA5A0063-4773-7157-D38A-BFD563E70F4D}"/>
-              </a:ext>
-            </a:extLst>
-          </p:cNvPr>
-          <p:cNvCxnSpPr>
-            <a:cxnSpLocks/>
-            <a:stCxn id="25" idx="1"/>
-          </p:cNvCxnSpPr>
-          <p:nvPr/>
-        </p:nvCxnSpPr>
-        <p:spPr>
-          <a:xfrm rot="10800000" flipV="1">
-            <a:off x="7801880" y="3026993"/>
-            <a:ext cx="694837" cy="1411"/>
-          </a:xfrm>
-          <a:prstGeom prst="bentConnector3">
-            <a:avLst/>
-          </a:prstGeom>
-          <a:ln>
-            <a:tailEnd type="triangle"/>
-          </a:ln>
-        </p:spPr>
-        <p:style>
-          <a:lnRef idx="1">
-            <a:schemeClr val="dk1"/>
-          </a:lnRef>
-          <a:fillRef idx="0">
-            <a:schemeClr val="dk1"/>
-          </a:fillRef>
-          <a:effectRef idx="0">
-            <a:schemeClr val="dk1"/>
-          </a:effectRef>
-          <a:fontRef idx="minor">
-            <a:schemeClr val="tx1"/>
-          </a:fontRef>
-        </p:style>
-      </p:cxnSp>
-      <p:cxnSp>
-        <p:nvCxnSpPr>
-          <p:cNvPr id="39" name="Connector: Elbow 38">
-            <a:extLst>
-              <a:ext uri="{FF2B5EF4-FFF2-40B4-BE49-F238E27FC236}">
-                <a16:creationId xmlns:a16="http://schemas.microsoft.com/office/drawing/2014/main" id="{44B839C9-7436-12F0-3B9F-FE71D0D9DE07}"/>
-              </a:ext>
-            </a:extLst>
-          </p:cNvPr>
-          <p:cNvCxnSpPr>
-            <a:cxnSpLocks/>
-          </p:cNvCxnSpPr>
-          <p:nvPr/>
-        </p:nvCxnSpPr>
-        <p:spPr>
-          <a:xfrm rot="10800000" flipV="1">
-            <a:off x="7801878" y="5308278"/>
-            <a:ext cx="694837" cy="1411"/>
-          </a:xfrm>
-          <a:prstGeom prst="bentConnector3">
-            <a:avLst/>
-          </a:prstGeom>
-          <a:ln>
-            <a:tailEnd type="triangle"/>
-          </a:ln>
-        </p:spPr>
-        <p:style>
-          <a:lnRef idx="1">
-            <a:schemeClr val="dk1"/>
-          </a:lnRef>
-          <a:fillRef idx="0">
-            <a:schemeClr val="dk1"/>
-          </a:fillRef>
-          <a:effectRef idx="0">
-            <a:schemeClr val="dk1"/>
-          </a:effectRef>
-          <a:fontRef idx="minor">
-            <a:schemeClr val="tx1"/>
-          </a:fontRef>
-        </p:style>
-      </p:cxnSp>
-    </p:spTree>
-    <p:extLst>
-      <p:ext uri="{BB962C8B-B14F-4D97-AF65-F5344CB8AC3E}">
-        <p14:creationId xmlns:p14="http://schemas.microsoft.com/office/powerpoint/2010/main" val="815100810"/>
-      </p:ext>
-    </p:extLst>
-  </p:cSld>
-  <p:clrMapOvr>
-    <a:masterClrMapping/>
-  </p:clrMapOvr>
-</p:sld>
-</file>
-
-<file path=ppt/slides/slide29.xml><?xml version="1.0" encoding="utf-8"?>
-<p:sld xmlns:a="http://schemas.openxmlformats.org/drawingml/2006/main" xmlns:r="http://schemas.openxmlformats.org/officeDocument/2006/relationships" xmlns:p="http://schemas.openxmlformats.org/presentationml/2006/main">
-  <p:cSld>
-    <p:spTree>
-      <p:nvGrpSpPr>
-        <p:cNvPr id="1" name=""/>
-        <p:cNvGrpSpPr/>
-        <p:nvPr/>
-      </p:nvGrpSpPr>
-      <p:grpSpPr>
-        <a:xfrm>
-          <a:off x="0" y="0"/>
-          <a:ext cx="0" cy="0"/>
-          <a:chOff x="0" y="0"/>
-          <a:chExt cx="0" cy="0"/>
-        </a:xfrm>
-      </p:grpSpPr>
-      <p:sp>
-        <p:nvSpPr>
-          <p:cNvPr id="19" name="Rectangle 18">
-            <a:extLst>
-              <a:ext uri="{FF2B5EF4-FFF2-40B4-BE49-F238E27FC236}">
-                <a16:creationId xmlns:a16="http://schemas.microsoft.com/office/drawing/2014/main" id="{42590149-4E54-BBA2-E320-234C898C4B24}"/>
-              </a:ext>
-            </a:extLst>
-          </p:cNvPr>
-          <p:cNvSpPr/>
-          <p:nvPr/>
-        </p:nvSpPr>
-        <p:spPr>
-          <a:xfrm>
-            <a:off x="645059" y="1866900"/>
-            <a:ext cx="10891234" cy="4238774"/>
-          </a:xfrm>
-          <a:prstGeom prst="rect">
-            <a:avLst/>
-          </a:prstGeom>
-          <a:solidFill>
-            <a:schemeClr val="tx1"/>
-          </a:solidFill>
-          <a:ln>
-            <a:noFill/>
-          </a:ln>
-        </p:spPr>
-        <p:style>
-          <a:lnRef idx="2">
-            <a:schemeClr val="accent1">
-              <a:shade val="50000"/>
-            </a:schemeClr>
-          </a:lnRef>
-          <a:fillRef idx="1">
-            <a:schemeClr val="accent1"/>
-          </a:fillRef>
-          <a:effectRef idx="0">
-            <a:schemeClr val="accent1"/>
-          </a:effectRef>
-          <a:fontRef idx="minor">
-            <a:schemeClr val="lt1"/>
-          </a:fontRef>
-        </p:style>
-        <p:txBody>
-          <a:bodyPr rtlCol="0" anchor="ctr"/>
-          <a:lstStyle/>
-          <a:p>
-            <a:pPr algn="ctr"/>
-            <a:endParaRPr lang="en-US" dirty="0"/>
-          </a:p>
-        </p:txBody>
-      </p:sp>
-      <p:sp>
-        <p:nvSpPr>
-          <p:cNvPr id="2" name="Title 1">
-            <a:extLst>
-              <a:ext uri="{FF2B5EF4-FFF2-40B4-BE49-F238E27FC236}">
-                <a16:creationId xmlns:a16="http://schemas.microsoft.com/office/drawing/2014/main" id="{E82B8A71-C364-62F0-AE52-4B4359610674}"/>
-              </a:ext>
-            </a:extLst>
-          </p:cNvPr>
-          <p:cNvSpPr>
-            <a:spLocks noGrp="1"/>
-          </p:cNvSpPr>
-          <p:nvPr>
-            <p:ph type="title"/>
-          </p:nvPr>
-        </p:nvSpPr>
-        <p:spPr/>
-        <p:txBody>
-          <a:bodyPr/>
-          <a:lstStyle/>
-          <a:p>
-            <a:r>
-              <a:rPr lang="it-IT" dirty="0"/>
-              <a:t>Layer </a:t>
-            </a:r>
-            <a:r>
-              <a:rPr lang="it-IT" dirty="0" err="1"/>
-              <a:t>Added</a:t>
-            </a:r>
-            <a:r>
-              <a:rPr lang="it-IT" dirty="0"/>
-              <a:t> Pins</a:t>
-            </a:r>
-            <a:endParaRPr lang="en-US" dirty="0"/>
-          </a:p>
-        </p:txBody>
-      </p:sp>
-      <p:pic>
-        <p:nvPicPr>
-          <p:cNvPr id="4" name="Picture 3" descr="Diagram&#10;&#10;Description automatically generated">
-            <a:extLst>
-              <a:ext uri="{FF2B5EF4-FFF2-40B4-BE49-F238E27FC236}">
-                <a16:creationId xmlns:a16="http://schemas.microsoft.com/office/drawing/2014/main" id="{8DEEE73C-0976-80BC-AA01-5CC711861185}"/>
-              </a:ext>
-            </a:extLst>
-          </p:cNvPr>
-          <p:cNvPicPr>
-            <a:picLocks noChangeAspect="1"/>
-          </p:cNvPicPr>
-          <p:nvPr/>
-        </p:nvPicPr>
-        <p:blipFill>
-          <a:blip r:embed="rId3"/>
-          <a:stretch>
-            <a:fillRect/>
-          </a:stretch>
-        </p:blipFill>
-        <p:spPr>
-          <a:xfrm>
-            <a:off x="2640253" y="2437614"/>
-            <a:ext cx="6911494" cy="3175756"/>
-          </a:xfrm>
-          <a:prstGeom prst="rect">
-            <a:avLst/>
-          </a:prstGeom>
-        </p:spPr>
-      </p:pic>
-      <p:sp>
-        <p:nvSpPr>
-          <p:cNvPr id="6" name="Rectangle 5">
-            <a:extLst>
-              <a:ext uri="{FF2B5EF4-FFF2-40B4-BE49-F238E27FC236}">
-                <a16:creationId xmlns:a16="http://schemas.microsoft.com/office/drawing/2014/main" id="{0A921FDB-E2C9-9288-A490-57A99DAE21FE}"/>
-              </a:ext>
-            </a:extLst>
-          </p:cNvPr>
-          <p:cNvSpPr/>
-          <p:nvPr/>
-        </p:nvSpPr>
-        <p:spPr>
-          <a:xfrm>
-            <a:off x="4396236" y="4635500"/>
-            <a:ext cx="1114425" cy="171450"/>
-          </a:xfrm>
-          <a:prstGeom prst="rect">
-            <a:avLst/>
-          </a:prstGeom>
-          <a:solidFill>
-            <a:srgbClr val="FFFF00"/>
-          </a:solidFill>
-          <a:ln>
-            <a:solidFill>
-              <a:schemeClr val="bg1"/>
-            </a:solidFill>
-          </a:ln>
-        </p:spPr>
-        <p:style>
-          <a:lnRef idx="2">
-            <a:schemeClr val="accent1">
-              <a:shade val="50000"/>
-            </a:schemeClr>
-          </a:lnRef>
-          <a:fillRef idx="1">
-            <a:schemeClr val="accent1"/>
-          </a:fillRef>
-          <a:effectRef idx="0">
-            <a:schemeClr val="accent1"/>
-          </a:effectRef>
-          <a:fontRef idx="minor">
-            <a:schemeClr val="lt1"/>
-          </a:fontRef>
-        </p:style>
-        <p:txBody>
-          <a:bodyPr rtlCol="0" anchor="ctr"/>
-          <a:lstStyle/>
-          <a:p>
-            <a:pPr algn="ctr"/>
-            <a:r>
-              <a:rPr lang="it-IT" sz="800" dirty="0">
-                <a:solidFill>
-                  <a:srgbClr val="FF0000"/>
-                </a:solidFill>
-              </a:rPr>
-              <a:t>FSM_STATE_SAVE</a:t>
-            </a:r>
-            <a:endParaRPr lang="en-US" sz="800" dirty="0">
-              <a:solidFill>
-                <a:srgbClr val="FF0000"/>
-              </a:solidFill>
-            </a:endParaRPr>
-          </a:p>
-        </p:txBody>
-      </p:sp>
-      <p:sp>
-        <p:nvSpPr>
-          <p:cNvPr id="7" name="Rectangle 6">
-            <a:extLst>
-              <a:ext uri="{FF2B5EF4-FFF2-40B4-BE49-F238E27FC236}">
-                <a16:creationId xmlns:a16="http://schemas.microsoft.com/office/drawing/2014/main" id="{D22AAF83-C7C7-3D66-DBB8-1B49C6BEC7FE}"/>
-              </a:ext>
-            </a:extLst>
-          </p:cNvPr>
-          <p:cNvSpPr/>
-          <p:nvPr/>
-        </p:nvSpPr>
-        <p:spPr>
-          <a:xfrm>
-            <a:off x="3103841" y="4635500"/>
-            <a:ext cx="997629" cy="171450"/>
-          </a:xfrm>
-          <a:prstGeom prst="rect">
-            <a:avLst/>
-          </a:prstGeom>
-          <a:solidFill>
-            <a:srgbClr val="FFFF00"/>
-          </a:solidFill>
-          <a:ln>
-            <a:solidFill>
-              <a:schemeClr val="bg1"/>
-            </a:solidFill>
-          </a:ln>
-        </p:spPr>
-        <p:style>
-          <a:lnRef idx="2">
-            <a:schemeClr val="accent1">
-              <a:shade val="50000"/>
-            </a:schemeClr>
-          </a:lnRef>
-          <a:fillRef idx="1">
-            <a:schemeClr val="accent1"/>
-          </a:fillRef>
-          <a:effectRef idx="0">
-            <a:schemeClr val="accent1"/>
-          </a:effectRef>
-          <a:fontRef idx="minor">
-            <a:schemeClr val="lt1"/>
-          </a:fontRef>
-        </p:style>
-        <p:txBody>
-          <a:bodyPr rtlCol="0" anchor="ctr"/>
-          <a:lstStyle/>
-          <a:p>
-            <a:pPr algn="ctr"/>
-            <a:r>
-              <a:rPr lang="it-IT" sz="800" dirty="0">
-                <a:solidFill>
-                  <a:srgbClr val="FF0000"/>
-                </a:solidFill>
-              </a:rPr>
-              <a:t>FSM_STATE_REC</a:t>
-            </a:r>
-            <a:endParaRPr lang="en-US" sz="800" dirty="0">
-              <a:solidFill>
-                <a:srgbClr val="FF0000"/>
-              </a:solidFill>
-            </a:endParaRPr>
-          </a:p>
-        </p:txBody>
-      </p:sp>
-      <p:sp>
-        <p:nvSpPr>
-          <p:cNvPr id="8" name="Rectangle 7">
-            <a:extLst>
-              <a:ext uri="{FF2B5EF4-FFF2-40B4-BE49-F238E27FC236}">
-                <a16:creationId xmlns:a16="http://schemas.microsoft.com/office/drawing/2014/main" id="{A8F46064-C411-FD39-CC9D-5ABDBD89ECAA}"/>
-              </a:ext>
-            </a:extLst>
-          </p:cNvPr>
-          <p:cNvSpPr/>
-          <p:nvPr/>
-        </p:nvSpPr>
-        <p:spPr>
-          <a:xfrm>
-            <a:off x="3056272" y="3648680"/>
-            <a:ext cx="997629" cy="171450"/>
-          </a:xfrm>
-          <a:prstGeom prst="rect">
-            <a:avLst/>
-          </a:prstGeom>
-          <a:solidFill>
-            <a:srgbClr val="FFFF00"/>
-          </a:solidFill>
-          <a:ln>
-            <a:solidFill>
-              <a:schemeClr val="bg1"/>
-            </a:solidFill>
-          </a:ln>
-        </p:spPr>
-        <p:style>
-          <a:lnRef idx="2">
-            <a:schemeClr val="accent1">
-              <a:shade val="50000"/>
-            </a:schemeClr>
-          </a:lnRef>
-          <a:fillRef idx="1">
-            <a:schemeClr val="accent1"/>
-          </a:fillRef>
-          <a:effectRef idx="0">
-            <a:schemeClr val="accent1"/>
-          </a:effectRef>
-          <a:fontRef idx="minor">
-            <a:schemeClr val="lt1"/>
-          </a:fontRef>
-        </p:style>
-        <p:txBody>
-          <a:bodyPr rtlCol="0" anchor="ctr"/>
-          <a:lstStyle/>
-          <a:p>
-            <a:pPr algn="ctr"/>
-            <a:r>
-              <a:rPr lang="it-IT" sz="800" dirty="0">
-                <a:solidFill>
-                  <a:srgbClr val="FF0000"/>
-                </a:solidFill>
-              </a:rPr>
-              <a:t>ADDR_GEN_REC</a:t>
-            </a:r>
-            <a:endParaRPr lang="en-US" sz="800" dirty="0">
-              <a:solidFill>
-                <a:srgbClr val="FF0000"/>
-              </a:solidFill>
-            </a:endParaRPr>
-          </a:p>
-        </p:txBody>
-      </p:sp>
-      <p:sp>
-        <p:nvSpPr>
-          <p:cNvPr id="13" name="Rectangle 12">
-            <a:extLst>
-              <a:ext uri="{FF2B5EF4-FFF2-40B4-BE49-F238E27FC236}">
-                <a16:creationId xmlns:a16="http://schemas.microsoft.com/office/drawing/2014/main" id="{93B43B19-DFD7-F188-66DD-B15ED38BFED8}"/>
-              </a:ext>
-            </a:extLst>
-          </p:cNvPr>
-          <p:cNvSpPr/>
-          <p:nvPr/>
-        </p:nvSpPr>
-        <p:spPr>
-          <a:xfrm>
-            <a:off x="5276220" y="3562955"/>
-            <a:ext cx="1027789" cy="171450"/>
-          </a:xfrm>
-          <a:prstGeom prst="rect">
-            <a:avLst/>
-          </a:prstGeom>
-          <a:solidFill>
-            <a:srgbClr val="FFFF00"/>
-          </a:solidFill>
-          <a:ln>
-            <a:solidFill>
-              <a:schemeClr val="bg1"/>
-            </a:solidFill>
-          </a:ln>
-        </p:spPr>
-        <p:style>
-          <a:lnRef idx="2">
-            <a:schemeClr val="accent1">
-              <a:shade val="50000"/>
-            </a:schemeClr>
-          </a:lnRef>
-          <a:fillRef idx="1">
-            <a:schemeClr val="accent1"/>
-          </a:fillRef>
-          <a:effectRef idx="0">
-            <a:schemeClr val="accent1"/>
-          </a:effectRef>
-          <a:fontRef idx="minor">
-            <a:schemeClr val="lt1"/>
-          </a:fontRef>
-        </p:style>
-        <p:txBody>
-          <a:bodyPr rtlCol="0" anchor="ctr"/>
-          <a:lstStyle/>
-          <a:p>
-            <a:pPr algn="ctr"/>
-            <a:r>
-              <a:rPr lang="it-IT" sz="800" dirty="0">
-                <a:solidFill>
-                  <a:srgbClr val="FF0000"/>
-                </a:solidFill>
-              </a:rPr>
-              <a:t>ADDR_GEN_SAVE</a:t>
-            </a:r>
-            <a:endParaRPr lang="en-US" sz="800" dirty="0">
-              <a:solidFill>
-                <a:srgbClr val="FF0000"/>
-              </a:solidFill>
-            </a:endParaRPr>
-          </a:p>
-        </p:txBody>
-      </p:sp>
-      <p:cxnSp>
-        <p:nvCxnSpPr>
-          <p:cNvPr id="15" name="Connector: Elbow 14">
-            <a:extLst>
-              <a:ext uri="{FF2B5EF4-FFF2-40B4-BE49-F238E27FC236}">
-                <a16:creationId xmlns:a16="http://schemas.microsoft.com/office/drawing/2014/main" id="{4751B1C3-C2EE-B5CE-F0F9-E7D5620B5015}"/>
-              </a:ext>
-            </a:extLst>
-          </p:cNvPr>
-          <p:cNvCxnSpPr>
-            <a:cxnSpLocks/>
-            <a:endCxn id="13" idx="1"/>
-          </p:cNvCxnSpPr>
-          <p:nvPr/>
-        </p:nvCxnSpPr>
-        <p:spPr>
-          <a:xfrm>
-            <a:off x="4953448" y="3648680"/>
-            <a:ext cx="322772" cy="12700"/>
-          </a:xfrm>
-          <a:prstGeom prst="bentConnector3">
-            <a:avLst/>
-          </a:prstGeom>
-          <a:ln w="28575">
-            <a:solidFill>
-              <a:srgbClr val="FFFF00"/>
-            </a:solidFill>
-            <a:headEnd type="triangle"/>
-            <a:tailEnd type="triangle"/>
-          </a:ln>
-        </p:spPr>
-        <p:style>
-          <a:lnRef idx="1">
-            <a:schemeClr val="accent1"/>
-          </a:lnRef>
-          <a:fillRef idx="0">
-            <a:schemeClr val="accent1"/>
-          </a:fillRef>
-          <a:effectRef idx="0">
-            <a:schemeClr val="accent1"/>
-          </a:effectRef>
-          <a:fontRef idx="minor">
-            <a:schemeClr val="tx1"/>
-          </a:fontRef>
-        </p:style>
-      </p:cxnSp>
-    </p:spTree>
-    <p:extLst>
-      <p:ext uri="{BB962C8B-B14F-4D97-AF65-F5344CB8AC3E}">
-        <p14:creationId xmlns:p14="http://schemas.microsoft.com/office/powerpoint/2010/main" val="2379996754"/>
-      </p:ext>
-    </p:extLst>
-  </p:cSld>
-  <p:clrMapOvr>
-    <a:masterClrMapping/>
-  </p:clrMapOvr>
-  <p:extLst>
-    <p:ext uri="{6950BFC3-D8DA-4A85-94F7-54DA5524770B}">
-      <p188:commentRel xmlns:p188="http://schemas.microsoft.com/office/powerpoint/2018/8/main" r:id="rId2"/>
-    </p:ext>
-  </p:extLst>
 </p:sld>
 </file>
 
@@ -22888,6 +22918,1260 @@
       </p:grpSpPr>
       <p:sp>
         <p:nvSpPr>
+          <p:cNvPr id="5" name="Rectangle 4">
+            <a:extLst>
+              <a:ext uri="{FF2B5EF4-FFF2-40B4-BE49-F238E27FC236}">
+                <a16:creationId xmlns:a16="http://schemas.microsoft.com/office/drawing/2014/main" id="{F0FB4F9C-A688-4158-48FA-FCCC40091159}"/>
+              </a:ext>
+            </a:extLst>
+          </p:cNvPr>
+          <p:cNvSpPr/>
+          <p:nvPr/>
+        </p:nvSpPr>
+        <p:spPr>
+          <a:xfrm>
+            <a:off x="645059" y="2062369"/>
+            <a:ext cx="10891234" cy="3701087"/>
+          </a:xfrm>
+          <a:prstGeom prst="rect">
+            <a:avLst/>
+          </a:prstGeom>
+          <a:solidFill>
+            <a:schemeClr val="tx1"/>
+          </a:solidFill>
+          <a:ln>
+            <a:noFill/>
+          </a:ln>
+        </p:spPr>
+        <p:style>
+          <a:lnRef idx="2">
+            <a:schemeClr val="accent1">
+              <a:shade val="50000"/>
+            </a:schemeClr>
+          </a:lnRef>
+          <a:fillRef idx="1">
+            <a:schemeClr val="accent1"/>
+          </a:fillRef>
+          <a:effectRef idx="0">
+            <a:schemeClr val="accent1"/>
+          </a:effectRef>
+          <a:fontRef idx="minor">
+            <a:schemeClr val="lt1"/>
+          </a:fontRef>
+        </p:style>
+        <p:txBody>
+          <a:bodyPr rtlCol="0" anchor="ctr"/>
+          <a:lstStyle/>
+          <a:p>
+            <a:pPr algn="ctr"/>
+            <a:endParaRPr lang="en-US" dirty="0"/>
+          </a:p>
+        </p:txBody>
+      </p:sp>
+      <p:sp>
+        <p:nvSpPr>
+          <p:cNvPr id="2" name="Title 1">
+            <a:extLst>
+              <a:ext uri="{FF2B5EF4-FFF2-40B4-BE49-F238E27FC236}">
+                <a16:creationId xmlns:a16="http://schemas.microsoft.com/office/drawing/2014/main" id="{7E87068D-3367-2859-8192-F15D2066C50C}"/>
+              </a:ext>
+            </a:extLst>
+          </p:cNvPr>
+          <p:cNvSpPr>
+            <a:spLocks noGrp="1"/>
+          </p:cNvSpPr>
+          <p:nvPr>
+            <p:ph type="title"/>
+          </p:nvPr>
+        </p:nvSpPr>
+        <p:spPr/>
+        <p:txBody>
+          <a:bodyPr/>
+          <a:lstStyle/>
+          <a:p>
+            <a:r>
+              <a:rPr lang="it-IT" dirty="0" err="1"/>
+              <a:t>Neuron</a:t>
+            </a:r>
+            <a:r>
+              <a:rPr lang="it-IT" dirty="0"/>
+              <a:t> </a:t>
+            </a:r>
+            <a:r>
+              <a:rPr lang="it-IT" dirty="0" err="1"/>
+              <a:t>Added</a:t>
+            </a:r>
+            <a:r>
+              <a:rPr lang="it-IT" dirty="0"/>
+              <a:t> Pins</a:t>
+            </a:r>
+            <a:endParaRPr lang="en-US" dirty="0"/>
+          </a:p>
+        </p:txBody>
+      </p:sp>
+      <p:pic>
+        <p:nvPicPr>
+          <p:cNvPr id="4" name="Picture 3" descr="Diagram&#10;&#10;Description automatically generated">
+            <a:extLst>
+              <a:ext uri="{FF2B5EF4-FFF2-40B4-BE49-F238E27FC236}">
+                <a16:creationId xmlns:a16="http://schemas.microsoft.com/office/drawing/2014/main" id="{239A3E7A-0309-BF87-9AC9-988D2DC2CD30}"/>
+              </a:ext>
+            </a:extLst>
+          </p:cNvPr>
+          <p:cNvPicPr>
+            <a:picLocks noChangeAspect="1"/>
+          </p:cNvPicPr>
+          <p:nvPr/>
+        </p:nvPicPr>
+        <p:blipFill>
+          <a:blip r:embed="rId2"/>
+          <a:stretch>
+            <a:fillRect/>
+          </a:stretch>
+        </p:blipFill>
+        <p:spPr>
+          <a:xfrm>
+            <a:off x="2878611" y="2062369"/>
+            <a:ext cx="5279406" cy="3519604"/>
+          </a:xfrm>
+          <a:prstGeom prst="rect">
+            <a:avLst/>
+          </a:prstGeom>
+        </p:spPr>
+      </p:pic>
+      <p:sp>
+        <p:nvSpPr>
+          <p:cNvPr id="6" name="Rectangle 5">
+            <a:extLst>
+              <a:ext uri="{FF2B5EF4-FFF2-40B4-BE49-F238E27FC236}">
+                <a16:creationId xmlns:a16="http://schemas.microsoft.com/office/drawing/2014/main" id="{C1843C96-5267-3F66-2F54-C99ADE36AB82}"/>
+              </a:ext>
+            </a:extLst>
+          </p:cNvPr>
+          <p:cNvSpPr/>
+          <p:nvPr/>
+        </p:nvSpPr>
+        <p:spPr>
+          <a:xfrm>
+            <a:off x="2878610" y="3916756"/>
+            <a:ext cx="893705" cy="207024"/>
+          </a:xfrm>
+          <a:prstGeom prst="rect">
+            <a:avLst/>
+          </a:prstGeom>
+          <a:solidFill>
+            <a:srgbClr val="FFFF00"/>
+          </a:solidFill>
+          <a:ln>
+            <a:solidFill>
+              <a:schemeClr val="bg1"/>
+            </a:solidFill>
+          </a:ln>
+        </p:spPr>
+        <p:style>
+          <a:lnRef idx="2">
+            <a:schemeClr val="accent1">
+              <a:shade val="50000"/>
+            </a:schemeClr>
+          </a:lnRef>
+          <a:fillRef idx="1">
+            <a:schemeClr val="accent1"/>
+          </a:fillRef>
+          <a:effectRef idx="0">
+            <a:schemeClr val="accent1"/>
+          </a:effectRef>
+          <a:fontRef idx="minor">
+            <a:schemeClr val="lt1"/>
+          </a:fontRef>
+        </p:style>
+        <p:txBody>
+          <a:bodyPr rtlCol="0" anchor="ctr"/>
+          <a:lstStyle/>
+          <a:p>
+            <a:pPr algn="ctr"/>
+            <a:r>
+              <a:rPr lang="it-IT" sz="800" dirty="0">
+                <a:solidFill>
+                  <a:srgbClr val="FF0000"/>
+                </a:solidFill>
+              </a:rPr>
+              <a:t>POWER_RESET</a:t>
+            </a:r>
+            <a:endParaRPr lang="en-US" sz="800" dirty="0">
+              <a:solidFill>
+                <a:srgbClr val="FF0000"/>
+              </a:solidFill>
+            </a:endParaRPr>
+          </a:p>
+        </p:txBody>
+      </p:sp>
+      <p:cxnSp>
+        <p:nvCxnSpPr>
+          <p:cNvPr id="11" name="Connector: Elbow 10">
+            <a:extLst>
+              <a:ext uri="{FF2B5EF4-FFF2-40B4-BE49-F238E27FC236}">
+                <a16:creationId xmlns:a16="http://schemas.microsoft.com/office/drawing/2014/main" id="{128D221C-B260-1C92-C902-D4144F92A979}"/>
+              </a:ext>
+            </a:extLst>
+          </p:cNvPr>
+          <p:cNvCxnSpPr>
+            <a:cxnSpLocks/>
+            <a:stCxn id="6" idx="2"/>
+          </p:cNvCxnSpPr>
+          <p:nvPr/>
+        </p:nvCxnSpPr>
+        <p:spPr>
+          <a:xfrm rot="16200000" flipH="1">
+            <a:off x="3291999" y="4157244"/>
+            <a:ext cx="352424" cy="285496"/>
+          </a:xfrm>
+          <a:prstGeom prst="bentConnector3">
+            <a:avLst/>
+          </a:prstGeom>
+          <a:ln w="38100">
+            <a:solidFill>
+              <a:srgbClr val="FFFF00"/>
+            </a:solidFill>
+            <a:headEnd type="triangle"/>
+            <a:tailEnd type="triangle"/>
+          </a:ln>
+        </p:spPr>
+        <p:style>
+          <a:lnRef idx="1">
+            <a:schemeClr val="accent1"/>
+          </a:lnRef>
+          <a:fillRef idx="0">
+            <a:schemeClr val="accent1"/>
+          </a:fillRef>
+          <a:effectRef idx="0">
+            <a:schemeClr val="accent1"/>
+          </a:effectRef>
+          <a:fontRef idx="minor">
+            <a:schemeClr val="tx1"/>
+          </a:fontRef>
+        </p:style>
+      </p:cxnSp>
+      <p:cxnSp>
+        <p:nvCxnSpPr>
+          <p:cNvPr id="16" name="Connector: Elbow 15">
+            <a:extLst>
+              <a:ext uri="{FF2B5EF4-FFF2-40B4-BE49-F238E27FC236}">
+                <a16:creationId xmlns:a16="http://schemas.microsoft.com/office/drawing/2014/main" id="{E104BA5A-1530-F8E5-EEAE-1B4536C21DAF}"/>
+              </a:ext>
+            </a:extLst>
+          </p:cNvPr>
+          <p:cNvCxnSpPr>
+            <a:cxnSpLocks/>
+          </p:cNvCxnSpPr>
+          <p:nvPr/>
+        </p:nvCxnSpPr>
+        <p:spPr>
+          <a:xfrm>
+            <a:off x="3772316" y="4007498"/>
+            <a:ext cx="3333750" cy="535382"/>
+          </a:xfrm>
+          <a:prstGeom prst="bentConnector3">
+            <a:avLst>
+              <a:gd name="adj1" fmla="val 99714"/>
+            </a:avLst>
+          </a:prstGeom>
+          <a:ln w="38100">
+            <a:solidFill>
+              <a:srgbClr val="FFFF00"/>
+            </a:solidFill>
+            <a:headEnd type="triangle"/>
+            <a:tailEnd type="triangle"/>
+          </a:ln>
+        </p:spPr>
+        <p:style>
+          <a:lnRef idx="1">
+            <a:schemeClr val="accent1"/>
+          </a:lnRef>
+          <a:fillRef idx="0">
+            <a:schemeClr val="accent1"/>
+          </a:fillRef>
+          <a:effectRef idx="0">
+            <a:schemeClr val="accent1"/>
+          </a:effectRef>
+          <a:fontRef idx="minor">
+            <a:schemeClr val="tx1"/>
+          </a:fontRef>
+        </p:style>
+      </p:cxnSp>
+      <p:cxnSp>
+        <p:nvCxnSpPr>
+          <p:cNvPr id="22" name="Connector: Elbow 21">
+            <a:extLst>
+              <a:ext uri="{FF2B5EF4-FFF2-40B4-BE49-F238E27FC236}">
+                <a16:creationId xmlns:a16="http://schemas.microsoft.com/office/drawing/2014/main" id="{E3A93DD1-739F-A827-2160-9F5075103C7B}"/>
+              </a:ext>
+            </a:extLst>
+          </p:cNvPr>
+          <p:cNvCxnSpPr>
+            <a:cxnSpLocks/>
+            <a:stCxn id="6" idx="3"/>
+          </p:cNvCxnSpPr>
+          <p:nvPr/>
+        </p:nvCxnSpPr>
+        <p:spPr>
+          <a:xfrm flipV="1">
+            <a:off x="3772315" y="3638005"/>
+            <a:ext cx="3724276" cy="382263"/>
+          </a:xfrm>
+          <a:prstGeom prst="bentConnector3">
+            <a:avLst>
+              <a:gd name="adj1" fmla="val 100172"/>
+            </a:avLst>
+          </a:prstGeom>
+          <a:ln w="38100">
+            <a:solidFill>
+              <a:srgbClr val="FFFF00"/>
+            </a:solidFill>
+            <a:headEnd type="triangle"/>
+            <a:tailEnd type="triangle"/>
+          </a:ln>
+        </p:spPr>
+        <p:style>
+          <a:lnRef idx="1">
+            <a:schemeClr val="accent1"/>
+          </a:lnRef>
+          <a:fillRef idx="0">
+            <a:schemeClr val="accent1"/>
+          </a:fillRef>
+          <a:effectRef idx="0">
+            <a:schemeClr val="accent1"/>
+          </a:effectRef>
+          <a:fontRef idx="minor">
+            <a:schemeClr val="tx1"/>
+          </a:fontRef>
+        </p:style>
+      </p:cxnSp>
+      <p:sp>
+        <p:nvSpPr>
+          <p:cNvPr id="24" name="Rectangle 23">
+            <a:extLst>
+              <a:ext uri="{FF2B5EF4-FFF2-40B4-BE49-F238E27FC236}">
+                <a16:creationId xmlns:a16="http://schemas.microsoft.com/office/drawing/2014/main" id="{D3F93FBD-1109-AB4F-EF89-8FEDB5DDB150}"/>
+              </a:ext>
+            </a:extLst>
+          </p:cNvPr>
+          <p:cNvSpPr/>
+          <p:nvPr/>
+        </p:nvSpPr>
+        <p:spPr>
+          <a:xfrm>
+            <a:off x="8496716" y="2685505"/>
+            <a:ext cx="1093275" cy="171450"/>
+          </a:xfrm>
+          <a:prstGeom prst="rect">
+            <a:avLst/>
+          </a:prstGeom>
+          <a:solidFill>
+            <a:srgbClr val="FFFF00"/>
+          </a:solidFill>
+          <a:ln>
+            <a:solidFill>
+              <a:schemeClr val="bg1"/>
+            </a:solidFill>
+          </a:ln>
+        </p:spPr>
+        <p:style>
+          <a:lnRef idx="2">
+            <a:schemeClr val="accent1">
+              <a:shade val="50000"/>
+            </a:schemeClr>
+          </a:lnRef>
+          <a:fillRef idx="1">
+            <a:schemeClr val="accent1"/>
+          </a:fillRef>
+          <a:effectRef idx="0">
+            <a:schemeClr val="accent1"/>
+          </a:effectRef>
+          <a:fontRef idx="minor">
+            <a:schemeClr val="lt1"/>
+          </a:fontRef>
+        </p:style>
+        <p:txBody>
+          <a:bodyPr rtlCol="0" anchor="ctr"/>
+          <a:lstStyle/>
+          <a:p>
+            <a:pPr algn="ctr"/>
+            <a:r>
+              <a:rPr lang="it-IT" sz="800" dirty="0">
+                <a:solidFill>
+                  <a:srgbClr val="FF0000"/>
+                </a:solidFill>
+              </a:rPr>
+              <a:t>DATA_OUT_SAVE</a:t>
+            </a:r>
+            <a:endParaRPr lang="en-US" sz="800" dirty="0">
+              <a:solidFill>
+                <a:srgbClr val="FF0000"/>
+              </a:solidFill>
+            </a:endParaRPr>
+          </a:p>
+        </p:txBody>
+      </p:sp>
+      <p:sp>
+        <p:nvSpPr>
+          <p:cNvPr id="25" name="Rectangle 24">
+            <a:extLst>
+              <a:ext uri="{FF2B5EF4-FFF2-40B4-BE49-F238E27FC236}">
+                <a16:creationId xmlns:a16="http://schemas.microsoft.com/office/drawing/2014/main" id="{DC9A16C7-D20F-8695-0ED8-F54AE8AA96F1}"/>
+              </a:ext>
+            </a:extLst>
+          </p:cNvPr>
+          <p:cNvSpPr/>
+          <p:nvPr/>
+        </p:nvSpPr>
+        <p:spPr>
+          <a:xfrm>
+            <a:off x="8496716" y="2941269"/>
+            <a:ext cx="1093275" cy="171450"/>
+          </a:xfrm>
+          <a:prstGeom prst="rect">
+            <a:avLst/>
+          </a:prstGeom>
+          <a:solidFill>
+            <a:srgbClr val="FFFF00"/>
+          </a:solidFill>
+          <a:ln>
+            <a:solidFill>
+              <a:schemeClr val="bg1"/>
+            </a:solidFill>
+          </a:ln>
+        </p:spPr>
+        <p:style>
+          <a:lnRef idx="2">
+            <a:schemeClr val="accent1">
+              <a:shade val="50000"/>
+            </a:schemeClr>
+          </a:lnRef>
+          <a:fillRef idx="1">
+            <a:schemeClr val="accent1"/>
+          </a:fillRef>
+          <a:effectRef idx="0">
+            <a:schemeClr val="accent1"/>
+          </a:effectRef>
+          <a:fontRef idx="minor">
+            <a:schemeClr val="lt1"/>
+          </a:fontRef>
+        </p:style>
+        <p:txBody>
+          <a:bodyPr rtlCol="0" anchor="ctr"/>
+          <a:lstStyle/>
+          <a:p>
+            <a:pPr algn="ctr"/>
+            <a:r>
+              <a:rPr lang="it-IT" sz="800" dirty="0">
+                <a:solidFill>
+                  <a:srgbClr val="FF0000"/>
+                </a:solidFill>
+              </a:rPr>
+              <a:t>DATA_OUT_REC</a:t>
+            </a:r>
+            <a:endParaRPr lang="en-US" sz="800" dirty="0">
+              <a:solidFill>
+                <a:srgbClr val="FF0000"/>
+              </a:solidFill>
+            </a:endParaRPr>
+          </a:p>
+        </p:txBody>
+      </p:sp>
+      <p:sp>
+        <p:nvSpPr>
+          <p:cNvPr id="26" name="Rectangle 25">
+            <a:extLst>
+              <a:ext uri="{FF2B5EF4-FFF2-40B4-BE49-F238E27FC236}">
+                <a16:creationId xmlns:a16="http://schemas.microsoft.com/office/drawing/2014/main" id="{08D105D3-AC1F-248D-1C16-57D1CFC1D8C9}"/>
+              </a:ext>
+            </a:extLst>
+          </p:cNvPr>
+          <p:cNvSpPr/>
+          <p:nvPr/>
+        </p:nvSpPr>
+        <p:spPr>
+          <a:xfrm>
+            <a:off x="7801879" y="4818597"/>
+            <a:ext cx="1093275" cy="171450"/>
+          </a:xfrm>
+          <a:prstGeom prst="rect">
+            <a:avLst/>
+          </a:prstGeom>
+          <a:solidFill>
+            <a:srgbClr val="FFFF00"/>
+          </a:solidFill>
+          <a:ln>
+            <a:solidFill>
+              <a:schemeClr val="bg1"/>
+            </a:solidFill>
+          </a:ln>
+        </p:spPr>
+        <p:style>
+          <a:lnRef idx="2">
+            <a:schemeClr val="accent1">
+              <a:shade val="50000"/>
+            </a:schemeClr>
+          </a:lnRef>
+          <a:fillRef idx="1">
+            <a:schemeClr val="accent1"/>
+          </a:fillRef>
+          <a:effectRef idx="0">
+            <a:schemeClr val="accent1"/>
+          </a:effectRef>
+          <a:fontRef idx="minor">
+            <a:schemeClr val="lt1"/>
+          </a:fontRef>
+        </p:style>
+        <p:txBody>
+          <a:bodyPr rtlCol="0" anchor="ctr"/>
+          <a:lstStyle/>
+          <a:p>
+            <a:pPr algn="ctr"/>
+            <a:r>
+              <a:rPr lang="it-IT" sz="800" dirty="0">
+                <a:solidFill>
+                  <a:srgbClr val="FF0000"/>
+                </a:solidFill>
+              </a:rPr>
+              <a:t>CUM_SUM_SAVE</a:t>
+            </a:r>
+            <a:endParaRPr lang="en-US" sz="800" dirty="0">
+              <a:solidFill>
+                <a:srgbClr val="FF0000"/>
+              </a:solidFill>
+            </a:endParaRPr>
+          </a:p>
+        </p:txBody>
+      </p:sp>
+      <p:sp>
+        <p:nvSpPr>
+          <p:cNvPr id="27" name="Rectangle 26">
+            <a:extLst>
+              <a:ext uri="{FF2B5EF4-FFF2-40B4-BE49-F238E27FC236}">
+                <a16:creationId xmlns:a16="http://schemas.microsoft.com/office/drawing/2014/main" id="{DDFDEAC5-DF71-399C-4613-3306E7A8369A}"/>
+              </a:ext>
+            </a:extLst>
+          </p:cNvPr>
+          <p:cNvSpPr/>
+          <p:nvPr/>
+        </p:nvSpPr>
+        <p:spPr>
+          <a:xfrm>
+            <a:off x="8496716" y="5226786"/>
+            <a:ext cx="1093275" cy="171450"/>
+          </a:xfrm>
+          <a:prstGeom prst="rect">
+            <a:avLst/>
+          </a:prstGeom>
+          <a:solidFill>
+            <a:srgbClr val="FFFF00"/>
+          </a:solidFill>
+          <a:ln>
+            <a:solidFill>
+              <a:schemeClr val="bg1"/>
+            </a:solidFill>
+          </a:ln>
+        </p:spPr>
+        <p:style>
+          <a:lnRef idx="2">
+            <a:schemeClr val="accent1">
+              <a:shade val="50000"/>
+            </a:schemeClr>
+          </a:lnRef>
+          <a:fillRef idx="1">
+            <a:schemeClr val="accent1"/>
+          </a:fillRef>
+          <a:effectRef idx="0">
+            <a:schemeClr val="accent1"/>
+          </a:effectRef>
+          <a:fontRef idx="minor">
+            <a:schemeClr val="lt1"/>
+          </a:fontRef>
+        </p:style>
+        <p:txBody>
+          <a:bodyPr rtlCol="0" anchor="ctr"/>
+          <a:lstStyle/>
+          <a:p>
+            <a:pPr algn="ctr"/>
+            <a:r>
+              <a:rPr lang="it-IT" sz="800" dirty="0">
+                <a:solidFill>
+                  <a:srgbClr val="FF0000"/>
+                </a:solidFill>
+              </a:rPr>
+              <a:t>CUM_SUM_REC</a:t>
+            </a:r>
+            <a:endParaRPr lang="en-US" sz="800" dirty="0">
+              <a:solidFill>
+                <a:srgbClr val="FF0000"/>
+              </a:solidFill>
+            </a:endParaRPr>
+          </a:p>
+        </p:txBody>
+      </p:sp>
+      <p:cxnSp>
+        <p:nvCxnSpPr>
+          <p:cNvPr id="29" name="Straight Arrow Connector 28">
+            <a:extLst>
+              <a:ext uri="{FF2B5EF4-FFF2-40B4-BE49-F238E27FC236}">
+                <a16:creationId xmlns:a16="http://schemas.microsoft.com/office/drawing/2014/main" id="{3CFFE85D-C7FB-64E3-5E09-0CE7B92B5C2C}"/>
+              </a:ext>
+            </a:extLst>
+          </p:cNvPr>
+          <p:cNvCxnSpPr>
+            <a:cxnSpLocks/>
+            <a:endCxn id="24" idx="1"/>
+          </p:cNvCxnSpPr>
+          <p:nvPr/>
+        </p:nvCxnSpPr>
+        <p:spPr>
+          <a:xfrm>
+            <a:off x="8058566" y="2771230"/>
+            <a:ext cx="438150" cy="0"/>
+          </a:xfrm>
+          <a:prstGeom prst="straightConnector1">
+            <a:avLst/>
+          </a:prstGeom>
+          <a:ln>
+            <a:tailEnd type="triangle"/>
+          </a:ln>
+        </p:spPr>
+        <p:style>
+          <a:lnRef idx="1">
+            <a:schemeClr val="dk1"/>
+          </a:lnRef>
+          <a:fillRef idx="0">
+            <a:schemeClr val="dk1"/>
+          </a:fillRef>
+          <a:effectRef idx="0">
+            <a:schemeClr val="dk1"/>
+          </a:effectRef>
+          <a:fontRef idx="minor">
+            <a:schemeClr val="tx1"/>
+          </a:fontRef>
+        </p:style>
+      </p:cxnSp>
+      <p:cxnSp>
+        <p:nvCxnSpPr>
+          <p:cNvPr id="31" name="Straight Arrow Connector 30">
+            <a:extLst>
+              <a:ext uri="{FF2B5EF4-FFF2-40B4-BE49-F238E27FC236}">
+                <a16:creationId xmlns:a16="http://schemas.microsoft.com/office/drawing/2014/main" id="{59324E54-290E-0F13-CFBD-149F0822ABB8}"/>
+              </a:ext>
+            </a:extLst>
+          </p:cNvPr>
+          <p:cNvCxnSpPr>
+            <a:cxnSpLocks/>
+          </p:cNvCxnSpPr>
+          <p:nvPr/>
+        </p:nvCxnSpPr>
+        <p:spPr>
+          <a:xfrm>
+            <a:off x="7463180" y="4904322"/>
+            <a:ext cx="338699" cy="0"/>
+          </a:xfrm>
+          <a:prstGeom prst="straightConnector1">
+            <a:avLst/>
+          </a:prstGeom>
+          <a:ln>
+            <a:tailEnd type="triangle"/>
+          </a:ln>
+        </p:spPr>
+        <p:style>
+          <a:lnRef idx="1">
+            <a:schemeClr val="dk1"/>
+          </a:lnRef>
+          <a:fillRef idx="0">
+            <a:schemeClr val="dk1"/>
+          </a:fillRef>
+          <a:effectRef idx="0">
+            <a:schemeClr val="dk1"/>
+          </a:effectRef>
+          <a:fontRef idx="minor">
+            <a:schemeClr val="tx1"/>
+          </a:fontRef>
+        </p:style>
+      </p:cxnSp>
+      <p:cxnSp>
+        <p:nvCxnSpPr>
+          <p:cNvPr id="37" name="Connector: Elbow 36">
+            <a:extLst>
+              <a:ext uri="{FF2B5EF4-FFF2-40B4-BE49-F238E27FC236}">
+                <a16:creationId xmlns:a16="http://schemas.microsoft.com/office/drawing/2014/main" id="{AA5A0063-4773-7157-D38A-BFD563E70F4D}"/>
+              </a:ext>
+            </a:extLst>
+          </p:cNvPr>
+          <p:cNvCxnSpPr>
+            <a:cxnSpLocks/>
+            <a:stCxn id="25" idx="1"/>
+          </p:cNvCxnSpPr>
+          <p:nvPr/>
+        </p:nvCxnSpPr>
+        <p:spPr>
+          <a:xfrm rot="10800000" flipV="1">
+            <a:off x="7801880" y="3026993"/>
+            <a:ext cx="694837" cy="1411"/>
+          </a:xfrm>
+          <a:prstGeom prst="bentConnector3">
+            <a:avLst/>
+          </a:prstGeom>
+          <a:ln>
+            <a:tailEnd type="triangle"/>
+          </a:ln>
+        </p:spPr>
+        <p:style>
+          <a:lnRef idx="1">
+            <a:schemeClr val="dk1"/>
+          </a:lnRef>
+          <a:fillRef idx="0">
+            <a:schemeClr val="dk1"/>
+          </a:fillRef>
+          <a:effectRef idx="0">
+            <a:schemeClr val="dk1"/>
+          </a:effectRef>
+          <a:fontRef idx="minor">
+            <a:schemeClr val="tx1"/>
+          </a:fontRef>
+        </p:style>
+      </p:cxnSp>
+      <p:cxnSp>
+        <p:nvCxnSpPr>
+          <p:cNvPr id="39" name="Connector: Elbow 38">
+            <a:extLst>
+              <a:ext uri="{FF2B5EF4-FFF2-40B4-BE49-F238E27FC236}">
+                <a16:creationId xmlns:a16="http://schemas.microsoft.com/office/drawing/2014/main" id="{44B839C9-7436-12F0-3B9F-FE71D0D9DE07}"/>
+              </a:ext>
+            </a:extLst>
+          </p:cNvPr>
+          <p:cNvCxnSpPr>
+            <a:cxnSpLocks/>
+          </p:cNvCxnSpPr>
+          <p:nvPr/>
+        </p:nvCxnSpPr>
+        <p:spPr>
+          <a:xfrm rot="10800000" flipV="1">
+            <a:off x="7801878" y="5308278"/>
+            <a:ext cx="694837" cy="1411"/>
+          </a:xfrm>
+          <a:prstGeom prst="bentConnector3">
+            <a:avLst/>
+          </a:prstGeom>
+          <a:ln>
+            <a:tailEnd type="triangle"/>
+          </a:ln>
+        </p:spPr>
+        <p:style>
+          <a:lnRef idx="1">
+            <a:schemeClr val="dk1"/>
+          </a:lnRef>
+          <a:fillRef idx="0">
+            <a:schemeClr val="dk1"/>
+          </a:fillRef>
+          <a:effectRef idx="0">
+            <a:schemeClr val="dk1"/>
+          </a:effectRef>
+          <a:fontRef idx="minor">
+            <a:schemeClr val="tx1"/>
+          </a:fontRef>
+        </p:style>
+      </p:cxnSp>
+    </p:spTree>
+    <p:extLst>
+      <p:ext uri="{BB962C8B-B14F-4D97-AF65-F5344CB8AC3E}">
+        <p14:creationId xmlns:p14="http://schemas.microsoft.com/office/powerpoint/2010/main" val="815100810"/>
+      </p:ext>
+    </p:extLst>
+  </p:cSld>
+  <p:clrMapOvr>
+    <a:masterClrMapping/>
+  </p:clrMapOvr>
+</p:sld>
+</file>
+
+<file path=ppt/slides/slide31.xml><?xml version="1.0" encoding="utf-8"?>
+<p:sld xmlns:a="http://schemas.openxmlformats.org/drawingml/2006/main" xmlns:r="http://schemas.openxmlformats.org/officeDocument/2006/relationships" xmlns:p="http://schemas.openxmlformats.org/presentationml/2006/main">
+  <p:cSld>
+    <p:spTree>
+      <p:nvGrpSpPr>
+        <p:cNvPr id="1" name=""/>
+        <p:cNvGrpSpPr/>
+        <p:nvPr/>
+      </p:nvGrpSpPr>
+      <p:grpSpPr>
+        <a:xfrm>
+          <a:off x="0" y="0"/>
+          <a:ext cx="0" cy="0"/>
+          <a:chOff x="0" y="0"/>
+          <a:chExt cx="0" cy="0"/>
+        </a:xfrm>
+      </p:grpSpPr>
+      <p:sp>
+        <p:nvSpPr>
+          <p:cNvPr id="19" name="Rectangle 18">
+            <a:extLst>
+              <a:ext uri="{FF2B5EF4-FFF2-40B4-BE49-F238E27FC236}">
+                <a16:creationId xmlns:a16="http://schemas.microsoft.com/office/drawing/2014/main" id="{42590149-4E54-BBA2-E320-234C898C4B24}"/>
+              </a:ext>
+            </a:extLst>
+          </p:cNvPr>
+          <p:cNvSpPr/>
+          <p:nvPr/>
+        </p:nvSpPr>
+        <p:spPr>
+          <a:xfrm>
+            <a:off x="645059" y="1866900"/>
+            <a:ext cx="10891234" cy="4238774"/>
+          </a:xfrm>
+          <a:prstGeom prst="rect">
+            <a:avLst/>
+          </a:prstGeom>
+          <a:solidFill>
+            <a:schemeClr val="tx1"/>
+          </a:solidFill>
+          <a:ln>
+            <a:noFill/>
+          </a:ln>
+        </p:spPr>
+        <p:style>
+          <a:lnRef idx="2">
+            <a:schemeClr val="accent1">
+              <a:shade val="50000"/>
+            </a:schemeClr>
+          </a:lnRef>
+          <a:fillRef idx="1">
+            <a:schemeClr val="accent1"/>
+          </a:fillRef>
+          <a:effectRef idx="0">
+            <a:schemeClr val="accent1"/>
+          </a:effectRef>
+          <a:fontRef idx="minor">
+            <a:schemeClr val="lt1"/>
+          </a:fontRef>
+        </p:style>
+        <p:txBody>
+          <a:bodyPr rtlCol="0" anchor="ctr"/>
+          <a:lstStyle/>
+          <a:p>
+            <a:pPr algn="ctr"/>
+            <a:endParaRPr lang="en-US" dirty="0"/>
+          </a:p>
+        </p:txBody>
+      </p:sp>
+      <p:sp>
+        <p:nvSpPr>
+          <p:cNvPr id="2" name="Title 1">
+            <a:extLst>
+              <a:ext uri="{FF2B5EF4-FFF2-40B4-BE49-F238E27FC236}">
+                <a16:creationId xmlns:a16="http://schemas.microsoft.com/office/drawing/2014/main" id="{E82B8A71-C364-62F0-AE52-4B4359610674}"/>
+              </a:ext>
+            </a:extLst>
+          </p:cNvPr>
+          <p:cNvSpPr>
+            <a:spLocks noGrp="1"/>
+          </p:cNvSpPr>
+          <p:nvPr>
+            <p:ph type="title"/>
+          </p:nvPr>
+        </p:nvSpPr>
+        <p:spPr/>
+        <p:txBody>
+          <a:bodyPr/>
+          <a:lstStyle/>
+          <a:p>
+            <a:r>
+              <a:rPr lang="it-IT" dirty="0"/>
+              <a:t>Layer </a:t>
+            </a:r>
+            <a:r>
+              <a:rPr lang="it-IT" dirty="0" err="1"/>
+              <a:t>Added</a:t>
+            </a:r>
+            <a:r>
+              <a:rPr lang="it-IT" dirty="0"/>
+              <a:t> Pins</a:t>
+            </a:r>
+            <a:endParaRPr lang="en-US" dirty="0"/>
+          </a:p>
+        </p:txBody>
+      </p:sp>
+      <p:pic>
+        <p:nvPicPr>
+          <p:cNvPr id="4" name="Picture 3" descr="Diagram&#10;&#10;Description automatically generated">
+            <a:extLst>
+              <a:ext uri="{FF2B5EF4-FFF2-40B4-BE49-F238E27FC236}">
+                <a16:creationId xmlns:a16="http://schemas.microsoft.com/office/drawing/2014/main" id="{8DEEE73C-0976-80BC-AA01-5CC711861185}"/>
+              </a:ext>
+            </a:extLst>
+          </p:cNvPr>
+          <p:cNvPicPr>
+            <a:picLocks noChangeAspect="1"/>
+          </p:cNvPicPr>
+          <p:nvPr/>
+        </p:nvPicPr>
+        <p:blipFill>
+          <a:blip r:embed="rId3"/>
+          <a:stretch>
+            <a:fillRect/>
+          </a:stretch>
+        </p:blipFill>
+        <p:spPr>
+          <a:xfrm>
+            <a:off x="2640253" y="2437614"/>
+            <a:ext cx="6911494" cy="3175756"/>
+          </a:xfrm>
+          <a:prstGeom prst="rect">
+            <a:avLst/>
+          </a:prstGeom>
+        </p:spPr>
+      </p:pic>
+      <p:sp>
+        <p:nvSpPr>
+          <p:cNvPr id="6" name="Rectangle 5">
+            <a:extLst>
+              <a:ext uri="{FF2B5EF4-FFF2-40B4-BE49-F238E27FC236}">
+                <a16:creationId xmlns:a16="http://schemas.microsoft.com/office/drawing/2014/main" id="{0A921FDB-E2C9-9288-A490-57A99DAE21FE}"/>
+              </a:ext>
+            </a:extLst>
+          </p:cNvPr>
+          <p:cNvSpPr/>
+          <p:nvPr/>
+        </p:nvSpPr>
+        <p:spPr>
+          <a:xfrm>
+            <a:off x="4396236" y="4635500"/>
+            <a:ext cx="1114425" cy="171450"/>
+          </a:xfrm>
+          <a:prstGeom prst="rect">
+            <a:avLst/>
+          </a:prstGeom>
+          <a:solidFill>
+            <a:srgbClr val="FFFF00"/>
+          </a:solidFill>
+          <a:ln>
+            <a:solidFill>
+              <a:schemeClr val="bg1"/>
+            </a:solidFill>
+          </a:ln>
+        </p:spPr>
+        <p:style>
+          <a:lnRef idx="2">
+            <a:schemeClr val="accent1">
+              <a:shade val="50000"/>
+            </a:schemeClr>
+          </a:lnRef>
+          <a:fillRef idx="1">
+            <a:schemeClr val="accent1"/>
+          </a:fillRef>
+          <a:effectRef idx="0">
+            <a:schemeClr val="accent1"/>
+          </a:effectRef>
+          <a:fontRef idx="minor">
+            <a:schemeClr val="lt1"/>
+          </a:fontRef>
+        </p:style>
+        <p:txBody>
+          <a:bodyPr rtlCol="0" anchor="ctr"/>
+          <a:lstStyle/>
+          <a:p>
+            <a:pPr algn="ctr"/>
+            <a:r>
+              <a:rPr lang="it-IT" sz="800" dirty="0">
+                <a:solidFill>
+                  <a:srgbClr val="FF0000"/>
+                </a:solidFill>
+              </a:rPr>
+              <a:t>FSM_STATE_SAVE</a:t>
+            </a:r>
+            <a:endParaRPr lang="en-US" sz="800" dirty="0">
+              <a:solidFill>
+                <a:srgbClr val="FF0000"/>
+              </a:solidFill>
+            </a:endParaRPr>
+          </a:p>
+        </p:txBody>
+      </p:sp>
+      <p:sp>
+        <p:nvSpPr>
+          <p:cNvPr id="7" name="Rectangle 6">
+            <a:extLst>
+              <a:ext uri="{FF2B5EF4-FFF2-40B4-BE49-F238E27FC236}">
+                <a16:creationId xmlns:a16="http://schemas.microsoft.com/office/drawing/2014/main" id="{D22AAF83-C7C7-3D66-DBB8-1B49C6BEC7FE}"/>
+              </a:ext>
+            </a:extLst>
+          </p:cNvPr>
+          <p:cNvSpPr/>
+          <p:nvPr/>
+        </p:nvSpPr>
+        <p:spPr>
+          <a:xfrm>
+            <a:off x="3103841" y="4635500"/>
+            <a:ext cx="997629" cy="171450"/>
+          </a:xfrm>
+          <a:prstGeom prst="rect">
+            <a:avLst/>
+          </a:prstGeom>
+          <a:solidFill>
+            <a:srgbClr val="FFFF00"/>
+          </a:solidFill>
+          <a:ln>
+            <a:solidFill>
+              <a:schemeClr val="bg1"/>
+            </a:solidFill>
+          </a:ln>
+        </p:spPr>
+        <p:style>
+          <a:lnRef idx="2">
+            <a:schemeClr val="accent1">
+              <a:shade val="50000"/>
+            </a:schemeClr>
+          </a:lnRef>
+          <a:fillRef idx="1">
+            <a:schemeClr val="accent1"/>
+          </a:fillRef>
+          <a:effectRef idx="0">
+            <a:schemeClr val="accent1"/>
+          </a:effectRef>
+          <a:fontRef idx="minor">
+            <a:schemeClr val="lt1"/>
+          </a:fontRef>
+        </p:style>
+        <p:txBody>
+          <a:bodyPr rtlCol="0" anchor="ctr"/>
+          <a:lstStyle/>
+          <a:p>
+            <a:pPr algn="ctr"/>
+            <a:r>
+              <a:rPr lang="it-IT" sz="800" dirty="0">
+                <a:solidFill>
+                  <a:srgbClr val="FF0000"/>
+                </a:solidFill>
+              </a:rPr>
+              <a:t>FSM_STATE_REC</a:t>
+            </a:r>
+            <a:endParaRPr lang="en-US" sz="800" dirty="0">
+              <a:solidFill>
+                <a:srgbClr val="FF0000"/>
+              </a:solidFill>
+            </a:endParaRPr>
+          </a:p>
+        </p:txBody>
+      </p:sp>
+      <p:sp>
+        <p:nvSpPr>
+          <p:cNvPr id="8" name="Rectangle 7">
+            <a:extLst>
+              <a:ext uri="{FF2B5EF4-FFF2-40B4-BE49-F238E27FC236}">
+                <a16:creationId xmlns:a16="http://schemas.microsoft.com/office/drawing/2014/main" id="{A8F46064-C411-FD39-CC9D-5ABDBD89ECAA}"/>
+              </a:ext>
+            </a:extLst>
+          </p:cNvPr>
+          <p:cNvSpPr/>
+          <p:nvPr/>
+        </p:nvSpPr>
+        <p:spPr>
+          <a:xfrm>
+            <a:off x="3056272" y="3648680"/>
+            <a:ext cx="997629" cy="171450"/>
+          </a:xfrm>
+          <a:prstGeom prst="rect">
+            <a:avLst/>
+          </a:prstGeom>
+          <a:solidFill>
+            <a:srgbClr val="FFFF00"/>
+          </a:solidFill>
+          <a:ln>
+            <a:solidFill>
+              <a:schemeClr val="bg1"/>
+            </a:solidFill>
+          </a:ln>
+        </p:spPr>
+        <p:style>
+          <a:lnRef idx="2">
+            <a:schemeClr val="accent1">
+              <a:shade val="50000"/>
+            </a:schemeClr>
+          </a:lnRef>
+          <a:fillRef idx="1">
+            <a:schemeClr val="accent1"/>
+          </a:fillRef>
+          <a:effectRef idx="0">
+            <a:schemeClr val="accent1"/>
+          </a:effectRef>
+          <a:fontRef idx="minor">
+            <a:schemeClr val="lt1"/>
+          </a:fontRef>
+        </p:style>
+        <p:txBody>
+          <a:bodyPr rtlCol="0" anchor="ctr"/>
+          <a:lstStyle/>
+          <a:p>
+            <a:pPr algn="ctr"/>
+            <a:r>
+              <a:rPr lang="it-IT" sz="800" dirty="0">
+                <a:solidFill>
+                  <a:srgbClr val="FF0000"/>
+                </a:solidFill>
+              </a:rPr>
+              <a:t>ADDR_GEN_REC</a:t>
+            </a:r>
+            <a:endParaRPr lang="en-US" sz="800" dirty="0">
+              <a:solidFill>
+                <a:srgbClr val="FF0000"/>
+              </a:solidFill>
+            </a:endParaRPr>
+          </a:p>
+        </p:txBody>
+      </p:sp>
+      <p:sp>
+        <p:nvSpPr>
+          <p:cNvPr id="13" name="Rectangle 12">
+            <a:extLst>
+              <a:ext uri="{FF2B5EF4-FFF2-40B4-BE49-F238E27FC236}">
+                <a16:creationId xmlns:a16="http://schemas.microsoft.com/office/drawing/2014/main" id="{93B43B19-DFD7-F188-66DD-B15ED38BFED8}"/>
+              </a:ext>
+            </a:extLst>
+          </p:cNvPr>
+          <p:cNvSpPr/>
+          <p:nvPr/>
+        </p:nvSpPr>
+        <p:spPr>
+          <a:xfrm>
+            <a:off x="5276220" y="3562955"/>
+            <a:ext cx="1027789" cy="171450"/>
+          </a:xfrm>
+          <a:prstGeom prst="rect">
+            <a:avLst/>
+          </a:prstGeom>
+          <a:solidFill>
+            <a:srgbClr val="FFFF00"/>
+          </a:solidFill>
+          <a:ln>
+            <a:solidFill>
+              <a:schemeClr val="bg1"/>
+            </a:solidFill>
+          </a:ln>
+        </p:spPr>
+        <p:style>
+          <a:lnRef idx="2">
+            <a:schemeClr val="accent1">
+              <a:shade val="50000"/>
+            </a:schemeClr>
+          </a:lnRef>
+          <a:fillRef idx="1">
+            <a:schemeClr val="accent1"/>
+          </a:fillRef>
+          <a:effectRef idx="0">
+            <a:schemeClr val="accent1"/>
+          </a:effectRef>
+          <a:fontRef idx="minor">
+            <a:schemeClr val="lt1"/>
+          </a:fontRef>
+        </p:style>
+        <p:txBody>
+          <a:bodyPr rtlCol="0" anchor="ctr"/>
+          <a:lstStyle/>
+          <a:p>
+            <a:pPr algn="ctr"/>
+            <a:r>
+              <a:rPr lang="it-IT" sz="800" dirty="0">
+                <a:solidFill>
+                  <a:srgbClr val="FF0000"/>
+                </a:solidFill>
+              </a:rPr>
+              <a:t>ADDR_GEN_SAVE</a:t>
+            </a:r>
+            <a:endParaRPr lang="en-US" sz="800" dirty="0">
+              <a:solidFill>
+                <a:srgbClr val="FF0000"/>
+              </a:solidFill>
+            </a:endParaRPr>
+          </a:p>
+        </p:txBody>
+      </p:sp>
+      <p:cxnSp>
+        <p:nvCxnSpPr>
+          <p:cNvPr id="15" name="Connector: Elbow 14">
+            <a:extLst>
+              <a:ext uri="{FF2B5EF4-FFF2-40B4-BE49-F238E27FC236}">
+                <a16:creationId xmlns:a16="http://schemas.microsoft.com/office/drawing/2014/main" id="{4751B1C3-C2EE-B5CE-F0F9-E7D5620B5015}"/>
+              </a:ext>
+            </a:extLst>
+          </p:cNvPr>
+          <p:cNvCxnSpPr>
+            <a:cxnSpLocks/>
+            <a:endCxn id="13" idx="1"/>
+          </p:cNvCxnSpPr>
+          <p:nvPr/>
+        </p:nvCxnSpPr>
+        <p:spPr>
+          <a:xfrm>
+            <a:off x="4953448" y="3648680"/>
+            <a:ext cx="322772" cy="12700"/>
+          </a:xfrm>
+          <a:prstGeom prst="bentConnector3">
+            <a:avLst/>
+          </a:prstGeom>
+          <a:ln w="28575">
+            <a:solidFill>
+              <a:srgbClr val="FFFF00"/>
+            </a:solidFill>
+            <a:headEnd type="triangle"/>
+            <a:tailEnd type="triangle"/>
+          </a:ln>
+        </p:spPr>
+        <p:style>
+          <a:lnRef idx="1">
+            <a:schemeClr val="accent1"/>
+          </a:lnRef>
+          <a:fillRef idx="0">
+            <a:schemeClr val="accent1"/>
+          </a:fillRef>
+          <a:effectRef idx="0">
+            <a:schemeClr val="accent1"/>
+          </a:effectRef>
+          <a:fontRef idx="minor">
+            <a:schemeClr val="tx1"/>
+          </a:fontRef>
+        </p:style>
+      </p:cxnSp>
+    </p:spTree>
+    <p:extLst>
+      <p:ext uri="{BB962C8B-B14F-4D97-AF65-F5344CB8AC3E}">
+        <p14:creationId xmlns:p14="http://schemas.microsoft.com/office/powerpoint/2010/main" val="2379996754"/>
+      </p:ext>
+    </p:extLst>
+  </p:cSld>
+  <p:clrMapOvr>
+    <a:masterClrMapping/>
+  </p:clrMapOvr>
+  <p:extLst>
+    <p:ext uri="{6950BFC3-D8DA-4A85-94F7-54DA5524770B}">
+      <p188:commentRel xmlns:p188="http://schemas.microsoft.com/office/powerpoint/2018/8/main" r:id="rId2"/>
+    </p:ext>
+  </p:extLst>
+</p:sld>
+</file>
+
+<file path=ppt/slides/slide32.xml><?xml version="1.0" encoding="utf-8"?>
+<p:sld xmlns:a="http://schemas.openxmlformats.org/drawingml/2006/main" xmlns:r="http://schemas.openxmlformats.org/officeDocument/2006/relationships" xmlns:p="http://schemas.openxmlformats.org/presentationml/2006/main">
+  <p:cSld>
+    <p:spTree>
+      <p:nvGrpSpPr>
+        <p:cNvPr id="1" name=""/>
+        <p:cNvGrpSpPr/>
+        <p:nvPr/>
+      </p:nvGrpSpPr>
+      <p:grpSpPr>
+        <a:xfrm>
+          <a:off x="0" y="0"/>
+          <a:ext cx="0" cy="0"/>
+          <a:chOff x="0" y="0"/>
+          <a:chExt cx="0" cy="0"/>
+        </a:xfrm>
+      </p:grpSpPr>
+      <p:sp>
+        <p:nvSpPr>
           <p:cNvPr id="2" name="Title 1">
             <a:extLst>
               <a:ext uri="{FF2B5EF4-FFF2-40B4-BE49-F238E27FC236}">
@@ -23794,7 +25078,7 @@
 </p:sld>
 </file>
 
-<file path=ppt/slides/slide31.xml><?xml version="1.0" encoding="utf-8"?>
+<file path=ppt/slides/slide33.xml><?xml version="1.0" encoding="utf-8"?>
 <p:sld xmlns:a="http://schemas.openxmlformats.org/drawingml/2006/main" xmlns:r="http://schemas.openxmlformats.org/officeDocument/2006/relationships" xmlns:p="http://schemas.openxmlformats.org/presentationml/2006/main">
   <p:cSld>
     <p:spTree>
@@ -24681,7 +25965,7 @@
                   <a:srgbClr val="FF0000"/>
                 </a:solidFill>
               </a:rPr>
-              <a:t>SAVE_OUTPUT</a:t>
+              <a:t>PREVIOUSLY_ACTIVE</a:t>
             </a:r>
             <a:endParaRPr lang="en-US" sz="800" dirty="0">
               <a:solidFill>
@@ -24879,7 +26163,7 @@
                   <a:srgbClr val="FF0000"/>
                 </a:solidFill>
               </a:rPr>
-              <a:t>SAVE_OUTPUT</a:t>
+              <a:t>PREVIOUSLY_ACTIVE</a:t>
             </a:r>
             <a:endParaRPr lang="en-US" sz="800" dirty="0">
               <a:solidFill>
@@ -24945,7 +26229,7 @@
                   <a:srgbClr val="FF0000"/>
                 </a:solidFill>
               </a:rPr>
-              <a:t>SAVE_OUTPUT</a:t>
+              <a:t>PREVIOUSLY_ACTIVE</a:t>
             </a:r>
             <a:endParaRPr lang="en-US" sz="800" dirty="0">
               <a:solidFill>
@@ -25166,7 +26450,7 @@
                   <a:srgbClr val="FF0000"/>
                 </a:solidFill>
               </a:rPr>
-              <a:t>SAVE_OUTPUT</a:t>
+              <a:t>PREVIIOUSLY_ACTIVE</a:t>
             </a:r>
             <a:endParaRPr lang="en-US" sz="800" dirty="0">
               <a:solidFill>
@@ -25224,7 +26508,7 @@
     </p:spTree>
     <p:extLst>
       <p:ext uri="{BB962C8B-B14F-4D97-AF65-F5344CB8AC3E}">
-        <p14:creationId xmlns:p14="http://schemas.microsoft.com/office/powerpoint/2010/main" val="1495864833"/>
+        <p14:creationId xmlns:p14="http://schemas.microsoft.com/office/powerpoint/2010/main" val="3732330450"/>
       </p:ext>
     </p:extLst>
   </p:cSld>
@@ -30001,15 +31285,6 @@
 </file>
 
 <file path=customXml/item1.xml><?xml version="1.0" encoding="utf-8"?>
-<?mso-contentType ?>
-<FormTemplates xmlns="http://schemas.microsoft.com/sharepoint/v3/contenttype/forms">
-  <Display>DocumentLibraryForm</Display>
-  <Edit>DocumentLibraryForm</Edit>
-  <New>DocumentLibraryForm</New>
-</FormTemplates>
-</file>
-
-<file path=customXml/item2.xml><?xml version="1.0" encoding="utf-8"?>
 <ct:contentTypeSchema xmlns:ct="http://schemas.microsoft.com/office/2006/metadata/contentType" xmlns:ma="http://schemas.microsoft.com/office/2006/metadata/properties/metaAttributes" ct:_="" ma:_="" ma:contentTypeName="Document" ma:contentTypeID="0x01010079F111ED35F8CC479449609E8A0923A6" ma:contentTypeVersion="12" ma:contentTypeDescription="Create a new document." ma:contentTypeScope="" ma:versionID="a410dd7f93c95333ffa1b60ed6adedd1">
   <xsd:schema xmlns:xsd="http://www.w3.org/2001/XMLSchema" xmlns:xs="http://www.w3.org/2001/XMLSchema" xmlns:p="http://schemas.microsoft.com/office/2006/metadata/properties" xmlns:ns2="71af3243-3dd4-4a8d-8c0d-dd76da1f02a5" xmlns:ns3="16c05727-aa75-4e4a-9b5f-8a80a1165891" targetNamespace="http://schemas.microsoft.com/office/2006/metadata/properties" ma:root="true" ma:fieldsID="a936d9baba76aa3866493feff160faab" ns2:_="" ns3:_="">
     <xsd:import namespace="71af3243-3dd4-4a8d-8c0d-dd76da1f02a5"/>
@@ -30230,7 +31505,7 @@
 </ct:contentTypeSchema>
 </file>
 
-<file path=customXml/item3.xml><?xml version="1.0" encoding="utf-8"?>
+<file path=customXml/item2.xml><?xml version="1.0" encoding="utf-8"?>
 <p:properties xmlns:p="http://schemas.microsoft.com/office/2006/metadata/properties" xmlns:xsi="http://www.w3.org/2001/XMLSchema-instance" xmlns:pc="http://schemas.microsoft.com/office/infopath/2007/PartnerControls">
   <documentManagement>
     <Status xmlns="71af3243-3dd4-4a8d-8c0d-dd76da1f02a5">Not started</Status>
@@ -30239,15 +31514,16 @@
 </p:properties>
 </file>
 
-<file path=customXml/itemProps1.xml><?xml version="1.0" encoding="utf-8"?>
-<ds:datastoreItem xmlns:ds="http://schemas.openxmlformats.org/officeDocument/2006/customXml" ds:itemID="{64B270AB-C138-415C-897E-3C24487DECF1}">
-  <ds:schemaRefs>
-    <ds:schemaRef ds:uri="http://schemas.microsoft.com/sharepoint/v3/contenttype/forms"/>
-  </ds:schemaRefs>
-</ds:datastoreItem>
+<file path=customXml/item3.xml><?xml version="1.0" encoding="utf-8"?>
+<?mso-contentType ?>
+<FormTemplates xmlns="http://schemas.microsoft.com/sharepoint/v3/contenttype/forms">
+  <Display>DocumentLibraryForm</Display>
+  <Edit>DocumentLibraryForm</Edit>
+  <New>DocumentLibraryForm</New>
+</FormTemplates>
 </file>
 
-<file path=customXml/itemProps2.xml><?xml version="1.0" encoding="utf-8"?>
+<file path=customXml/itemProps1.xml><?xml version="1.0" encoding="utf-8"?>
 <ds:datastoreItem xmlns:ds="http://schemas.openxmlformats.org/officeDocument/2006/customXml" ds:itemID="{0585E981-8C91-4205-A0C3-C991F42B4C9E}">
   <ds:schemaRefs>
     <ds:schemaRef ds:uri="http://schemas.microsoft.com/office/2006/metadata/contentType"/>
@@ -30266,7 +31542,7 @@
 </ds:datastoreItem>
 </file>
 
-<file path=customXml/itemProps3.xml><?xml version="1.0" encoding="utf-8"?>
+<file path=customXml/itemProps2.xml><?xml version="1.0" encoding="utf-8"?>
 <ds:datastoreItem xmlns:ds="http://schemas.openxmlformats.org/officeDocument/2006/customXml" ds:itemID="{2C4C00F4-06E9-43E3-AD97-88A857CEFA82}">
   <ds:schemaRefs>
     <ds:schemaRef ds:uri="http://schemas.microsoft.com/office/2006/metadata/properties"/>
@@ -30274,4 +31550,12 @@
     <ds:schemaRef ds:uri="71af3243-3dd4-4a8d-8c0d-dd76da1f02a5"/>
   </ds:schemaRefs>
 </ds:datastoreItem>
+</file>
+
+<file path=customXml/itemProps3.xml><?xml version="1.0" encoding="utf-8"?>
+<ds:datastoreItem xmlns:ds="http://schemas.openxmlformats.org/officeDocument/2006/customXml" ds:itemID="{64B270AB-C138-415C-897E-3C24487DECF1}">
+  <ds:schemaRefs>
+    <ds:schemaRef ds:uri="http://schemas.microsoft.com/sharepoint/v3/contenttype/forms"/>
+  </ds:schemaRefs>
+</ds:datastoreItem>
 </file>
--- a/doc/Development of an Intermittent Computing Architecture for Machine.pptx
+++ b/doc/Development of an Intermittent Computing Architecture for Machine.pptx
@@ -520,7 +520,7 @@
           <a:p>
             <a:fld id="{AFD01546-198A-4195-BCF8-F0FF54C90E5E}" type="datetimeFigureOut">
               <a:rPr lang="en-US" smtClean="0"/>
-              <a:t>5/29/2022</a:t>
+              <a:t>8/28/2022</a:t>
             </a:fld>
             <a:endParaRPr lang="en-US" dirty="0"/>
           </a:p>
@@ -1116,7 +1116,7 @@
           <a:p>
             <a:fld id="{88D38747-4367-4BD2-8D51-C97E202738E2}" type="datetime1">
               <a:rPr lang="en-US" smtClean="0"/>
-              <a:t>5/29/2022</a:t>
+              <a:t>8/28/2022</a:t>
             </a:fld>
             <a:endParaRPr lang="en-US" dirty="0"/>
           </a:p>
@@ -1421,7 +1421,7 @@
           <a:p>
             <a:fld id="{11F1B079-7EF0-44EE-B798-BCC497C9F3B2}" type="datetime1">
               <a:rPr lang="en-US" smtClean="0"/>
-              <a:t>5/29/2022</a:t>
+              <a:t>8/28/2022</a:t>
             </a:fld>
             <a:endParaRPr lang="en-US" dirty="0"/>
           </a:p>
@@ -1615,7 +1615,7 @@
           <a:p>
             <a:fld id="{28FF70A8-1D13-4657-95F0-A9EA54967B8D}" type="datetime1">
               <a:rPr lang="en-US" smtClean="0"/>
-              <a:t>5/29/2022</a:t>
+              <a:t>8/28/2022</a:t>
             </a:fld>
             <a:endParaRPr lang="en-US" dirty="0"/>
           </a:p>
@@ -1878,7 +1878,7 @@
           <a:p>
             <a:fld id="{21EB90AC-71BD-4C7F-8ACA-7B3F18292E63}" type="datetime1">
               <a:rPr lang="en-US" smtClean="0"/>
-              <a:t>5/29/2022</a:t>
+              <a:t>8/28/2022</a:t>
             </a:fld>
             <a:endParaRPr lang="en-US" dirty="0"/>
           </a:p>
@@ -2314,7 +2314,7 @@
           <a:p>
             <a:fld id="{4E6EFC2C-8905-46F0-B443-CE905B76BA01}" type="datetime1">
               <a:rPr lang="en-US" smtClean="0"/>
-              <a:t>5/29/2022</a:t>
+              <a:t>8/28/2022</a:t>
             </a:fld>
             <a:endParaRPr lang="en-US" dirty="0"/>
           </a:p>
@@ -2851,7 +2851,7 @@
           <a:p>
             <a:fld id="{D9079DC3-C9B5-499E-9140-0DC28B7074E2}" type="datetime1">
               <a:rPr lang="en-US" smtClean="0"/>
-              <a:t>5/29/2022</a:t>
+              <a:t>8/28/2022</a:t>
             </a:fld>
             <a:endParaRPr lang="en-US" dirty="0"/>
           </a:p>
@@ -3733,7 +3733,7 @@
           <a:p>
             <a:fld id="{30BB33EA-E472-4D22-9C03-A9C14AA21CED}" type="datetime1">
               <a:rPr lang="en-US" smtClean="0"/>
-              <a:t>5/29/2022</a:t>
+              <a:t>8/28/2022</a:t>
             </a:fld>
             <a:endParaRPr lang="en-US" dirty="0"/>
           </a:p>
@@ -3903,7 +3903,7 @@
           <a:p>
             <a:fld id="{73C55A3C-5767-4844-A0A3-83778C2E5409}" type="datetime1">
               <a:rPr lang="en-US" smtClean="0"/>
-              <a:t>5/29/2022</a:t>
+              <a:t>8/28/2022</a:t>
             </a:fld>
             <a:endParaRPr lang="en-US" dirty="0"/>
           </a:p>
@@ -4147,7 +4147,7 @@
           <a:p>
             <a:fld id="{CAE507A8-A5CF-4D38-AB86-7EDDA87A85D4}" type="datetime1">
               <a:rPr lang="en-US" smtClean="0"/>
-              <a:t>5/29/2022</a:t>
+              <a:t>8/28/2022</a:t>
             </a:fld>
             <a:endParaRPr lang="en-US" dirty="0"/>
           </a:p>
@@ -4389,7 +4389,7 @@
           <a:p>
             <a:fld id="{BDFCD27C-8599-43EF-BA1D-14DDC1946E06}" type="datetime1">
               <a:rPr lang="en-US" smtClean="0"/>
-              <a:t>5/29/2022</a:t>
+              <a:t>8/28/2022</a:t>
             </a:fld>
             <a:endParaRPr lang="en-US" dirty="0"/>
           </a:p>
@@ -4872,7 +4872,7 @@
           <a:p>
             <a:fld id="{49343D99-809A-49C0-96E5-4250D0B498EE}" type="datetime1">
               <a:rPr lang="en-US" smtClean="0"/>
-              <a:t>5/29/2022</a:t>
+              <a:t>8/28/2022</a:t>
             </a:fld>
             <a:endParaRPr lang="en-US" dirty="0"/>
           </a:p>
@@ -4990,7 +4990,7 @@
           <a:p>
             <a:fld id="{A143DE9B-B678-4EFB-BB7D-A4370204A0B0}" type="datetime1">
               <a:rPr lang="en-US" smtClean="0"/>
-              <a:t>5/29/2022</a:t>
+              <a:t>8/28/2022</a:t>
             </a:fld>
             <a:endParaRPr lang="en-US" dirty="0"/>
           </a:p>
@@ -5085,7 +5085,7 @@
           <a:p>
             <a:fld id="{E68812DA-F765-4142-A6A3-A8ED7235E082}" type="datetime1">
               <a:rPr lang="en-US" smtClean="0"/>
-              <a:t>5/29/2022</a:t>
+              <a:t>8/28/2022</a:t>
             </a:fld>
             <a:endParaRPr lang="en-US" dirty="0"/>
           </a:p>
@@ -5340,7 +5340,7 @@
           <a:p>
             <a:fld id="{3E0277FD-7DE6-41D4-930D-AC99F5AFE54E}" type="datetime1">
               <a:rPr lang="en-US" smtClean="0"/>
-              <a:t>5/29/2022</a:t>
+              <a:t>8/28/2022</a:t>
             </a:fld>
             <a:endParaRPr lang="en-US" dirty="0"/>
           </a:p>
@@ -5647,7 +5647,7 @@
           <a:p>
             <a:fld id="{9EA15526-7079-4B7B-987C-1B5FAE11A0FF}" type="datetime1">
               <a:rPr lang="en-US" smtClean="0"/>
-              <a:t>5/29/2022</a:t>
+              <a:t>8/28/2022</a:t>
             </a:fld>
             <a:endParaRPr lang="en-US" dirty="0"/>
           </a:p>
@@ -5882,7 +5882,7 @@
           <a:p>
             <a:fld id="{073ED0CC-082F-4160-86E5-0D6041F12778}" type="datetime1">
               <a:rPr lang="en-US" smtClean="0"/>
-              <a:t>5/29/2022</a:t>
+              <a:t>8/28/2022</a:t>
             </a:fld>
             <a:endParaRPr lang="en-US" dirty="0"/>
           </a:p>
@@ -19212,7 +19212,7 @@
         </p:blipFill>
         <p:spPr>
           <a:xfrm>
-            <a:off x="630758" y="1523762"/>
+            <a:off x="644010" y="1523762"/>
             <a:ext cx="8194625" cy="4586751"/>
           </a:xfrm>
           <a:prstGeom prst="rect">
@@ -19756,7 +19756,7 @@
         </p:nvSpPr>
         <p:spPr>
           <a:xfrm>
-            <a:off x="10966595" y="5750246"/>
+            <a:off x="4686885" y="5675717"/>
             <a:ext cx="1186058" cy="658008"/>
           </a:xfrm>
           <a:prstGeom prst="rect">
@@ -20345,15 +20345,15 @@
           </p:cNvPr>
           <p:cNvCxnSpPr>
             <a:cxnSpLocks/>
-            <a:stCxn id="20" idx="2"/>
-            <a:endCxn id="7" idx="1"/>
+            <a:stCxn id="20" idx="1"/>
+            <a:endCxn id="7" idx="3"/>
           </p:cNvCxnSpPr>
           <p:nvPr/>
         </p:nvCxnSpPr>
         <p:spPr>
-          <a:xfrm flipH="1">
-            <a:off x="10966595" y="4555315"/>
-            <a:ext cx="306286" cy="1523935"/>
+          <a:xfrm flipH="1" flipV="1">
+            <a:off x="5872943" y="6004721"/>
+            <a:ext cx="1118278" cy="18124"/>
           </a:xfrm>
           <a:prstGeom prst="straightConnector1">
             <a:avLst/>
@@ -20460,7 +20460,7 @@
         </p:nvSpPr>
         <p:spPr>
           <a:xfrm>
-            <a:off x="10758986" y="4383865"/>
+            <a:off x="6991221" y="5937120"/>
             <a:ext cx="1027789" cy="171450"/>
           </a:xfrm>
           <a:prstGeom prst="rect">
@@ -20524,14 +20524,13 @@
           <p:cNvCxnSpPr>
             <a:cxnSpLocks/>
             <a:stCxn id="15" idx="3"/>
-            <a:endCxn id="20" idx="1"/>
           </p:cNvCxnSpPr>
           <p:nvPr/>
         </p:nvCxnSpPr>
         <p:spPr>
-          <a:xfrm flipV="1">
-            <a:off x="7505116" y="4469590"/>
-            <a:ext cx="3253870" cy="543510"/>
+          <a:xfrm>
+            <a:off x="7505116" y="5013100"/>
+            <a:ext cx="0" cy="876256"/>
           </a:xfrm>
           <a:prstGeom prst="straightConnector1">
             <a:avLst/>
@@ -21337,8 +21336,8 @@
         </p:nvSpPr>
         <p:spPr>
           <a:xfrm>
-            <a:off x="2092569" y="3701311"/>
-            <a:ext cx="947781" cy="874911"/>
+            <a:off x="2030506" y="3701311"/>
+            <a:ext cx="1062317" cy="884136"/>
           </a:xfrm>
           <a:prstGeom prst="rect">
             <a:avLst/>
@@ -22931,7 +22930,7 @@
         <p:spPr>
           <a:xfrm>
             <a:off x="645059" y="2062369"/>
-            <a:ext cx="10891234" cy="3701087"/>
+            <a:ext cx="10891234" cy="3935019"/>
           </a:xfrm>
           <a:prstGeom prst="rect">
             <a:avLst/>
@@ -23676,6 +23675,412 @@
           </a:fontRef>
         </p:style>
       </p:cxnSp>
+      <mc:AlternateContent xmlns:mc="http://schemas.openxmlformats.org/markup-compatibility/2006">
+        <mc:Choice xmlns:a14="http://schemas.microsoft.com/office/drawing/2010/main" Requires="a14">
+          <p:sp>
+            <p:nvSpPr>
+              <p:cNvPr id="3" name="TextBox 2">
+                <a:extLst>
+                  <a:ext uri="{FF2B5EF4-FFF2-40B4-BE49-F238E27FC236}">
+                    <a16:creationId xmlns:a16="http://schemas.microsoft.com/office/drawing/2014/main" id="{9F139EF4-0F65-773A-D75A-8388FFF58F57}"/>
+                  </a:ext>
+                </a:extLst>
+              </p:cNvPr>
+              <p:cNvSpPr txBox="1"/>
+              <p:nvPr/>
+            </p:nvSpPr>
+            <p:spPr>
+              <a:xfrm>
+                <a:off x="6762696" y="5638942"/>
+                <a:ext cx="4561313" cy="276999"/>
+              </a:xfrm>
+              <a:prstGeom prst="rect">
+                <a:avLst/>
+              </a:prstGeom>
+              <a:noFill/>
+            </p:spPr>
+            <p:txBody>
+              <a:bodyPr wrap="square" lIns="0" tIns="0" rIns="0" bIns="0" rtlCol="0">
+                <a:spAutoFit/>
+              </a:bodyPr>
+              <a:lstStyle/>
+              <a:p>
+                <a:pPr/>
+                <a14:m>
+                  <m:oMathPara xmlns:m="http://schemas.openxmlformats.org/officeDocument/2006/math">
+                    <m:oMathParaPr>
+                      <m:jc m:val="centerGroup"/>
+                    </m:oMathParaPr>
+                    <m:oMath xmlns:m="http://schemas.openxmlformats.org/officeDocument/2006/math">
+                      <m:r>
+                        <a:rPr lang="it-IT" b="0" i="1" smtClean="0">
+                          <a:solidFill>
+                            <a:schemeClr val="bg1"/>
+                          </a:solidFill>
+                          <a:latin typeface="Cambria Math" panose="02040503050406030204" pitchFamily="18" charset="0"/>
+                        </a:rPr>
+                        <m:t>𝑦</m:t>
+                      </m:r>
+                      <m:r>
+                        <a:rPr lang="it-IT" b="0" i="1" smtClean="0">
+                          <a:solidFill>
+                            <a:schemeClr val="bg1"/>
+                          </a:solidFill>
+                          <a:latin typeface="Cambria Math" panose="02040503050406030204" pitchFamily="18" charset="0"/>
+                        </a:rPr>
+                        <m:t>=</m:t>
+                      </m:r>
+                      <m:r>
+                        <a:rPr lang="it-IT" b="0" i="1" smtClean="0">
+                          <a:solidFill>
+                            <a:schemeClr val="bg1"/>
+                          </a:solidFill>
+                          <a:latin typeface="Cambria Math" panose="02040503050406030204" pitchFamily="18" charset="0"/>
+                        </a:rPr>
+                        <m:t>𝜙</m:t>
+                      </m:r>
+                      <m:r>
+                        <a:rPr lang="it-IT" b="0" i="1" smtClean="0">
+                          <a:solidFill>
+                            <a:schemeClr val="bg1"/>
+                          </a:solidFill>
+                          <a:latin typeface="Cambria Math" panose="02040503050406030204" pitchFamily="18" charset="0"/>
+                        </a:rPr>
+                        <m:t>(</m:t>
+                      </m:r>
+                      <m:sSub>
+                        <m:sSubPr>
+                          <m:ctrlPr>
+                            <a:rPr lang="it-IT" b="0" i="1" smtClean="0">
+                              <a:solidFill>
+                                <a:schemeClr val="bg1"/>
+                              </a:solidFill>
+                              <a:latin typeface="Cambria Math" panose="02040503050406030204" pitchFamily="18" charset="0"/>
+                            </a:rPr>
+                          </m:ctrlPr>
+                        </m:sSubPr>
+                        <m:e>
+                          <m:r>
+                            <a:rPr lang="it-IT" b="0" i="1" smtClean="0">
+                              <a:solidFill>
+                                <a:schemeClr val="bg1"/>
+                              </a:solidFill>
+                              <a:latin typeface="Cambria Math" panose="02040503050406030204" pitchFamily="18" charset="0"/>
+                            </a:rPr>
+                            <m:t>𝑥</m:t>
+                          </m:r>
+                        </m:e>
+                        <m:sub>
+                          <m:r>
+                            <a:rPr lang="it-IT" b="0" i="1" smtClean="0">
+                              <a:solidFill>
+                                <a:schemeClr val="bg1"/>
+                              </a:solidFill>
+                              <a:latin typeface="Cambria Math" panose="02040503050406030204" pitchFamily="18" charset="0"/>
+                            </a:rPr>
+                            <m:t>1</m:t>
+                          </m:r>
+                        </m:sub>
+                      </m:sSub>
+                      <m:r>
+                        <a:rPr lang="it-IT" b="0" i="1" smtClean="0">
+                          <a:solidFill>
+                            <a:schemeClr val="bg1"/>
+                          </a:solidFill>
+                          <a:latin typeface="Cambria Math" panose="02040503050406030204" pitchFamily="18" charset="0"/>
+                        </a:rPr>
+                        <m:t>∗</m:t>
+                      </m:r>
+                      <m:sSub>
+                        <m:sSubPr>
+                          <m:ctrlPr>
+                            <a:rPr lang="it-IT" b="0" i="1" smtClean="0">
+                              <a:solidFill>
+                                <a:schemeClr val="bg1"/>
+                              </a:solidFill>
+                              <a:latin typeface="Cambria Math" panose="02040503050406030204" pitchFamily="18" charset="0"/>
+                            </a:rPr>
+                          </m:ctrlPr>
+                        </m:sSubPr>
+                        <m:e>
+                          <m:r>
+                            <a:rPr lang="it-IT" b="0" i="1" smtClean="0">
+                              <a:solidFill>
+                                <a:schemeClr val="bg1"/>
+                              </a:solidFill>
+                              <a:latin typeface="Cambria Math" panose="02040503050406030204" pitchFamily="18" charset="0"/>
+                            </a:rPr>
+                            <m:t>𝑤</m:t>
+                          </m:r>
+                        </m:e>
+                        <m:sub>
+                          <m:r>
+                            <a:rPr lang="it-IT" b="0" i="1" smtClean="0">
+                              <a:solidFill>
+                                <a:schemeClr val="bg1"/>
+                              </a:solidFill>
+                              <a:latin typeface="Cambria Math" panose="02040503050406030204" pitchFamily="18" charset="0"/>
+                            </a:rPr>
+                            <m:t>1</m:t>
+                          </m:r>
+                        </m:sub>
+                      </m:sSub>
+                      <m:r>
+                        <a:rPr lang="it-IT" b="0" i="1" smtClean="0">
+                          <a:solidFill>
+                            <a:schemeClr val="bg1"/>
+                          </a:solidFill>
+                          <a:latin typeface="Cambria Math" panose="02040503050406030204" pitchFamily="18" charset="0"/>
+                        </a:rPr>
+                        <m:t>+</m:t>
+                      </m:r>
+                      <m:sSub>
+                        <m:sSubPr>
+                          <m:ctrlPr>
+                            <a:rPr lang="it-IT" b="0" i="1" smtClean="0">
+                              <a:solidFill>
+                                <a:schemeClr val="bg1"/>
+                              </a:solidFill>
+                              <a:latin typeface="Cambria Math" panose="02040503050406030204" pitchFamily="18" charset="0"/>
+                            </a:rPr>
+                          </m:ctrlPr>
+                        </m:sSubPr>
+                        <m:e>
+                          <m:r>
+                            <a:rPr lang="it-IT" b="0" i="1" smtClean="0">
+                              <a:solidFill>
+                                <a:schemeClr val="bg1"/>
+                              </a:solidFill>
+                              <a:latin typeface="Cambria Math" panose="02040503050406030204" pitchFamily="18" charset="0"/>
+                            </a:rPr>
+                            <m:t>𝑥</m:t>
+                          </m:r>
+                        </m:e>
+                        <m:sub>
+                          <m:r>
+                            <a:rPr lang="it-IT" b="0" i="1" smtClean="0">
+                              <a:solidFill>
+                                <a:schemeClr val="bg1"/>
+                              </a:solidFill>
+                              <a:latin typeface="Cambria Math" panose="02040503050406030204" pitchFamily="18" charset="0"/>
+                            </a:rPr>
+                            <m:t>2</m:t>
+                          </m:r>
+                        </m:sub>
+                      </m:sSub>
+                      <m:r>
+                        <a:rPr lang="it-IT" b="0" i="1" smtClean="0">
+                          <a:solidFill>
+                            <a:schemeClr val="bg1"/>
+                          </a:solidFill>
+                          <a:latin typeface="Cambria Math" panose="02040503050406030204" pitchFamily="18" charset="0"/>
+                        </a:rPr>
+                        <m:t>∗</m:t>
+                      </m:r>
+                      <m:sSub>
+                        <m:sSubPr>
+                          <m:ctrlPr>
+                            <a:rPr lang="it-IT" b="0" i="1" smtClean="0">
+                              <a:solidFill>
+                                <a:schemeClr val="bg1"/>
+                              </a:solidFill>
+                              <a:latin typeface="Cambria Math" panose="02040503050406030204" pitchFamily="18" charset="0"/>
+                            </a:rPr>
+                          </m:ctrlPr>
+                        </m:sSubPr>
+                        <m:e>
+                          <m:r>
+                            <a:rPr lang="it-IT" b="0" i="1" smtClean="0">
+                              <a:solidFill>
+                                <a:schemeClr val="bg1"/>
+                              </a:solidFill>
+                              <a:latin typeface="Cambria Math" panose="02040503050406030204" pitchFamily="18" charset="0"/>
+                            </a:rPr>
+                            <m:t>𝑤</m:t>
+                          </m:r>
+                        </m:e>
+                        <m:sub>
+                          <m:r>
+                            <a:rPr lang="it-IT" b="0" i="1" smtClean="0">
+                              <a:solidFill>
+                                <a:schemeClr val="bg1"/>
+                              </a:solidFill>
+                              <a:latin typeface="Cambria Math" panose="02040503050406030204" pitchFamily="18" charset="0"/>
+                            </a:rPr>
+                            <m:t>2</m:t>
+                          </m:r>
+                        </m:sub>
+                      </m:sSub>
+                      <m:r>
+                        <a:rPr lang="it-IT" b="0" i="1" smtClean="0">
+                          <a:solidFill>
+                            <a:schemeClr val="bg1"/>
+                          </a:solidFill>
+                          <a:latin typeface="Cambria Math" panose="02040503050406030204" pitchFamily="18" charset="0"/>
+                        </a:rPr>
+                        <m:t>+…+</m:t>
+                      </m:r>
+                      <m:sSub>
+                        <m:sSubPr>
+                          <m:ctrlPr>
+                            <a:rPr lang="it-IT" b="0" i="1" smtClean="0">
+                              <a:solidFill>
+                                <a:schemeClr val="bg1"/>
+                              </a:solidFill>
+                              <a:latin typeface="Cambria Math" panose="02040503050406030204" pitchFamily="18" charset="0"/>
+                            </a:rPr>
+                          </m:ctrlPr>
+                        </m:sSubPr>
+                        <m:e>
+                          <m:r>
+                            <a:rPr lang="it-IT" b="0" i="1" smtClean="0">
+                              <a:solidFill>
+                                <a:schemeClr val="bg1"/>
+                              </a:solidFill>
+                              <a:latin typeface="Cambria Math" panose="02040503050406030204" pitchFamily="18" charset="0"/>
+                            </a:rPr>
+                            <m:t>𝑥</m:t>
+                          </m:r>
+                        </m:e>
+                        <m:sub>
+                          <m:r>
+                            <a:rPr lang="it-IT" b="0" i="1" smtClean="0">
+                              <a:solidFill>
+                                <a:schemeClr val="bg1"/>
+                              </a:solidFill>
+                              <a:latin typeface="Cambria Math" panose="02040503050406030204" pitchFamily="18" charset="0"/>
+                            </a:rPr>
+                            <m:t>𝑚</m:t>
+                          </m:r>
+                        </m:sub>
+                      </m:sSub>
+                      <m:r>
+                        <a:rPr lang="it-IT" b="0" i="1" smtClean="0">
+                          <a:solidFill>
+                            <a:schemeClr val="bg1"/>
+                          </a:solidFill>
+                          <a:latin typeface="Cambria Math" panose="02040503050406030204" pitchFamily="18" charset="0"/>
+                        </a:rPr>
+                        <m:t> ∗</m:t>
+                      </m:r>
+                      <m:sSub>
+                        <m:sSubPr>
+                          <m:ctrlPr>
+                            <a:rPr lang="it-IT" b="0" i="1" smtClean="0">
+                              <a:solidFill>
+                                <a:schemeClr val="bg1"/>
+                              </a:solidFill>
+                              <a:latin typeface="Cambria Math" panose="02040503050406030204" pitchFamily="18" charset="0"/>
+                            </a:rPr>
+                          </m:ctrlPr>
+                        </m:sSubPr>
+                        <m:e>
+                          <m:r>
+                            <a:rPr lang="it-IT" b="0" i="1" smtClean="0">
+                              <a:solidFill>
+                                <a:schemeClr val="bg1"/>
+                              </a:solidFill>
+                              <a:latin typeface="Cambria Math" panose="02040503050406030204" pitchFamily="18" charset="0"/>
+                            </a:rPr>
+                            <m:t>𝑤</m:t>
+                          </m:r>
+                        </m:e>
+                        <m:sub>
+                          <m:r>
+                            <a:rPr lang="it-IT" b="0" i="1" smtClean="0">
+                              <a:solidFill>
+                                <a:schemeClr val="bg1"/>
+                              </a:solidFill>
+                              <a:latin typeface="Cambria Math" panose="02040503050406030204" pitchFamily="18" charset="0"/>
+                            </a:rPr>
+                            <m:t>𝑚</m:t>
+                          </m:r>
+                        </m:sub>
+                      </m:sSub>
+                      <m:r>
+                        <a:rPr lang="it-IT" b="0" i="1" smtClean="0">
+                          <a:solidFill>
+                            <a:schemeClr val="bg1"/>
+                          </a:solidFill>
+                          <a:latin typeface="Cambria Math" panose="02040503050406030204" pitchFamily="18" charset="0"/>
+                        </a:rPr>
+                        <m:t>+</m:t>
+                      </m:r>
+                      <m:r>
+                        <a:rPr lang="it-IT" b="0" i="1" smtClean="0">
+                          <a:solidFill>
+                            <a:schemeClr val="bg1"/>
+                          </a:solidFill>
+                          <a:latin typeface="Cambria Math" panose="02040503050406030204" pitchFamily="18" charset="0"/>
+                        </a:rPr>
+                        <m:t>𝑏</m:t>
+                      </m:r>
+                      <m:r>
+                        <a:rPr lang="it-IT" b="0" i="1" smtClean="0">
+                          <a:solidFill>
+                            <a:schemeClr val="bg1"/>
+                          </a:solidFill>
+                          <a:latin typeface="Cambria Math" panose="02040503050406030204" pitchFamily="18" charset="0"/>
+                        </a:rPr>
+                        <m:t>)</m:t>
+                      </m:r>
+                    </m:oMath>
+                  </m:oMathPara>
+                </a14:m>
+                <a:endParaRPr lang="en-US" dirty="0">
+                  <a:solidFill>
+                    <a:schemeClr val="bg1"/>
+                  </a:solidFill>
+                </a:endParaRPr>
+              </a:p>
+            </p:txBody>
+          </p:sp>
+        </mc:Choice>
+        <mc:Fallback>
+          <p:sp>
+            <p:nvSpPr>
+              <p:cNvPr id="3" name="TextBox 2">
+                <a:extLst>
+                  <a:ext uri="{FF2B5EF4-FFF2-40B4-BE49-F238E27FC236}">
+                    <a16:creationId xmlns:a16="http://schemas.microsoft.com/office/drawing/2014/main" id="{9F139EF4-0F65-773A-D75A-8388FFF58F57}"/>
+                  </a:ext>
+                </a:extLst>
+              </p:cNvPr>
+              <p:cNvSpPr txBox="1">
+                <a:spLocks noRot="1" noChangeAspect="1" noMove="1" noResize="1" noEditPoints="1" noAdjustHandles="1" noChangeArrowheads="1" noChangeShapeType="1" noTextEdit="1"/>
+              </p:cNvSpPr>
+              <p:nvPr/>
+            </p:nvSpPr>
+            <p:spPr>
+              <a:xfrm>
+                <a:off x="6762696" y="5638942"/>
+                <a:ext cx="4561313" cy="276999"/>
+              </a:xfrm>
+              <a:prstGeom prst="rect">
+                <a:avLst/>
+              </a:prstGeom>
+              <a:blipFill>
+                <a:blip r:embed="rId3"/>
+                <a:stretch>
+                  <a:fillRect l="-801" t="-2222" r="-1202" b="-35556"/>
+                </a:stretch>
+              </a:blipFill>
+            </p:spPr>
+            <p:txBody>
+              <a:bodyPr/>
+              <a:lstStyle/>
+              <a:p>
+                <a:r>
+                  <a:rPr lang="en-US">
+                    <a:noFill/>
+                  </a:rPr>
+                  <a:t> </a:t>
+                </a:r>
+              </a:p>
+            </p:txBody>
+          </p:sp>
+        </mc:Fallback>
+      </mc:AlternateContent>
     </p:spTree>
     <p:extLst>
       <p:ext uri="{BB962C8B-B14F-4D97-AF65-F5344CB8AC3E}">
@@ -24197,12 +24602,8 @@
           <a:lstStyle/>
           <a:p>
             <a:r>
-              <a:rPr lang="it-IT" dirty="0" err="1"/>
-              <a:t>Grouping</a:t>
-            </a:r>
-            <a:r>
               <a:rPr lang="it-IT" dirty="0"/>
-              <a:t> data </a:t>
+              <a:t>NV_REG CONTENT</a:t>
             </a:r>
             <a:endParaRPr lang="en-US" dirty="0"/>
           </a:p>
@@ -24262,332 +24663,6 @@
       </p:sp>
       <p:sp>
         <p:nvSpPr>
-          <p:cNvPr id="6" name="Rectangle 5">
-            <a:extLst>
-              <a:ext uri="{FF2B5EF4-FFF2-40B4-BE49-F238E27FC236}">
-                <a16:creationId xmlns:a16="http://schemas.microsoft.com/office/drawing/2014/main" id="{1FB71181-2783-5CA5-F6E7-BD1F46ED450C}"/>
-              </a:ext>
-            </a:extLst>
-          </p:cNvPr>
-          <p:cNvSpPr/>
-          <p:nvPr/>
-        </p:nvSpPr>
-        <p:spPr>
-          <a:xfrm>
-            <a:off x="1164081" y="1719167"/>
-            <a:ext cx="3220883" cy="2358887"/>
-          </a:xfrm>
-          <a:prstGeom prst="rect">
-            <a:avLst/>
-          </a:prstGeom>
-        </p:spPr>
-        <p:style>
-          <a:lnRef idx="2">
-            <a:schemeClr val="accent1">
-              <a:shade val="50000"/>
-            </a:schemeClr>
-          </a:lnRef>
-          <a:fillRef idx="1">
-            <a:schemeClr val="accent1"/>
-          </a:fillRef>
-          <a:effectRef idx="0">
-            <a:schemeClr val="accent1"/>
-          </a:effectRef>
-          <a:fontRef idx="minor">
-            <a:schemeClr val="lt1"/>
-          </a:fontRef>
-        </p:style>
-        <p:txBody>
-          <a:bodyPr rtlCol="0" anchor="ctr"/>
-          <a:lstStyle/>
-          <a:p>
-            <a:pPr algn="ctr"/>
-            <a:endParaRPr lang="en-US" dirty="0"/>
-          </a:p>
-        </p:txBody>
-      </p:sp>
-      <p:sp>
-        <p:nvSpPr>
-          <p:cNvPr id="7" name="TextBox 6">
-            <a:extLst>
-              <a:ext uri="{FF2B5EF4-FFF2-40B4-BE49-F238E27FC236}">
-                <a16:creationId xmlns:a16="http://schemas.microsoft.com/office/drawing/2014/main" id="{0F0FEDDF-0C57-ECC2-FE13-131C19CA802B}"/>
-              </a:ext>
-            </a:extLst>
-          </p:cNvPr>
-          <p:cNvSpPr txBox="1"/>
-          <p:nvPr/>
-        </p:nvSpPr>
-        <p:spPr>
-          <a:xfrm>
-            <a:off x="1164081" y="1704803"/>
-            <a:ext cx="3220883" cy="369332"/>
-          </a:xfrm>
-          <a:prstGeom prst="rect">
-            <a:avLst/>
-          </a:prstGeom>
-          <a:noFill/>
-        </p:spPr>
-        <p:txBody>
-          <a:bodyPr wrap="square" rtlCol="0">
-            <a:spAutoFit/>
-          </a:bodyPr>
-          <a:lstStyle/>
-          <a:p>
-            <a:pPr algn="ctr"/>
-            <a:r>
-              <a:rPr lang="it-IT" dirty="0">
-                <a:solidFill>
-                  <a:schemeClr val="bg1"/>
-                </a:solidFill>
-              </a:rPr>
-              <a:t>DATA BACKUP</a:t>
-            </a:r>
-            <a:endParaRPr lang="en-US" dirty="0">
-              <a:solidFill>
-                <a:schemeClr val="bg1"/>
-              </a:solidFill>
-            </a:endParaRPr>
-          </a:p>
-        </p:txBody>
-      </p:sp>
-      <p:sp>
-        <p:nvSpPr>
-          <p:cNvPr id="8" name="TextBox 7">
-            <a:extLst>
-              <a:ext uri="{FF2B5EF4-FFF2-40B4-BE49-F238E27FC236}">
-                <a16:creationId xmlns:a16="http://schemas.microsoft.com/office/drawing/2014/main" id="{4341E295-36AC-559D-B20C-6440FF569C5F}"/>
-              </a:ext>
-            </a:extLst>
-          </p:cNvPr>
-          <p:cNvSpPr txBox="1"/>
-          <p:nvPr/>
-        </p:nvSpPr>
-        <p:spPr>
-          <a:xfrm>
-            <a:off x="1164081" y="2074135"/>
-            <a:ext cx="3220883" cy="1754326"/>
-          </a:xfrm>
-          <a:prstGeom prst="rect">
-            <a:avLst/>
-          </a:prstGeom>
-          <a:noFill/>
-        </p:spPr>
-        <p:txBody>
-          <a:bodyPr wrap="square" rtlCol="0">
-            <a:spAutoFit/>
-          </a:bodyPr>
-          <a:lstStyle/>
-          <a:p>
-            <a:pPr algn="ctr"/>
-            <a:r>
-              <a:rPr lang="it-IT" dirty="0"/>
-              <a:t>W_SUM_SAVE_0</a:t>
-            </a:r>
-          </a:p>
-          <a:p>
-            <a:pPr algn="ctr"/>
-            <a:r>
-              <a:rPr lang="it-IT" dirty="0"/>
-              <a:t>.</a:t>
-            </a:r>
-          </a:p>
-          <a:p>
-            <a:pPr algn="ctr"/>
-            <a:r>
-              <a:rPr lang="it-IT" dirty="0"/>
-              <a:t>.</a:t>
-            </a:r>
-          </a:p>
-          <a:p>
-            <a:pPr algn="ctr"/>
-            <a:r>
-              <a:rPr lang="it-IT" dirty="0"/>
-              <a:t>W_SUM_SAVE_(P-1)</a:t>
-            </a:r>
-          </a:p>
-          <a:p>
-            <a:pPr algn="ctr"/>
-            <a:r>
-              <a:rPr lang="it-IT" dirty="0"/>
-              <a:t>FSM_STATE_SAVE</a:t>
-            </a:r>
-          </a:p>
-          <a:p>
-            <a:pPr algn="ctr"/>
-            <a:r>
-              <a:rPr lang="it-IT" dirty="0"/>
-              <a:t>ADDR_GEN_SAVE</a:t>
-            </a:r>
-            <a:endParaRPr lang="en-US" dirty="0"/>
-          </a:p>
-        </p:txBody>
-      </p:sp>
-      <p:sp>
-        <p:nvSpPr>
-          <p:cNvPr id="9" name="Rectangle 8">
-            <a:extLst>
-              <a:ext uri="{FF2B5EF4-FFF2-40B4-BE49-F238E27FC236}">
-                <a16:creationId xmlns:a16="http://schemas.microsoft.com/office/drawing/2014/main" id="{E328DD1F-C042-E386-3CE2-780A73E9CD5B}"/>
-              </a:ext>
-            </a:extLst>
-          </p:cNvPr>
-          <p:cNvSpPr/>
-          <p:nvPr/>
-        </p:nvSpPr>
-        <p:spPr>
-          <a:xfrm>
-            <a:off x="1164081" y="4231301"/>
-            <a:ext cx="3220883" cy="2358887"/>
-          </a:xfrm>
-          <a:prstGeom prst="rect">
-            <a:avLst/>
-          </a:prstGeom>
-        </p:spPr>
-        <p:style>
-          <a:lnRef idx="2">
-            <a:schemeClr val="accent1">
-              <a:shade val="50000"/>
-            </a:schemeClr>
-          </a:lnRef>
-          <a:fillRef idx="1">
-            <a:schemeClr val="accent1"/>
-          </a:fillRef>
-          <a:effectRef idx="0">
-            <a:schemeClr val="accent1"/>
-          </a:effectRef>
-          <a:fontRef idx="minor">
-            <a:schemeClr val="lt1"/>
-          </a:fontRef>
-        </p:style>
-        <p:txBody>
-          <a:bodyPr rtlCol="0" anchor="ctr"/>
-          <a:lstStyle/>
-          <a:p>
-            <a:pPr algn="ctr"/>
-            <a:endParaRPr lang="en-US" dirty="0"/>
-          </a:p>
-        </p:txBody>
-      </p:sp>
-      <p:sp>
-        <p:nvSpPr>
-          <p:cNvPr id="10" name="TextBox 9">
-            <a:extLst>
-              <a:ext uri="{FF2B5EF4-FFF2-40B4-BE49-F238E27FC236}">
-                <a16:creationId xmlns:a16="http://schemas.microsoft.com/office/drawing/2014/main" id="{FCE5711A-08E9-9D7C-92ED-F908F675407C}"/>
-              </a:ext>
-            </a:extLst>
-          </p:cNvPr>
-          <p:cNvSpPr txBox="1"/>
-          <p:nvPr/>
-        </p:nvSpPr>
-        <p:spPr>
-          <a:xfrm>
-            <a:off x="1164081" y="4231301"/>
-            <a:ext cx="3220883" cy="369332"/>
-          </a:xfrm>
-          <a:prstGeom prst="rect">
-            <a:avLst/>
-          </a:prstGeom>
-          <a:noFill/>
-        </p:spPr>
-        <p:txBody>
-          <a:bodyPr wrap="square" rtlCol="0">
-            <a:spAutoFit/>
-          </a:bodyPr>
-          <a:lstStyle/>
-          <a:p>
-            <a:pPr algn="ctr"/>
-            <a:r>
-              <a:rPr lang="it-IT" dirty="0">
-                <a:solidFill>
-                  <a:schemeClr val="bg1"/>
-                </a:solidFill>
-              </a:rPr>
-              <a:t>DATA SAVE</a:t>
-            </a:r>
-            <a:endParaRPr lang="en-US" dirty="0">
-              <a:solidFill>
-                <a:schemeClr val="bg1"/>
-              </a:solidFill>
-            </a:endParaRPr>
-          </a:p>
-        </p:txBody>
-      </p:sp>
-      <p:sp>
-        <p:nvSpPr>
-          <p:cNvPr id="11" name="TextBox 10">
-            <a:extLst>
-              <a:ext uri="{FF2B5EF4-FFF2-40B4-BE49-F238E27FC236}">
-                <a16:creationId xmlns:a16="http://schemas.microsoft.com/office/drawing/2014/main" id="{F51476B9-245D-E786-BC88-24B34B33E77A}"/>
-              </a:ext>
-            </a:extLst>
-          </p:cNvPr>
-          <p:cNvSpPr txBox="1"/>
-          <p:nvPr/>
-        </p:nvSpPr>
-        <p:spPr>
-          <a:xfrm>
-            <a:off x="1164081" y="4600633"/>
-            <a:ext cx="3220883" cy="1754326"/>
-          </a:xfrm>
-          <a:prstGeom prst="rect">
-            <a:avLst/>
-          </a:prstGeom>
-          <a:noFill/>
-        </p:spPr>
-        <p:txBody>
-          <a:bodyPr wrap="square" rtlCol="0">
-            <a:spAutoFit/>
-          </a:bodyPr>
-          <a:lstStyle/>
-          <a:p>
-            <a:pPr algn="ctr"/>
-            <a:r>
-              <a:rPr lang="it-IT" dirty="0"/>
-              <a:t>W_SUM_REC_0</a:t>
-            </a:r>
-          </a:p>
-          <a:p>
-            <a:pPr algn="ctr"/>
-            <a:r>
-              <a:rPr lang="it-IT" dirty="0"/>
-              <a:t>.</a:t>
-            </a:r>
-          </a:p>
-          <a:p>
-            <a:pPr algn="ctr"/>
-            <a:r>
-              <a:rPr lang="it-IT" dirty="0"/>
-              <a:t>.</a:t>
-            </a:r>
-          </a:p>
-          <a:p>
-            <a:pPr algn="ctr"/>
-            <a:r>
-              <a:rPr lang="it-IT" dirty="0"/>
-              <a:t>W_SUM_REC_(P-1)</a:t>
-            </a:r>
-          </a:p>
-          <a:p>
-            <a:pPr algn="ctr"/>
-            <a:r>
-              <a:rPr lang="it-IT" dirty="0"/>
-              <a:t>FSM_REC_SAVE</a:t>
-            </a:r>
-          </a:p>
-          <a:p>
-            <a:pPr algn="ctr"/>
-            <a:r>
-              <a:rPr lang="it-IT" dirty="0"/>
-              <a:t>ADDR_GEN_REC</a:t>
-            </a:r>
-            <a:endParaRPr lang="en-US" dirty="0"/>
-          </a:p>
-        </p:txBody>
-      </p:sp>
-      <p:sp>
-        <p:nvSpPr>
           <p:cNvPr id="12" name="TextBox 11">
             <a:extLst>
               <a:ext uri="{FF2B5EF4-FFF2-40B4-BE49-F238E27FC236}">
@@ -24600,8 +24675,8 @@
         </p:nvSpPr>
         <p:spPr>
           <a:xfrm>
-            <a:off x="1260539" y="1207777"/>
-            <a:ext cx="2968487" cy="369332"/>
+            <a:off x="919119" y="1303311"/>
+            <a:ext cx="1672867" cy="369332"/>
           </a:xfrm>
           <a:prstGeom prst="rect">
             <a:avLst/>
@@ -24621,7 +24696,7 @@
                   <a:schemeClr val="bg1"/>
                 </a:solidFill>
               </a:rPr>
-              <a:t>CURRENTLY ACTIVE</a:t>
+              <a:t>NOTHING</a:t>
             </a:r>
             <a:endParaRPr lang="en-US" dirty="0">
               <a:solidFill>
@@ -24633,56 +24708,10 @@
       </p:sp>
       <p:sp>
         <p:nvSpPr>
-          <p:cNvPr id="21" name="Rectangle 20">
+          <p:cNvPr id="15" name="TextBox 14">
             <a:extLst>
               <a:ext uri="{FF2B5EF4-FFF2-40B4-BE49-F238E27FC236}">
-                <a16:creationId xmlns:a16="http://schemas.microsoft.com/office/drawing/2014/main" id="{3C81EE1B-341B-A0AA-019F-7B247AEBF2C6}"/>
-              </a:ext>
-            </a:extLst>
-          </p:cNvPr>
-          <p:cNvSpPr/>
-          <p:nvPr/>
-        </p:nvSpPr>
-        <p:spPr>
-          <a:xfrm>
-            <a:off x="4864898" y="1733206"/>
-            <a:ext cx="3220883" cy="2358887"/>
-          </a:xfrm>
-          <a:prstGeom prst="rect">
-            <a:avLst/>
-          </a:prstGeom>
-        </p:spPr>
-        <p:style>
-          <a:lnRef idx="2">
-            <a:schemeClr val="accent1">
-              <a:shade val="50000"/>
-            </a:schemeClr>
-          </a:lnRef>
-          <a:fillRef idx="1">
-            <a:schemeClr val="accent1"/>
-          </a:fillRef>
-          <a:effectRef idx="0">
-            <a:schemeClr val="accent1"/>
-          </a:effectRef>
-          <a:fontRef idx="minor">
-            <a:schemeClr val="lt1"/>
-          </a:fontRef>
-        </p:style>
-        <p:txBody>
-          <a:bodyPr rtlCol="0" anchor="ctr"/>
-          <a:lstStyle/>
-          <a:p>
-            <a:pPr algn="ctr"/>
-            <a:endParaRPr lang="en-US" dirty="0"/>
-          </a:p>
-        </p:txBody>
-      </p:sp>
-      <p:sp>
-        <p:nvSpPr>
-          <p:cNvPr id="22" name="TextBox 21">
-            <a:extLst>
-              <a:ext uri="{FF2B5EF4-FFF2-40B4-BE49-F238E27FC236}">
-                <a16:creationId xmlns:a16="http://schemas.microsoft.com/office/drawing/2014/main" id="{D0AFDC79-2DF4-EAD5-B502-7D329F6DAA23}"/>
+                <a16:creationId xmlns:a16="http://schemas.microsoft.com/office/drawing/2014/main" id="{C52DFEB0-2C09-E196-72E0-871559F1C456}"/>
               </a:ext>
             </a:extLst>
           </p:cNvPr>
@@ -24691,8 +24720,8 @@
         </p:nvSpPr>
         <p:spPr>
           <a:xfrm>
-            <a:off x="4864898" y="1718842"/>
-            <a:ext cx="3220883" cy="369332"/>
+            <a:off x="4927918" y="1303311"/>
+            <a:ext cx="1672867" cy="369332"/>
           </a:xfrm>
           <a:prstGeom prst="rect">
             <a:avLst/>
@@ -24712,7 +24741,7 @@
                   <a:schemeClr val="bg1"/>
                 </a:solidFill>
               </a:rPr>
-              <a:t>DATA BACKUP</a:t>
+              <a:t>OUTPUT</a:t>
             </a:r>
             <a:endParaRPr lang="en-US" dirty="0">
               <a:solidFill>
@@ -24724,10 +24753,10 @@
       </p:sp>
       <p:sp>
         <p:nvSpPr>
-          <p:cNvPr id="23" name="TextBox 22">
+          <p:cNvPr id="16" name="TextBox 15">
             <a:extLst>
               <a:ext uri="{FF2B5EF4-FFF2-40B4-BE49-F238E27FC236}">
-                <a16:creationId xmlns:a16="http://schemas.microsoft.com/office/drawing/2014/main" id="{9A5BEC2B-D56E-BE60-5CD2-0015092D040D}"/>
+                <a16:creationId xmlns:a16="http://schemas.microsoft.com/office/drawing/2014/main" id="{2D192895-0189-9943-23AB-9C0AA59CBB0A}"/>
               </a:ext>
             </a:extLst>
           </p:cNvPr>
@@ -24736,8 +24765,8 @@
         </p:nvSpPr>
         <p:spPr>
           <a:xfrm>
-            <a:off x="4864898" y="2088174"/>
-            <a:ext cx="3220883" cy="1200329"/>
+            <a:off x="8839618" y="1303311"/>
+            <a:ext cx="1672867" cy="369332"/>
           </a:xfrm>
           <a:prstGeom prst="rect">
             <a:avLst/>
@@ -24752,115 +24781,12 @@
           <a:p>
             <a:pPr algn="ctr"/>
             <a:r>
-              <a:rPr lang="it-IT" dirty="0"/>
-              <a:t>N_OUTPUT_SAVE_0</a:t>
-            </a:r>
-          </a:p>
-          <a:p>
-            <a:pPr algn="ctr"/>
-            <a:r>
-              <a:rPr lang="it-IT" dirty="0"/>
-              <a:t>.</a:t>
-            </a:r>
-          </a:p>
-          <a:p>
-            <a:pPr algn="ctr"/>
-            <a:r>
-              <a:rPr lang="it-IT" dirty="0"/>
-              <a:t>.</a:t>
-            </a:r>
-          </a:p>
-          <a:p>
-            <a:pPr algn="ctr"/>
-            <a:r>
-              <a:rPr lang="it-IT" dirty="0"/>
-              <a:t>N_OUTPUT_SAVE_(P-1)</a:t>
-            </a:r>
-          </a:p>
-        </p:txBody>
-      </p:sp>
-      <p:sp>
-        <p:nvSpPr>
-          <p:cNvPr id="24" name="Rectangle 23">
-            <a:extLst>
-              <a:ext uri="{FF2B5EF4-FFF2-40B4-BE49-F238E27FC236}">
-                <a16:creationId xmlns:a16="http://schemas.microsoft.com/office/drawing/2014/main" id="{E035ED30-E2B7-CE84-4AD8-2FFD0FF46FFA}"/>
-              </a:ext>
-            </a:extLst>
-          </p:cNvPr>
-          <p:cNvSpPr/>
-          <p:nvPr/>
-        </p:nvSpPr>
-        <p:spPr>
-          <a:xfrm>
-            <a:off x="4864898" y="4245340"/>
-            <a:ext cx="3220883" cy="2358887"/>
-          </a:xfrm>
-          <a:prstGeom prst="rect">
-            <a:avLst/>
-          </a:prstGeom>
-        </p:spPr>
-        <p:style>
-          <a:lnRef idx="2">
-            <a:schemeClr val="accent1">
-              <a:shade val="50000"/>
-            </a:schemeClr>
-          </a:lnRef>
-          <a:fillRef idx="1">
-            <a:schemeClr val="accent1"/>
-          </a:fillRef>
-          <a:effectRef idx="0">
-            <a:schemeClr val="accent1"/>
-          </a:effectRef>
-          <a:fontRef idx="minor">
-            <a:schemeClr val="lt1"/>
-          </a:fontRef>
-        </p:style>
-        <p:txBody>
-          <a:bodyPr rtlCol="0" anchor="ctr"/>
-          <a:lstStyle/>
-          <a:p>
-            <a:pPr algn="ctr"/>
-            <a:endParaRPr lang="en-US" dirty="0"/>
-          </a:p>
-        </p:txBody>
-      </p:sp>
-      <p:sp>
-        <p:nvSpPr>
-          <p:cNvPr id="25" name="TextBox 24">
-            <a:extLst>
-              <a:ext uri="{FF2B5EF4-FFF2-40B4-BE49-F238E27FC236}">
-                <a16:creationId xmlns:a16="http://schemas.microsoft.com/office/drawing/2014/main" id="{8CA441F1-F021-98F8-1AF6-747803720116}"/>
-              </a:ext>
-            </a:extLst>
-          </p:cNvPr>
-          <p:cNvSpPr txBox="1"/>
-          <p:nvPr/>
-        </p:nvSpPr>
-        <p:spPr>
-          <a:xfrm>
-            <a:off x="4864898" y="4245340"/>
-            <a:ext cx="3220883" cy="369332"/>
-          </a:xfrm>
-          <a:prstGeom prst="rect">
-            <a:avLst/>
-          </a:prstGeom>
-          <a:noFill/>
-        </p:spPr>
-        <p:txBody>
-          <a:bodyPr wrap="square" rtlCol="0">
-            <a:spAutoFit/>
-          </a:bodyPr>
-          <a:lstStyle/>
-          <a:p>
-            <a:pPr algn="ctr"/>
-            <a:r>
               <a:rPr lang="it-IT" dirty="0">
                 <a:solidFill>
                   <a:schemeClr val="bg1"/>
                 </a:solidFill>
               </a:rPr>
-              <a:t>DATA SAVE</a:t>
+              <a:t>W_SUM</a:t>
             </a:r>
             <a:endParaRPr lang="en-US" dirty="0">
               <a:solidFill>
@@ -24870,196 +24796,2461 @@
           </a:p>
         </p:txBody>
       </p:sp>
-      <p:sp>
-        <p:nvSpPr>
-          <p:cNvPr id="26" name="TextBox 25">
+      <p:graphicFrame>
+        <p:nvGraphicFramePr>
+          <p:cNvPr id="20" name="Table 29">
             <a:extLst>
               <a:ext uri="{FF2B5EF4-FFF2-40B4-BE49-F238E27FC236}">
-                <a16:creationId xmlns:a16="http://schemas.microsoft.com/office/drawing/2014/main" id="{7C2F95A6-8922-3034-9415-FFDEED8B819E}"/>
+                <a16:creationId xmlns:a16="http://schemas.microsoft.com/office/drawing/2014/main" id="{D5266D1D-81C6-CC12-4204-C44881614839}"/>
               </a:ext>
             </a:extLst>
           </p:cNvPr>
-          <p:cNvSpPr txBox="1"/>
-          <p:nvPr/>
-        </p:nvSpPr>
-        <p:spPr>
-          <a:xfrm>
-            <a:off x="4864898" y="4614672"/>
-            <a:ext cx="3220883" cy="1200329"/>
-          </a:xfrm>
-          <a:prstGeom prst="rect">
-            <a:avLst/>
-          </a:prstGeom>
-          <a:noFill/>
-        </p:spPr>
-        <p:txBody>
-          <a:bodyPr wrap="square" rtlCol="0">
-            <a:spAutoFit/>
-          </a:bodyPr>
-          <a:lstStyle/>
-          <a:p>
-            <a:pPr algn="ctr"/>
-            <a:r>
-              <a:rPr lang="it-IT" dirty="0"/>
-              <a:t>N_OUTPUT_REC_0</a:t>
-            </a:r>
-          </a:p>
-          <a:p>
-            <a:pPr algn="ctr"/>
-            <a:r>
-              <a:rPr lang="it-IT" dirty="0"/>
-              <a:t>.</a:t>
-            </a:r>
-          </a:p>
-          <a:p>
-            <a:pPr algn="ctr"/>
-            <a:r>
-              <a:rPr lang="it-IT" dirty="0"/>
-              <a:t>.</a:t>
-            </a:r>
-          </a:p>
-          <a:p>
-            <a:pPr algn="ctr"/>
-            <a:r>
-              <a:rPr lang="it-IT" dirty="0"/>
-              <a:t>N_OUTPUT_REC_(P-1)</a:t>
-            </a:r>
-          </a:p>
-        </p:txBody>
-      </p:sp>
-      <p:sp>
-        <p:nvSpPr>
-          <p:cNvPr id="27" name="TextBox 26">
-            <a:extLst>
-              <a:ext uri="{FF2B5EF4-FFF2-40B4-BE49-F238E27FC236}">
-                <a16:creationId xmlns:a16="http://schemas.microsoft.com/office/drawing/2014/main" id="{9ADDAE1B-8907-601D-BD69-C84FA2DA43A3}"/>
-              </a:ext>
-            </a:extLst>
-          </p:cNvPr>
-          <p:cNvSpPr txBox="1"/>
-          <p:nvPr/>
-        </p:nvSpPr>
-        <p:spPr>
-          <a:xfrm>
-            <a:off x="4991095" y="1207777"/>
-            <a:ext cx="2968487" cy="369332"/>
-          </a:xfrm>
-          <a:prstGeom prst="rect">
-            <a:avLst/>
-          </a:prstGeom>
-          <a:noFill/>
-        </p:spPr>
-        <p:txBody>
-          <a:bodyPr wrap="square" rtlCol="0">
-            <a:spAutoFit/>
-          </a:bodyPr>
-          <a:lstStyle/>
-          <a:p>
-            <a:pPr algn="ctr"/>
-            <a:r>
-              <a:rPr lang="it-IT" dirty="0">
-                <a:solidFill>
-                  <a:schemeClr val="bg1"/>
-                </a:solidFill>
-              </a:rPr>
-              <a:t>PREVIOUS LAYER</a:t>
-            </a:r>
-            <a:endParaRPr lang="en-US" dirty="0">
-              <a:solidFill>
-                <a:schemeClr val="bg1"/>
-              </a:solidFill>
-            </a:endParaRPr>
-          </a:p>
-        </p:txBody>
-      </p:sp>
-      <p:sp>
-        <p:nvSpPr>
-          <p:cNvPr id="28" name="TextBox 27">
-            <a:extLst>
-              <a:ext uri="{FF2B5EF4-FFF2-40B4-BE49-F238E27FC236}">
-                <a16:creationId xmlns:a16="http://schemas.microsoft.com/office/drawing/2014/main" id="{F6557F01-1F47-D174-AA49-FB104A383980}"/>
-              </a:ext>
-            </a:extLst>
-          </p:cNvPr>
-          <p:cNvSpPr txBox="1"/>
-          <p:nvPr/>
-        </p:nvSpPr>
-        <p:spPr>
-          <a:xfrm>
-            <a:off x="8926559" y="1698772"/>
-            <a:ext cx="2101360" cy="923330"/>
-          </a:xfrm>
-          <a:prstGeom prst="rect">
-            <a:avLst/>
-          </a:prstGeom>
-          <a:noFill/>
-        </p:spPr>
-        <p:txBody>
-          <a:bodyPr wrap="square" rtlCol="0">
-            <a:spAutoFit/>
-          </a:bodyPr>
-          <a:lstStyle/>
-          <a:p>
-            <a:r>
-              <a:rPr lang="it-IT" dirty="0">
-                <a:solidFill>
-                  <a:schemeClr val="bg1"/>
-                </a:solidFill>
-              </a:rPr>
-              <a:t>WE DO NOT SAVE ANY DATA FROM OTHER LAYERS</a:t>
-            </a:r>
-            <a:endParaRPr lang="en-US" dirty="0">
-              <a:solidFill>
-                <a:schemeClr val="bg1"/>
-              </a:solidFill>
-            </a:endParaRPr>
-          </a:p>
-        </p:txBody>
-      </p:sp>
-      <p:sp>
-        <p:nvSpPr>
-          <p:cNvPr id="29" name="TextBox 28">
-            <a:extLst>
-              <a:ext uri="{FF2B5EF4-FFF2-40B4-BE49-F238E27FC236}">
-                <a16:creationId xmlns:a16="http://schemas.microsoft.com/office/drawing/2014/main" id="{A089816F-E3B0-B04A-6760-F52C2821C239}"/>
-              </a:ext>
-            </a:extLst>
-          </p:cNvPr>
-          <p:cNvSpPr txBox="1"/>
-          <p:nvPr/>
-        </p:nvSpPr>
-        <p:spPr>
-          <a:xfrm>
-            <a:off x="8880319" y="2912649"/>
-            <a:ext cx="1976684" cy="2862322"/>
-          </a:xfrm>
-          <a:prstGeom prst="rect">
-            <a:avLst/>
-          </a:prstGeom>
-          <a:noFill/>
-        </p:spPr>
-        <p:txBody>
-          <a:bodyPr wrap="square" rtlCol="0">
-            <a:spAutoFit/>
-          </a:bodyPr>
-          <a:lstStyle/>
-          <a:p>
-            <a:r>
-              <a:rPr lang="it-IT" dirty="0">
-                <a:solidFill>
-                  <a:schemeClr val="bg1"/>
-                </a:solidFill>
-              </a:rPr>
-              <a:t>THE SAVE AND RECOVERY PROCESS CHANGE DEPENDING ON WEATHER THE LAYER IS THE CURRENTLY ACTIVE ONE OR THE PREVIOUS.</a:t>
-            </a:r>
-            <a:endParaRPr lang="en-US" dirty="0">
-              <a:solidFill>
-                <a:schemeClr val="bg1"/>
-              </a:solidFill>
-            </a:endParaRPr>
-          </a:p>
-        </p:txBody>
-      </p:sp>
+          <p:cNvGraphicFramePr>
+            <a:graphicFrameLocks noGrp="1"/>
+          </p:cNvGraphicFramePr>
+          <p:nvPr>
+            <p:extLst>
+              <p:ext uri="{D42A27DB-BD31-4B8C-83A1-F6EECF244321}">
+                <p14:modId xmlns:p14="http://schemas.microsoft.com/office/powerpoint/2010/main" val="144269905"/>
+              </p:ext>
+            </p:extLst>
+          </p:nvPr>
+        </p:nvGraphicFramePr>
+        <p:xfrm>
+          <a:off x="593165" y="1905297"/>
+          <a:ext cx="3266141" cy="4389120"/>
+        </p:xfrm>
+        <a:graphic>
+          <a:graphicData uri="http://schemas.openxmlformats.org/drawingml/2006/table">
+            <a:tbl>
+              <a:tblPr firstRow="1" bandRow="1">
+                <a:tableStyleId>{5C22544A-7EE6-4342-B048-85BDC9FD1C3A}</a:tableStyleId>
+              </a:tblPr>
+              <a:tblGrid>
+                <a:gridCol w="553094">
+                  <a:extLst>
+                    <a:ext uri="{9D8B030D-6E8A-4147-A177-3AD203B41FA5}">
+                      <a16:colId xmlns:a16="http://schemas.microsoft.com/office/drawing/2014/main" val="1309924922"/>
+                    </a:ext>
+                  </a:extLst>
+                </a:gridCol>
+                <a:gridCol w="2713047">
+                  <a:extLst>
+                    <a:ext uri="{9D8B030D-6E8A-4147-A177-3AD203B41FA5}">
+                      <a16:colId xmlns:a16="http://schemas.microsoft.com/office/drawing/2014/main" val="935044674"/>
+                    </a:ext>
+                  </a:extLst>
+                </a:gridCol>
+              </a:tblGrid>
+              <a:tr h="280653">
+                <a:tc>
+                  <a:txBody>
+                    <a:bodyPr/>
+                    <a:lstStyle/>
+                    <a:p>
+                      <a:r>
+                        <a:rPr lang="it-IT" dirty="0"/>
+                        <a:t>0</a:t>
+                      </a:r>
+                      <a:endParaRPr lang="en-US" dirty="0"/>
+                    </a:p>
+                  </a:txBody>
+                  <a:tcPr/>
+                </a:tc>
+                <a:tc>
+                  <a:txBody>
+                    <a:bodyPr/>
+                    <a:lstStyle/>
+                    <a:p>
+                      <a:pPr algn="ctr"/>
+                      <a:r>
+                        <a:rPr lang="it-IT" dirty="0"/>
+                        <a:t>1</a:t>
+                      </a:r>
+                      <a:endParaRPr lang="en-US" dirty="0"/>
+                    </a:p>
+                  </a:txBody>
+                  <a:tcPr/>
+                </a:tc>
+                <a:extLst>
+                  <a:ext uri="{0D108BD9-81ED-4DB2-BD59-A6C34878D82A}">
+                    <a16:rowId xmlns:a16="http://schemas.microsoft.com/office/drawing/2014/main" val="175597731"/>
+                  </a:ext>
+                </a:extLst>
+              </a:tr>
+              <a:tr h="280653">
+                <a:tc>
+                  <a:txBody>
+                    <a:bodyPr/>
+                    <a:lstStyle/>
+                    <a:p>
+                      <a:r>
+                        <a:rPr lang="it-IT" dirty="0"/>
+                        <a:t>1</a:t>
+                      </a:r>
+                      <a:endParaRPr lang="en-US" dirty="0"/>
+                    </a:p>
+                  </a:txBody>
+                  <a:tcPr/>
+                </a:tc>
+                <a:tc>
+                  <a:txBody>
+                    <a:bodyPr/>
+                    <a:lstStyle/>
+                    <a:p>
+                      <a:pPr algn="ctr"/>
+                      <a:r>
+                        <a:rPr lang="it-IT" dirty="0"/>
+                        <a:t>D.C.</a:t>
+                      </a:r>
+                      <a:endParaRPr lang="en-US" dirty="0"/>
+                    </a:p>
+                  </a:txBody>
+                  <a:tcPr/>
+                </a:tc>
+                <a:extLst>
+                  <a:ext uri="{0D108BD9-81ED-4DB2-BD59-A6C34878D82A}">
+                    <a16:rowId xmlns:a16="http://schemas.microsoft.com/office/drawing/2014/main" val="10764930"/>
+                  </a:ext>
+                </a:extLst>
+              </a:tr>
+              <a:tr h="280653">
+                <a:tc>
+                  <a:txBody>
+                    <a:bodyPr/>
+                    <a:lstStyle/>
+                    <a:p>
+                      <a:r>
+                        <a:rPr lang="it-IT" dirty="0"/>
+                        <a:t>2</a:t>
+                      </a:r>
+                      <a:endParaRPr lang="en-US" dirty="0"/>
+                    </a:p>
+                  </a:txBody>
+                  <a:tcPr/>
+                </a:tc>
+                <a:tc>
+                  <a:txBody>
+                    <a:bodyPr/>
+                    <a:lstStyle/>
+                    <a:p>
+                      <a:pPr algn="ctr"/>
+                      <a:r>
+                        <a:rPr lang="it-IT" dirty="0"/>
+                        <a:t>D.C.</a:t>
+                      </a:r>
+                    </a:p>
+                  </a:txBody>
+                  <a:tcPr/>
+                </a:tc>
+                <a:extLst>
+                  <a:ext uri="{0D108BD9-81ED-4DB2-BD59-A6C34878D82A}">
+                    <a16:rowId xmlns:a16="http://schemas.microsoft.com/office/drawing/2014/main" val="2033447407"/>
+                  </a:ext>
+                </a:extLst>
+              </a:tr>
+              <a:tr h="280653">
+                <a:tc>
+                  <a:txBody>
+                    <a:bodyPr/>
+                    <a:lstStyle/>
+                    <a:p>
+                      <a:endParaRPr lang="en-US"/>
+                    </a:p>
+                  </a:txBody>
+                  <a:tcPr/>
+                </a:tc>
+                <a:tc>
+                  <a:txBody>
+                    <a:bodyPr/>
+                    <a:lstStyle/>
+                    <a:p>
+                      <a:pPr algn="ctr"/>
+                      <a:endParaRPr lang="en-US"/>
+                    </a:p>
+                  </a:txBody>
+                  <a:tcPr/>
+                </a:tc>
+                <a:extLst>
+                  <a:ext uri="{0D108BD9-81ED-4DB2-BD59-A6C34878D82A}">
+                    <a16:rowId xmlns:a16="http://schemas.microsoft.com/office/drawing/2014/main" val="2584797129"/>
+                  </a:ext>
+                </a:extLst>
+              </a:tr>
+              <a:tr h="280653">
+                <a:tc>
+                  <a:txBody>
+                    <a:bodyPr/>
+                    <a:lstStyle/>
+                    <a:p>
+                      <a:endParaRPr lang="en-US"/>
+                    </a:p>
+                  </a:txBody>
+                  <a:tcPr/>
+                </a:tc>
+                <a:tc>
+                  <a:txBody>
+                    <a:bodyPr/>
+                    <a:lstStyle/>
+                    <a:p>
+                      <a:pPr algn="ctr"/>
+                      <a:endParaRPr lang="en-US" dirty="0"/>
+                    </a:p>
+                  </a:txBody>
+                  <a:tcPr/>
+                </a:tc>
+                <a:extLst>
+                  <a:ext uri="{0D108BD9-81ED-4DB2-BD59-A6C34878D82A}">
+                    <a16:rowId xmlns:a16="http://schemas.microsoft.com/office/drawing/2014/main" val="2782114930"/>
+                  </a:ext>
+                </a:extLst>
+              </a:tr>
+              <a:tr h="280653">
+                <a:tc>
+                  <a:txBody>
+                    <a:bodyPr/>
+                    <a:lstStyle/>
+                    <a:p>
+                      <a:endParaRPr lang="en-US"/>
+                    </a:p>
+                  </a:txBody>
+                  <a:tcPr/>
+                </a:tc>
+                <a:tc>
+                  <a:txBody>
+                    <a:bodyPr/>
+                    <a:lstStyle/>
+                    <a:p>
+                      <a:pPr algn="ctr"/>
+                      <a:endParaRPr lang="en-US" dirty="0"/>
+                    </a:p>
+                  </a:txBody>
+                  <a:tcPr/>
+                </a:tc>
+                <a:extLst>
+                  <a:ext uri="{0D108BD9-81ED-4DB2-BD59-A6C34878D82A}">
+                    <a16:rowId xmlns:a16="http://schemas.microsoft.com/office/drawing/2014/main" val="2458746661"/>
+                  </a:ext>
+                </a:extLst>
+              </a:tr>
+              <a:tr h="280653">
+                <a:tc>
+                  <a:txBody>
+                    <a:bodyPr/>
+                    <a:lstStyle/>
+                    <a:p>
+                      <a:endParaRPr lang="en-US"/>
+                    </a:p>
+                  </a:txBody>
+                  <a:tcPr/>
+                </a:tc>
+                <a:tc>
+                  <a:txBody>
+                    <a:bodyPr/>
+                    <a:lstStyle/>
+                    <a:p>
+                      <a:pPr algn="ctr"/>
+                      <a:endParaRPr lang="en-US" dirty="0"/>
+                    </a:p>
+                  </a:txBody>
+                  <a:tcPr/>
+                </a:tc>
+                <a:extLst>
+                  <a:ext uri="{0D108BD9-81ED-4DB2-BD59-A6C34878D82A}">
+                    <a16:rowId xmlns:a16="http://schemas.microsoft.com/office/drawing/2014/main" val="1827213602"/>
+                  </a:ext>
+                </a:extLst>
+              </a:tr>
+              <a:tr h="280653">
+                <a:tc>
+                  <a:txBody>
+                    <a:bodyPr/>
+                    <a:lstStyle/>
+                    <a:p>
+                      <a:endParaRPr lang="en-US"/>
+                    </a:p>
+                  </a:txBody>
+                  <a:tcPr/>
+                </a:tc>
+                <a:tc>
+                  <a:txBody>
+                    <a:bodyPr/>
+                    <a:lstStyle/>
+                    <a:p>
+                      <a:pPr algn="ctr"/>
+                      <a:endParaRPr lang="en-US" dirty="0"/>
+                    </a:p>
+                  </a:txBody>
+                  <a:tcPr/>
+                </a:tc>
+                <a:extLst>
+                  <a:ext uri="{0D108BD9-81ED-4DB2-BD59-A6C34878D82A}">
+                    <a16:rowId xmlns:a16="http://schemas.microsoft.com/office/drawing/2014/main" val="2623816108"/>
+                  </a:ext>
+                </a:extLst>
+              </a:tr>
+              <a:tr h="280653">
+                <a:tc>
+                  <a:txBody>
+                    <a:bodyPr/>
+                    <a:lstStyle/>
+                    <a:p>
+                      <a:endParaRPr lang="en-US"/>
+                    </a:p>
+                  </a:txBody>
+                  <a:tcPr/>
+                </a:tc>
+                <a:tc>
+                  <a:txBody>
+                    <a:bodyPr/>
+                    <a:lstStyle/>
+                    <a:p>
+                      <a:pPr algn="ctr"/>
+                      <a:endParaRPr lang="en-US" dirty="0"/>
+                    </a:p>
+                  </a:txBody>
+                  <a:tcPr/>
+                </a:tc>
+                <a:extLst>
+                  <a:ext uri="{0D108BD9-81ED-4DB2-BD59-A6C34878D82A}">
+                    <a16:rowId xmlns:a16="http://schemas.microsoft.com/office/drawing/2014/main" val="2396385500"/>
+                  </a:ext>
+                </a:extLst>
+              </a:tr>
+              <a:tr h="280653">
+                <a:tc>
+                  <a:txBody>
+                    <a:bodyPr/>
+                    <a:lstStyle/>
+                    <a:p>
+                      <a:endParaRPr lang="en-US"/>
+                    </a:p>
+                  </a:txBody>
+                  <a:tcPr/>
+                </a:tc>
+                <a:tc>
+                  <a:txBody>
+                    <a:bodyPr/>
+                    <a:lstStyle/>
+                    <a:p>
+                      <a:pPr algn="ctr"/>
+                      <a:endParaRPr lang="en-US" dirty="0"/>
+                    </a:p>
+                  </a:txBody>
+                  <a:tcPr/>
+                </a:tc>
+                <a:extLst>
+                  <a:ext uri="{0D108BD9-81ED-4DB2-BD59-A6C34878D82A}">
+                    <a16:rowId xmlns:a16="http://schemas.microsoft.com/office/drawing/2014/main" val="1383135423"/>
+                  </a:ext>
+                </a:extLst>
+              </a:tr>
+              <a:tr h="280653">
+                <a:tc>
+                  <a:txBody>
+                    <a:bodyPr/>
+                    <a:lstStyle/>
+                    <a:p>
+                      <a:endParaRPr lang="en-US"/>
+                    </a:p>
+                  </a:txBody>
+                  <a:tcPr/>
+                </a:tc>
+                <a:tc>
+                  <a:txBody>
+                    <a:bodyPr/>
+                    <a:lstStyle/>
+                    <a:p>
+                      <a:pPr algn="ctr"/>
+                      <a:endParaRPr lang="en-US" dirty="0"/>
+                    </a:p>
+                  </a:txBody>
+                  <a:tcPr/>
+                </a:tc>
+                <a:extLst>
+                  <a:ext uri="{0D108BD9-81ED-4DB2-BD59-A6C34878D82A}">
+                    <a16:rowId xmlns:a16="http://schemas.microsoft.com/office/drawing/2014/main" val="3776137944"/>
+                  </a:ext>
+                </a:extLst>
+              </a:tr>
+              <a:tr h="280653">
+                <a:tc>
+                  <a:txBody>
+                    <a:bodyPr/>
+                    <a:lstStyle/>
+                    <a:p>
+                      <a:r>
+                        <a:rPr lang="it-IT" dirty="0"/>
+                        <a:t>32</a:t>
+                      </a:r>
+                      <a:endParaRPr lang="en-US" dirty="0"/>
+                    </a:p>
+                  </a:txBody>
+                  <a:tcPr/>
+                </a:tc>
+                <a:tc>
+                  <a:txBody>
+                    <a:bodyPr/>
+                    <a:lstStyle/>
+                    <a:p>
+                      <a:pPr algn="ctr"/>
+                      <a:r>
+                        <a:rPr lang="it-IT" dirty="0"/>
+                        <a:t>D.C.</a:t>
+                      </a:r>
+                      <a:endParaRPr lang="en-US" dirty="0"/>
+                    </a:p>
+                  </a:txBody>
+                  <a:tcPr/>
+                </a:tc>
+                <a:extLst>
+                  <a:ext uri="{0D108BD9-81ED-4DB2-BD59-A6C34878D82A}">
+                    <a16:rowId xmlns:a16="http://schemas.microsoft.com/office/drawing/2014/main" val="602303420"/>
+                  </a:ext>
+                </a:extLst>
+              </a:tr>
+            </a:tbl>
+          </a:graphicData>
+        </a:graphic>
+      </p:graphicFrame>
+      <mc:AlternateContent xmlns:mc="http://schemas.openxmlformats.org/markup-compatibility/2006">
+        <mc:Choice xmlns:a14="http://schemas.microsoft.com/office/drawing/2010/main" Requires="a14">
+          <p:graphicFrame>
+            <p:nvGraphicFramePr>
+              <p:cNvPr id="30" name="Table 29">
+                <a:extLst>
+                  <a:ext uri="{FF2B5EF4-FFF2-40B4-BE49-F238E27FC236}">
+                    <a16:creationId xmlns:a16="http://schemas.microsoft.com/office/drawing/2014/main" id="{C1B66379-838C-697E-901B-C7A7B7AE9C7B}"/>
+                  </a:ext>
+                </a:extLst>
+              </p:cNvPr>
+              <p:cNvGraphicFramePr>
+                <a:graphicFrameLocks noGrp="1"/>
+              </p:cNvGraphicFramePr>
+              <p:nvPr>
+                <p:extLst>
+                  <p:ext uri="{D42A27DB-BD31-4B8C-83A1-F6EECF244321}">
+                    <p14:modId xmlns:p14="http://schemas.microsoft.com/office/powerpoint/2010/main" val="793009340"/>
+                  </p:ext>
+                </p:extLst>
+              </p:nvPr>
+            </p:nvGraphicFramePr>
+            <p:xfrm>
+              <a:off x="4131280" y="1905297"/>
+              <a:ext cx="3266141" cy="4389120"/>
+            </p:xfrm>
+            <a:graphic>
+              <a:graphicData uri="http://schemas.openxmlformats.org/drawingml/2006/table">
+                <a:tbl>
+                  <a:tblPr firstRow="1" bandRow="1">
+                    <a:tableStyleId>{5C22544A-7EE6-4342-B048-85BDC9FD1C3A}</a:tableStyleId>
+                  </a:tblPr>
+                  <a:tblGrid>
+                    <a:gridCol w="553094">
+                      <a:extLst>
+                        <a:ext uri="{9D8B030D-6E8A-4147-A177-3AD203B41FA5}">
+                          <a16:colId xmlns:a16="http://schemas.microsoft.com/office/drawing/2014/main" val="1309924922"/>
+                        </a:ext>
+                      </a:extLst>
+                    </a:gridCol>
+                    <a:gridCol w="2713047">
+                      <a:extLst>
+                        <a:ext uri="{9D8B030D-6E8A-4147-A177-3AD203B41FA5}">
+                          <a16:colId xmlns:a16="http://schemas.microsoft.com/office/drawing/2014/main" val="935044674"/>
+                        </a:ext>
+                      </a:extLst>
+                    </a:gridCol>
+                  </a:tblGrid>
+                  <a:tr h="280653">
+                    <a:tc>
+                      <a:txBody>
+                        <a:bodyPr/>
+                        <a:lstStyle/>
+                        <a:p>
+                          <a:r>
+                            <a:rPr lang="it-IT" dirty="0"/>
+                            <a:t>0</a:t>
+                          </a:r>
+                          <a:endParaRPr lang="en-US" dirty="0"/>
+                        </a:p>
+                      </a:txBody>
+                      <a:tcPr/>
+                    </a:tc>
+                    <a:tc>
+                      <a:txBody>
+                        <a:bodyPr/>
+                        <a:lstStyle/>
+                        <a:p>
+                          <a:pPr algn="ctr"/>
+                          <a:r>
+                            <a:rPr lang="it-IT" dirty="0"/>
+                            <a:t>2</a:t>
+                          </a:r>
+                          <a:endParaRPr lang="en-US" dirty="0"/>
+                        </a:p>
+                      </a:txBody>
+                      <a:tcPr/>
+                    </a:tc>
+                    <a:extLst>
+                      <a:ext uri="{0D108BD9-81ED-4DB2-BD59-A6C34878D82A}">
+                        <a16:rowId xmlns:a16="http://schemas.microsoft.com/office/drawing/2014/main" val="175597731"/>
+                      </a:ext>
+                    </a:extLst>
+                  </a:tr>
+                  <a:tr h="280653">
+                    <a:tc>
+                      <a:txBody>
+                        <a:bodyPr/>
+                        <a:lstStyle/>
+                        <a:p>
+                          <a:r>
+                            <a:rPr lang="it-IT" dirty="0"/>
+                            <a:t>1</a:t>
+                          </a:r>
+                          <a:endParaRPr lang="en-US" dirty="0"/>
+                        </a:p>
+                      </a:txBody>
+                      <a:tcPr/>
+                    </a:tc>
+                    <a:tc>
+                      <a:txBody>
+                        <a:bodyPr/>
+                        <a:lstStyle/>
+                        <a:p>
+                          <a:pPr algn="ctr"/>
+                          <a14:m>
+                            <m:oMathPara xmlns:m="http://schemas.openxmlformats.org/officeDocument/2006/math">
+                              <m:oMathParaPr>
+                                <m:jc m:val="centerGroup"/>
+                              </m:oMathParaPr>
+                              <m:oMath xmlns:m="http://schemas.openxmlformats.org/officeDocument/2006/math">
+                                <m:r>
+                                  <a:rPr lang="it-IT" b="0" i="1" smtClean="0">
+                                    <a:latin typeface="Cambria Math" panose="02040503050406030204" pitchFamily="18" charset="0"/>
+                                  </a:rPr>
+                                  <m:t>𝑦</m:t>
+                                </m:r>
+                                <m:r>
+                                  <a:rPr lang="it-IT" b="0" i="1" smtClean="0">
+                                    <a:latin typeface="Cambria Math" panose="02040503050406030204" pitchFamily="18" charset="0"/>
+                                  </a:rPr>
+                                  <m:t>(1)</m:t>
+                                </m:r>
+                              </m:oMath>
+                            </m:oMathPara>
+                          </a14:m>
+                          <a:endParaRPr lang="en-US" dirty="0"/>
+                        </a:p>
+                      </a:txBody>
+                      <a:tcPr/>
+                    </a:tc>
+                    <a:extLst>
+                      <a:ext uri="{0D108BD9-81ED-4DB2-BD59-A6C34878D82A}">
+                        <a16:rowId xmlns:a16="http://schemas.microsoft.com/office/drawing/2014/main" val="10764930"/>
+                      </a:ext>
+                    </a:extLst>
+                  </a:tr>
+                  <a:tr h="280653">
+                    <a:tc>
+                      <a:txBody>
+                        <a:bodyPr/>
+                        <a:lstStyle/>
+                        <a:p>
+                          <a:r>
+                            <a:rPr lang="it-IT" dirty="0"/>
+                            <a:t>2</a:t>
+                          </a:r>
+                          <a:endParaRPr lang="en-US" dirty="0"/>
+                        </a:p>
+                      </a:txBody>
+                      <a:tcPr/>
+                    </a:tc>
+                    <a:tc>
+                      <a:txBody>
+                        <a:bodyPr/>
+                        <a:lstStyle/>
+                        <a:p>
+                          <a:pPr marL="0" marR="0" lvl="0" indent="0" algn="ctr" defTabSz="457200" rtl="0" eaLnBrk="1" fontAlgn="auto" latinLnBrk="0" hangingPunct="1">
+                            <a:lnSpc>
+                              <a:spcPct val="100000"/>
+                            </a:lnSpc>
+                            <a:spcBef>
+                              <a:spcPts val="0"/>
+                            </a:spcBef>
+                            <a:spcAft>
+                              <a:spcPts val="0"/>
+                            </a:spcAft>
+                            <a:buClrTx/>
+                            <a:buSzTx/>
+                            <a:buFontTx/>
+                            <a:buNone/>
+                            <a:tabLst/>
+                            <a:defRPr/>
+                          </a:pPr>
+                          <a14:m>
+                            <m:oMathPara xmlns:m="http://schemas.openxmlformats.org/officeDocument/2006/math">
+                              <m:oMathParaPr>
+                                <m:jc m:val="centerGroup"/>
+                              </m:oMathParaPr>
+                              <m:oMath xmlns:m="http://schemas.openxmlformats.org/officeDocument/2006/math">
+                                <m:r>
+                                  <a:rPr lang="it-IT" b="0" i="1" smtClean="0">
+                                    <a:latin typeface="Cambria Math" panose="02040503050406030204" pitchFamily="18" charset="0"/>
+                                  </a:rPr>
+                                  <m:t>𝑦</m:t>
+                                </m:r>
+                                <m:r>
+                                  <a:rPr lang="it-IT" b="0" i="1" smtClean="0">
+                                    <a:latin typeface="Cambria Math" panose="02040503050406030204" pitchFamily="18" charset="0"/>
+                                  </a:rPr>
+                                  <m:t>(2)</m:t>
+                                </m:r>
+                              </m:oMath>
+                            </m:oMathPara>
+                          </a14:m>
+                          <a:endParaRPr lang="en-US" dirty="0"/>
+                        </a:p>
+                      </a:txBody>
+                      <a:tcPr/>
+                    </a:tc>
+                    <a:extLst>
+                      <a:ext uri="{0D108BD9-81ED-4DB2-BD59-A6C34878D82A}">
+                        <a16:rowId xmlns:a16="http://schemas.microsoft.com/office/drawing/2014/main" val="2033447407"/>
+                      </a:ext>
+                    </a:extLst>
+                  </a:tr>
+                  <a:tr h="280653">
+                    <a:tc>
+                      <a:txBody>
+                        <a:bodyPr/>
+                        <a:lstStyle/>
+                        <a:p>
+                          <a:endParaRPr lang="en-US"/>
+                        </a:p>
+                      </a:txBody>
+                      <a:tcPr/>
+                    </a:tc>
+                    <a:tc>
+                      <a:txBody>
+                        <a:bodyPr/>
+                        <a:lstStyle/>
+                        <a:p>
+                          <a:pPr algn="ctr"/>
+                          <a:endParaRPr lang="en-US"/>
+                        </a:p>
+                      </a:txBody>
+                      <a:tcPr/>
+                    </a:tc>
+                    <a:extLst>
+                      <a:ext uri="{0D108BD9-81ED-4DB2-BD59-A6C34878D82A}">
+                        <a16:rowId xmlns:a16="http://schemas.microsoft.com/office/drawing/2014/main" val="2584797129"/>
+                      </a:ext>
+                    </a:extLst>
+                  </a:tr>
+                  <a:tr h="280653">
+                    <a:tc>
+                      <a:txBody>
+                        <a:bodyPr/>
+                        <a:lstStyle/>
+                        <a:p>
+                          <a:endParaRPr lang="en-US"/>
+                        </a:p>
+                      </a:txBody>
+                      <a:tcPr/>
+                    </a:tc>
+                    <a:tc>
+                      <a:txBody>
+                        <a:bodyPr/>
+                        <a:lstStyle/>
+                        <a:p>
+                          <a:pPr algn="ctr"/>
+                          <a:endParaRPr lang="en-US" dirty="0"/>
+                        </a:p>
+                      </a:txBody>
+                      <a:tcPr/>
+                    </a:tc>
+                    <a:extLst>
+                      <a:ext uri="{0D108BD9-81ED-4DB2-BD59-A6C34878D82A}">
+                        <a16:rowId xmlns:a16="http://schemas.microsoft.com/office/drawing/2014/main" val="2782114930"/>
+                      </a:ext>
+                    </a:extLst>
+                  </a:tr>
+                  <a:tr h="280653">
+                    <a:tc>
+                      <a:txBody>
+                        <a:bodyPr/>
+                        <a:lstStyle/>
+                        <a:p>
+                          <a:endParaRPr lang="en-US"/>
+                        </a:p>
+                      </a:txBody>
+                      <a:tcPr/>
+                    </a:tc>
+                    <a:tc>
+                      <a:txBody>
+                        <a:bodyPr/>
+                        <a:lstStyle/>
+                        <a:p>
+                          <a:pPr algn="ctr"/>
+                          <a:endParaRPr lang="en-US" dirty="0"/>
+                        </a:p>
+                      </a:txBody>
+                      <a:tcPr/>
+                    </a:tc>
+                    <a:extLst>
+                      <a:ext uri="{0D108BD9-81ED-4DB2-BD59-A6C34878D82A}">
+                        <a16:rowId xmlns:a16="http://schemas.microsoft.com/office/drawing/2014/main" val="2458746661"/>
+                      </a:ext>
+                    </a:extLst>
+                  </a:tr>
+                  <a:tr h="280653">
+                    <a:tc>
+                      <a:txBody>
+                        <a:bodyPr/>
+                        <a:lstStyle/>
+                        <a:p>
+                          <a:endParaRPr lang="en-US"/>
+                        </a:p>
+                      </a:txBody>
+                      <a:tcPr/>
+                    </a:tc>
+                    <a:tc>
+                      <a:txBody>
+                        <a:bodyPr/>
+                        <a:lstStyle/>
+                        <a:p>
+                          <a:pPr algn="ctr"/>
+                          <a:endParaRPr lang="en-US"/>
+                        </a:p>
+                      </a:txBody>
+                      <a:tcPr/>
+                    </a:tc>
+                    <a:extLst>
+                      <a:ext uri="{0D108BD9-81ED-4DB2-BD59-A6C34878D82A}">
+                        <a16:rowId xmlns:a16="http://schemas.microsoft.com/office/drawing/2014/main" val="1827213602"/>
+                      </a:ext>
+                    </a:extLst>
+                  </a:tr>
+                  <a:tr h="280653">
+                    <a:tc>
+                      <a:txBody>
+                        <a:bodyPr/>
+                        <a:lstStyle/>
+                        <a:p>
+                          <a:endParaRPr lang="en-US"/>
+                        </a:p>
+                      </a:txBody>
+                      <a:tcPr/>
+                    </a:tc>
+                    <a:tc>
+                      <a:txBody>
+                        <a:bodyPr/>
+                        <a:lstStyle/>
+                        <a:p>
+                          <a:pPr algn="ctr"/>
+                          <a:endParaRPr lang="en-US" dirty="0"/>
+                        </a:p>
+                      </a:txBody>
+                      <a:tcPr/>
+                    </a:tc>
+                    <a:extLst>
+                      <a:ext uri="{0D108BD9-81ED-4DB2-BD59-A6C34878D82A}">
+                        <a16:rowId xmlns:a16="http://schemas.microsoft.com/office/drawing/2014/main" val="2623816108"/>
+                      </a:ext>
+                    </a:extLst>
+                  </a:tr>
+                  <a:tr h="280653">
+                    <a:tc>
+                      <a:txBody>
+                        <a:bodyPr/>
+                        <a:lstStyle/>
+                        <a:p>
+                          <a:endParaRPr lang="en-US"/>
+                        </a:p>
+                      </a:txBody>
+                      <a:tcPr/>
+                    </a:tc>
+                    <a:tc>
+                      <a:txBody>
+                        <a:bodyPr/>
+                        <a:lstStyle/>
+                        <a:p>
+                          <a:pPr algn="ctr"/>
+                          <a:endParaRPr lang="en-US" dirty="0"/>
+                        </a:p>
+                      </a:txBody>
+                      <a:tcPr/>
+                    </a:tc>
+                    <a:extLst>
+                      <a:ext uri="{0D108BD9-81ED-4DB2-BD59-A6C34878D82A}">
+                        <a16:rowId xmlns:a16="http://schemas.microsoft.com/office/drawing/2014/main" val="2396385500"/>
+                      </a:ext>
+                    </a:extLst>
+                  </a:tr>
+                  <a:tr h="280653">
+                    <a:tc>
+                      <a:txBody>
+                        <a:bodyPr/>
+                        <a:lstStyle/>
+                        <a:p>
+                          <a:r>
+                            <a:rPr lang="it-IT" dirty="0"/>
+                            <a:t>30</a:t>
+                          </a:r>
+                          <a:endParaRPr lang="en-US" dirty="0"/>
+                        </a:p>
+                      </a:txBody>
+                      <a:tcPr/>
+                    </a:tc>
+                    <a:tc>
+                      <a:txBody>
+                        <a:bodyPr/>
+                        <a:lstStyle/>
+                        <a:p>
+                          <a:pPr marL="0" marR="0" lvl="0" indent="0" algn="ctr" defTabSz="457200" rtl="0" eaLnBrk="1" fontAlgn="auto" latinLnBrk="0" hangingPunct="1">
+                            <a:lnSpc>
+                              <a:spcPct val="100000"/>
+                            </a:lnSpc>
+                            <a:spcBef>
+                              <a:spcPts val="0"/>
+                            </a:spcBef>
+                            <a:spcAft>
+                              <a:spcPts val="0"/>
+                            </a:spcAft>
+                            <a:buClrTx/>
+                            <a:buSzTx/>
+                            <a:buFontTx/>
+                            <a:buNone/>
+                            <a:tabLst/>
+                            <a:defRPr/>
+                          </a:pPr>
+                          <a14:m>
+                            <m:oMathPara xmlns:m="http://schemas.openxmlformats.org/officeDocument/2006/math">
+                              <m:oMathParaPr>
+                                <m:jc m:val="centerGroup"/>
+                              </m:oMathParaPr>
+                              <m:oMath xmlns:m="http://schemas.openxmlformats.org/officeDocument/2006/math">
+                                <m:r>
+                                  <a:rPr lang="it-IT" b="0" i="1" smtClean="0">
+                                    <a:latin typeface="Cambria Math" panose="02040503050406030204" pitchFamily="18" charset="0"/>
+                                  </a:rPr>
+                                  <m:t>𝑦</m:t>
+                                </m:r>
+                                <m:r>
+                                  <a:rPr lang="it-IT" b="0" i="1" smtClean="0">
+                                    <a:latin typeface="Cambria Math" panose="02040503050406030204" pitchFamily="18" charset="0"/>
+                                  </a:rPr>
+                                  <m:t>(30)</m:t>
+                                </m:r>
+                              </m:oMath>
+                            </m:oMathPara>
+                          </a14:m>
+                          <a:endParaRPr lang="en-US" dirty="0"/>
+                        </a:p>
+                      </a:txBody>
+                      <a:tcPr/>
+                    </a:tc>
+                    <a:extLst>
+                      <a:ext uri="{0D108BD9-81ED-4DB2-BD59-A6C34878D82A}">
+                        <a16:rowId xmlns:a16="http://schemas.microsoft.com/office/drawing/2014/main" val="1383135423"/>
+                      </a:ext>
+                    </a:extLst>
+                  </a:tr>
+                  <a:tr h="280653">
+                    <a:tc>
+                      <a:txBody>
+                        <a:bodyPr/>
+                        <a:lstStyle/>
+                        <a:p>
+                          <a:r>
+                            <a:rPr lang="it-IT" dirty="0"/>
+                            <a:t>31</a:t>
+                          </a:r>
+                          <a:endParaRPr lang="en-US" dirty="0"/>
+                        </a:p>
+                      </a:txBody>
+                      <a:tcPr/>
+                    </a:tc>
+                    <a:tc>
+                      <a:txBody>
+                        <a:bodyPr/>
+                        <a:lstStyle/>
+                        <a:p>
+                          <a:pPr algn="ctr"/>
+                          <a:r>
+                            <a:rPr lang="it-IT" dirty="0"/>
+                            <a:t>D.C.</a:t>
+                          </a:r>
+                          <a:endParaRPr lang="en-US" dirty="0"/>
+                        </a:p>
+                      </a:txBody>
+                      <a:tcPr/>
+                    </a:tc>
+                    <a:extLst>
+                      <a:ext uri="{0D108BD9-81ED-4DB2-BD59-A6C34878D82A}">
+                        <a16:rowId xmlns:a16="http://schemas.microsoft.com/office/drawing/2014/main" val="3776137944"/>
+                      </a:ext>
+                    </a:extLst>
+                  </a:tr>
+                  <a:tr h="280653">
+                    <a:tc>
+                      <a:txBody>
+                        <a:bodyPr/>
+                        <a:lstStyle/>
+                        <a:p>
+                          <a:r>
+                            <a:rPr lang="it-IT" dirty="0"/>
+                            <a:t>32</a:t>
+                          </a:r>
+                          <a:endParaRPr lang="en-US" dirty="0"/>
+                        </a:p>
+                      </a:txBody>
+                      <a:tcPr/>
+                    </a:tc>
+                    <a:tc>
+                      <a:txBody>
+                        <a:bodyPr/>
+                        <a:lstStyle/>
+                        <a:p>
+                          <a:pPr algn="ctr"/>
+                          <a:r>
+                            <a:rPr lang="it-IT" dirty="0"/>
+                            <a:t>D.C.</a:t>
+                          </a:r>
+                          <a:endParaRPr lang="en-US" dirty="0"/>
+                        </a:p>
+                      </a:txBody>
+                      <a:tcPr/>
+                    </a:tc>
+                    <a:extLst>
+                      <a:ext uri="{0D108BD9-81ED-4DB2-BD59-A6C34878D82A}">
+                        <a16:rowId xmlns:a16="http://schemas.microsoft.com/office/drawing/2014/main" val="602303420"/>
+                      </a:ext>
+                    </a:extLst>
+                  </a:tr>
+                </a:tbl>
+              </a:graphicData>
+            </a:graphic>
+          </p:graphicFrame>
+        </mc:Choice>
+        <mc:Fallback>
+          <p:graphicFrame>
+            <p:nvGraphicFramePr>
+              <p:cNvPr id="30" name="Table 29">
+                <a:extLst>
+                  <a:ext uri="{FF2B5EF4-FFF2-40B4-BE49-F238E27FC236}">
+                    <a16:creationId xmlns:a16="http://schemas.microsoft.com/office/drawing/2014/main" id="{C1B66379-838C-697E-901B-C7A7B7AE9C7B}"/>
+                  </a:ext>
+                </a:extLst>
+              </p:cNvPr>
+              <p:cNvGraphicFramePr>
+                <a:graphicFrameLocks noGrp="1"/>
+              </p:cNvGraphicFramePr>
+              <p:nvPr>
+                <p:extLst>
+                  <p:ext uri="{D42A27DB-BD31-4B8C-83A1-F6EECF244321}">
+                    <p14:modId xmlns:p14="http://schemas.microsoft.com/office/powerpoint/2010/main" val="793009340"/>
+                  </p:ext>
+                </p:extLst>
+              </p:nvPr>
+            </p:nvGraphicFramePr>
+            <p:xfrm>
+              <a:off x="4131280" y="1905297"/>
+              <a:ext cx="3266141" cy="4389120"/>
+            </p:xfrm>
+            <a:graphic>
+              <a:graphicData uri="http://schemas.openxmlformats.org/drawingml/2006/table">
+                <a:tbl>
+                  <a:tblPr firstRow="1" bandRow="1">
+                    <a:tableStyleId>{5C22544A-7EE6-4342-B048-85BDC9FD1C3A}</a:tableStyleId>
+                  </a:tblPr>
+                  <a:tblGrid>
+                    <a:gridCol w="553094">
+                      <a:extLst>
+                        <a:ext uri="{9D8B030D-6E8A-4147-A177-3AD203B41FA5}">
+                          <a16:colId xmlns:a16="http://schemas.microsoft.com/office/drawing/2014/main" val="1309924922"/>
+                        </a:ext>
+                      </a:extLst>
+                    </a:gridCol>
+                    <a:gridCol w="2713047">
+                      <a:extLst>
+                        <a:ext uri="{9D8B030D-6E8A-4147-A177-3AD203B41FA5}">
+                          <a16:colId xmlns:a16="http://schemas.microsoft.com/office/drawing/2014/main" val="935044674"/>
+                        </a:ext>
+                      </a:extLst>
+                    </a:gridCol>
+                  </a:tblGrid>
+                  <a:tr h="365760">
+                    <a:tc>
+                      <a:txBody>
+                        <a:bodyPr/>
+                        <a:lstStyle/>
+                        <a:p>
+                          <a:r>
+                            <a:rPr lang="it-IT" dirty="0"/>
+                            <a:t>0</a:t>
+                          </a:r>
+                          <a:endParaRPr lang="en-US" dirty="0"/>
+                        </a:p>
+                      </a:txBody>
+                      <a:tcPr/>
+                    </a:tc>
+                    <a:tc>
+                      <a:txBody>
+                        <a:bodyPr/>
+                        <a:lstStyle/>
+                        <a:p>
+                          <a:pPr algn="ctr"/>
+                          <a:r>
+                            <a:rPr lang="it-IT" dirty="0"/>
+                            <a:t>2</a:t>
+                          </a:r>
+                          <a:endParaRPr lang="en-US" dirty="0"/>
+                        </a:p>
+                      </a:txBody>
+                      <a:tcPr/>
+                    </a:tc>
+                    <a:extLst>
+                      <a:ext uri="{0D108BD9-81ED-4DB2-BD59-A6C34878D82A}">
+                        <a16:rowId xmlns:a16="http://schemas.microsoft.com/office/drawing/2014/main" val="175597731"/>
+                      </a:ext>
+                    </a:extLst>
+                  </a:tr>
+                  <a:tr h="365760">
+                    <a:tc>
+                      <a:txBody>
+                        <a:bodyPr/>
+                        <a:lstStyle/>
+                        <a:p>
+                          <a:r>
+                            <a:rPr lang="it-IT" dirty="0"/>
+                            <a:t>1</a:t>
+                          </a:r>
+                          <a:endParaRPr lang="en-US" dirty="0"/>
+                        </a:p>
+                      </a:txBody>
+                      <a:tcPr/>
+                    </a:tc>
+                    <a:tc>
+                      <a:txBody>
+                        <a:bodyPr/>
+                        <a:lstStyle/>
+                        <a:p>
+                          <a:endParaRPr lang="en-US"/>
+                        </a:p>
+                      </a:txBody>
+                      <a:tcPr>
+                        <a:blipFill>
+                          <a:blip r:embed="rId3"/>
+                          <a:stretch>
+                            <a:fillRect l="-20628" t="-106667" r="-897" b="-1028333"/>
+                          </a:stretch>
+                        </a:blipFill>
+                      </a:tcPr>
+                    </a:tc>
+                    <a:extLst>
+                      <a:ext uri="{0D108BD9-81ED-4DB2-BD59-A6C34878D82A}">
+                        <a16:rowId xmlns:a16="http://schemas.microsoft.com/office/drawing/2014/main" val="10764930"/>
+                      </a:ext>
+                    </a:extLst>
+                  </a:tr>
+                  <a:tr h="365760">
+                    <a:tc>
+                      <a:txBody>
+                        <a:bodyPr/>
+                        <a:lstStyle/>
+                        <a:p>
+                          <a:r>
+                            <a:rPr lang="it-IT" dirty="0"/>
+                            <a:t>2</a:t>
+                          </a:r>
+                          <a:endParaRPr lang="en-US" dirty="0"/>
+                        </a:p>
+                      </a:txBody>
+                      <a:tcPr/>
+                    </a:tc>
+                    <a:tc>
+                      <a:txBody>
+                        <a:bodyPr/>
+                        <a:lstStyle/>
+                        <a:p>
+                          <a:endParaRPr lang="en-US"/>
+                        </a:p>
+                      </a:txBody>
+                      <a:tcPr>
+                        <a:blipFill>
+                          <a:blip r:embed="rId3"/>
+                          <a:stretch>
+                            <a:fillRect l="-20628" t="-206667" r="-897" b="-928333"/>
+                          </a:stretch>
+                        </a:blipFill>
+                      </a:tcPr>
+                    </a:tc>
+                    <a:extLst>
+                      <a:ext uri="{0D108BD9-81ED-4DB2-BD59-A6C34878D82A}">
+                        <a16:rowId xmlns:a16="http://schemas.microsoft.com/office/drawing/2014/main" val="2033447407"/>
+                      </a:ext>
+                    </a:extLst>
+                  </a:tr>
+                  <a:tr h="365760">
+                    <a:tc>
+                      <a:txBody>
+                        <a:bodyPr/>
+                        <a:lstStyle/>
+                        <a:p>
+                          <a:endParaRPr lang="en-US"/>
+                        </a:p>
+                      </a:txBody>
+                      <a:tcPr/>
+                    </a:tc>
+                    <a:tc>
+                      <a:txBody>
+                        <a:bodyPr/>
+                        <a:lstStyle/>
+                        <a:p>
+                          <a:pPr algn="ctr"/>
+                          <a:endParaRPr lang="en-US"/>
+                        </a:p>
+                      </a:txBody>
+                      <a:tcPr/>
+                    </a:tc>
+                    <a:extLst>
+                      <a:ext uri="{0D108BD9-81ED-4DB2-BD59-A6C34878D82A}">
+                        <a16:rowId xmlns:a16="http://schemas.microsoft.com/office/drawing/2014/main" val="2584797129"/>
+                      </a:ext>
+                    </a:extLst>
+                  </a:tr>
+                  <a:tr h="365760">
+                    <a:tc>
+                      <a:txBody>
+                        <a:bodyPr/>
+                        <a:lstStyle/>
+                        <a:p>
+                          <a:endParaRPr lang="en-US"/>
+                        </a:p>
+                      </a:txBody>
+                      <a:tcPr/>
+                    </a:tc>
+                    <a:tc>
+                      <a:txBody>
+                        <a:bodyPr/>
+                        <a:lstStyle/>
+                        <a:p>
+                          <a:pPr algn="ctr"/>
+                          <a:endParaRPr lang="en-US" dirty="0"/>
+                        </a:p>
+                      </a:txBody>
+                      <a:tcPr/>
+                    </a:tc>
+                    <a:extLst>
+                      <a:ext uri="{0D108BD9-81ED-4DB2-BD59-A6C34878D82A}">
+                        <a16:rowId xmlns:a16="http://schemas.microsoft.com/office/drawing/2014/main" val="2782114930"/>
+                      </a:ext>
+                    </a:extLst>
+                  </a:tr>
+                  <a:tr h="365760">
+                    <a:tc>
+                      <a:txBody>
+                        <a:bodyPr/>
+                        <a:lstStyle/>
+                        <a:p>
+                          <a:endParaRPr lang="en-US"/>
+                        </a:p>
+                      </a:txBody>
+                      <a:tcPr/>
+                    </a:tc>
+                    <a:tc>
+                      <a:txBody>
+                        <a:bodyPr/>
+                        <a:lstStyle/>
+                        <a:p>
+                          <a:pPr algn="ctr"/>
+                          <a:endParaRPr lang="en-US" dirty="0"/>
+                        </a:p>
+                      </a:txBody>
+                      <a:tcPr/>
+                    </a:tc>
+                    <a:extLst>
+                      <a:ext uri="{0D108BD9-81ED-4DB2-BD59-A6C34878D82A}">
+                        <a16:rowId xmlns:a16="http://schemas.microsoft.com/office/drawing/2014/main" val="2458746661"/>
+                      </a:ext>
+                    </a:extLst>
+                  </a:tr>
+                  <a:tr h="365760">
+                    <a:tc>
+                      <a:txBody>
+                        <a:bodyPr/>
+                        <a:lstStyle/>
+                        <a:p>
+                          <a:endParaRPr lang="en-US"/>
+                        </a:p>
+                      </a:txBody>
+                      <a:tcPr/>
+                    </a:tc>
+                    <a:tc>
+                      <a:txBody>
+                        <a:bodyPr/>
+                        <a:lstStyle/>
+                        <a:p>
+                          <a:pPr algn="ctr"/>
+                          <a:endParaRPr lang="en-US"/>
+                        </a:p>
+                      </a:txBody>
+                      <a:tcPr/>
+                    </a:tc>
+                    <a:extLst>
+                      <a:ext uri="{0D108BD9-81ED-4DB2-BD59-A6C34878D82A}">
+                        <a16:rowId xmlns:a16="http://schemas.microsoft.com/office/drawing/2014/main" val="1827213602"/>
+                      </a:ext>
+                    </a:extLst>
+                  </a:tr>
+                  <a:tr h="365760">
+                    <a:tc>
+                      <a:txBody>
+                        <a:bodyPr/>
+                        <a:lstStyle/>
+                        <a:p>
+                          <a:endParaRPr lang="en-US"/>
+                        </a:p>
+                      </a:txBody>
+                      <a:tcPr/>
+                    </a:tc>
+                    <a:tc>
+                      <a:txBody>
+                        <a:bodyPr/>
+                        <a:lstStyle/>
+                        <a:p>
+                          <a:pPr algn="ctr"/>
+                          <a:endParaRPr lang="en-US" dirty="0"/>
+                        </a:p>
+                      </a:txBody>
+                      <a:tcPr/>
+                    </a:tc>
+                    <a:extLst>
+                      <a:ext uri="{0D108BD9-81ED-4DB2-BD59-A6C34878D82A}">
+                        <a16:rowId xmlns:a16="http://schemas.microsoft.com/office/drawing/2014/main" val="2623816108"/>
+                      </a:ext>
+                    </a:extLst>
+                  </a:tr>
+                  <a:tr h="365760">
+                    <a:tc>
+                      <a:txBody>
+                        <a:bodyPr/>
+                        <a:lstStyle/>
+                        <a:p>
+                          <a:endParaRPr lang="en-US"/>
+                        </a:p>
+                      </a:txBody>
+                      <a:tcPr/>
+                    </a:tc>
+                    <a:tc>
+                      <a:txBody>
+                        <a:bodyPr/>
+                        <a:lstStyle/>
+                        <a:p>
+                          <a:pPr algn="ctr"/>
+                          <a:endParaRPr lang="en-US" dirty="0"/>
+                        </a:p>
+                      </a:txBody>
+                      <a:tcPr/>
+                    </a:tc>
+                    <a:extLst>
+                      <a:ext uri="{0D108BD9-81ED-4DB2-BD59-A6C34878D82A}">
+                        <a16:rowId xmlns:a16="http://schemas.microsoft.com/office/drawing/2014/main" val="2396385500"/>
+                      </a:ext>
+                    </a:extLst>
+                  </a:tr>
+                  <a:tr h="365760">
+                    <a:tc>
+                      <a:txBody>
+                        <a:bodyPr/>
+                        <a:lstStyle/>
+                        <a:p>
+                          <a:r>
+                            <a:rPr lang="it-IT" dirty="0"/>
+                            <a:t>30</a:t>
+                          </a:r>
+                          <a:endParaRPr lang="en-US" dirty="0"/>
+                        </a:p>
+                      </a:txBody>
+                      <a:tcPr/>
+                    </a:tc>
+                    <a:tc>
+                      <a:txBody>
+                        <a:bodyPr/>
+                        <a:lstStyle/>
+                        <a:p>
+                          <a:endParaRPr lang="en-US"/>
+                        </a:p>
+                      </a:txBody>
+                      <a:tcPr>
+                        <a:blipFill>
+                          <a:blip r:embed="rId3"/>
+                          <a:stretch>
+                            <a:fillRect l="-20628" t="-908333" r="-897" b="-226667"/>
+                          </a:stretch>
+                        </a:blipFill>
+                      </a:tcPr>
+                    </a:tc>
+                    <a:extLst>
+                      <a:ext uri="{0D108BD9-81ED-4DB2-BD59-A6C34878D82A}">
+                        <a16:rowId xmlns:a16="http://schemas.microsoft.com/office/drawing/2014/main" val="1383135423"/>
+                      </a:ext>
+                    </a:extLst>
+                  </a:tr>
+                  <a:tr h="365760">
+                    <a:tc>
+                      <a:txBody>
+                        <a:bodyPr/>
+                        <a:lstStyle/>
+                        <a:p>
+                          <a:r>
+                            <a:rPr lang="it-IT" dirty="0"/>
+                            <a:t>31</a:t>
+                          </a:r>
+                          <a:endParaRPr lang="en-US" dirty="0"/>
+                        </a:p>
+                      </a:txBody>
+                      <a:tcPr/>
+                    </a:tc>
+                    <a:tc>
+                      <a:txBody>
+                        <a:bodyPr/>
+                        <a:lstStyle/>
+                        <a:p>
+                          <a:pPr algn="ctr"/>
+                          <a:r>
+                            <a:rPr lang="it-IT" dirty="0"/>
+                            <a:t>D.C.</a:t>
+                          </a:r>
+                          <a:endParaRPr lang="en-US" dirty="0"/>
+                        </a:p>
+                      </a:txBody>
+                      <a:tcPr/>
+                    </a:tc>
+                    <a:extLst>
+                      <a:ext uri="{0D108BD9-81ED-4DB2-BD59-A6C34878D82A}">
+                        <a16:rowId xmlns:a16="http://schemas.microsoft.com/office/drawing/2014/main" val="3776137944"/>
+                      </a:ext>
+                    </a:extLst>
+                  </a:tr>
+                  <a:tr h="365760">
+                    <a:tc>
+                      <a:txBody>
+                        <a:bodyPr/>
+                        <a:lstStyle/>
+                        <a:p>
+                          <a:r>
+                            <a:rPr lang="it-IT" dirty="0"/>
+                            <a:t>32</a:t>
+                          </a:r>
+                          <a:endParaRPr lang="en-US" dirty="0"/>
+                        </a:p>
+                      </a:txBody>
+                      <a:tcPr/>
+                    </a:tc>
+                    <a:tc>
+                      <a:txBody>
+                        <a:bodyPr/>
+                        <a:lstStyle/>
+                        <a:p>
+                          <a:pPr algn="ctr"/>
+                          <a:r>
+                            <a:rPr lang="it-IT" dirty="0"/>
+                            <a:t>D.C.</a:t>
+                          </a:r>
+                          <a:endParaRPr lang="en-US" dirty="0"/>
+                        </a:p>
+                      </a:txBody>
+                      <a:tcPr/>
+                    </a:tc>
+                    <a:extLst>
+                      <a:ext uri="{0D108BD9-81ED-4DB2-BD59-A6C34878D82A}">
+                        <a16:rowId xmlns:a16="http://schemas.microsoft.com/office/drawing/2014/main" val="602303420"/>
+                      </a:ext>
+                    </a:extLst>
+                  </a:tr>
+                </a:tbl>
+              </a:graphicData>
+            </a:graphic>
+          </p:graphicFrame>
+        </mc:Fallback>
+      </mc:AlternateContent>
+      <mc:AlternateContent xmlns:mc="http://schemas.openxmlformats.org/markup-compatibility/2006">
+        <mc:Choice xmlns:a14="http://schemas.microsoft.com/office/drawing/2010/main" Requires="a14">
+          <p:graphicFrame>
+            <p:nvGraphicFramePr>
+              <p:cNvPr id="31" name="Table 30">
+                <a:extLst>
+                  <a:ext uri="{FF2B5EF4-FFF2-40B4-BE49-F238E27FC236}">
+                    <a16:creationId xmlns:a16="http://schemas.microsoft.com/office/drawing/2014/main" id="{9440CE54-5CD9-C126-02FF-C786F2658D31}"/>
+                  </a:ext>
+                </a:extLst>
+              </p:cNvPr>
+              <p:cNvGraphicFramePr>
+                <a:graphicFrameLocks noGrp="1"/>
+              </p:cNvGraphicFramePr>
+              <p:nvPr>
+                <p:extLst>
+                  <p:ext uri="{D42A27DB-BD31-4B8C-83A1-F6EECF244321}">
+                    <p14:modId xmlns:p14="http://schemas.microsoft.com/office/powerpoint/2010/main" val="4125828212"/>
+                  </p:ext>
+                </p:extLst>
+              </p:nvPr>
+            </p:nvGraphicFramePr>
+            <p:xfrm>
+              <a:off x="7778118" y="1905297"/>
+              <a:ext cx="3266141" cy="4389120"/>
+            </p:xfrm>
+            <a:graphic>
+              <a:graphicData uri="http://schemas.openxmlformats.org/drawingml/2006/table">
+                <a:tbl>
+                  <a:tblPr firstRow="1" bandRow="1">
+                    <a:tableStyleId>{5C22544A-7EE6-4342-B048-85BDC9FD1C3A}</a:tableStyleId>
+                  </a:tblPr>
+                  <a:tblGrid>
+                    <a:gridCol w="553094">
+                      <a:extLst>
+                        <a:ext uri="{9D8B030D-6E8A-4147-A177-3AD203B41FA5}">
+                          <a16:colId xmlns:a16="http://schemas.microsoft.com/office/drawing/2014/main" val="1309924922"/>
+                        </a:ext>
+                      </a:extLst>
+                    </a:gridCol>
+                    <a:gridCol w="2713047">
+                      <a:extLst>
+                        <a:ext uri="{9D8B030D-6E8A-4147-A177-3AD203B41FA5}">
+                          <a16:colId xmlns:a16="http://schemas.microsoft.com/office/drawing/2014/main" val="935044674"/>
+                        </a:ext>
+                      </a:extLst>
+                    </a:gridCol>
+                  </a:tblGrid>
+                  <a:tr h="280653">
+                    <a:tc>
+                      <a:txBody>
+                        <a:bodyPr/>
+                        <a:lstStyle/>
+                        <a:p>
+                          <a:r>
+                            <a:rPr lang="it-IT" dirty="0"/>
+                            <a:t>0</a:t>
+                          </a:r>
+                          <a:endParaRPr lang="en-US" dirty="0"/>
+                        </a:p>
+                      </a:txBody>
+                      <a:tcPr/>
+                    </a:tc>
+                    <a:tc>
+                      <a:txBody>
+                        <a:bodyPr/>
+                        <a:lstStyle/>
+                        <a:p>
+                          <a:pPr algn="ctr"/>
+                          <a:endParaRPr lang="en-US" dirty="0"/>
+                        </a:p>
+                      </a:txBody>
+                      <a:tcPr/>
+                    </a:tc>
+                    <a:extLst>
+                      <a:ext uri="{0D108BD9-81ED-4DB2-BD59-A6C34878D82A}">
+                        <a16:rowId xmlns:a16="http://schemas.microsoft.com/office/drawing/2014/main" val="175597731"/>
+                      </a:ext>
+                    </a:extLst>
+                  </a:tr>
+                  <a:tr h="280653">
+                    <a:tc>
+                      <a:txBody>
+                        <a:bodyPr/>
+                        <a:lstStyle/>
+                        <a:p>
+                          <a:r>
+                            <a:rPr lang="it-IT" dirty="0"/>
+                            <a:t>1</a:t>
+                          </a:r>
+                          <a:endParaRPr lang="en-US" dirty="0"/>
+                        </a:p>
+                      </a:txBody>
+                      <a:tcPr/>
+                    </a:tc>
+                    <a:tc>
+                      <a:txBody>
+                        <a:bodyPr/>
+                        <a:lstStyle/>
+                        <a:p>
+                          <a:pPr algn="ctr"/>
+                          <a14:m>
+                            <m:oMathPara xmlns:m="http://schemas.openxmlformats.org/officeDocument/2006/math">
+                              <m:oMathParaPr>
+                                <m:jc m:val="centerGroup"/>
+                              </m:oMathParaPr>
+                              <m:oMath xmlns:m="http://schemas.openxmlformats.org/officeDocument/2006/math">
+                                <m:sSub>
+                                  <m:sSubPr>
+                                    <m:ctrlPr>
+                                      <a:rPr lang="it-IT" b="0" i="1" smtClean="0">
+                                        <a:latin typeface="Cambria Math" panose="02040503050406030204" pitchFamily="18" charset="0"/>
+                                      </a:rPr>
+                                    </m:ctrlPr>
+                                  </m:sSubPr>
+                                  <m:e>
+                                    <m:r>
+                                      <a:rPr lang="it-IT" b="0" i="1" smtClean="0">
+                                        <a:latin typeface="Cambria Math" panose="02040503050406030204" pitchFamily="18" charset="0"/>
+                                      </a:rPr>
+                                      <m:t>𝑤</m:t>
+                                    </m:r>
+                                  </m:e>
+                                  <m:sub>
+                                    <m:r>
+                                      <m:rPr>
+                                        <m:sty m:val="p"/>
+                                      </m:rPr>
+                                      <a:rPr lang="it-IT" b="0" i="0" smtClean="0">
+                                        <a:latin typeface="Cambria Math" panose="02040503050406030204" pitchFamily="18" charset="0"/>
+                                      </a:rPr>
+                                      <m:t>sum</m:t>
+                                    </m:r>
+                                  </m:sub>
+                                </m:sSub>
+                                <m:r>
+                                  <a:rPr lang="it-IT" b="0" i="1" smtClean="0">
+                                    <a:latin typeface="Cambria Math" panose="02040503050406030204" pitchFamily="18" charset="0"/>
+                                  </a:rPr>
+                                  <m:t>(</m:t>
+                                </m:r>
+                                <m:r>
+                                  <a:rPr lang="it-IT" b="0" i="1" smtClean="0">
+                                    <a:latin typeface="Cambria Math" panose="02040503050406030204" pitchFamily="18" charset="0"/>
+                                  </a:rPr>
+                                  <m:t>1</m:t>
+                                </m:r>
+                                <m:r>
+                                  <a:rPr lang="it-IT" b="0" i="1" smtClean="0">
+                                    <a:latin typeface="Cambria Math" panose="02040503050406030204" pitchFamily="18" charset="0"/>
+                                  </a:rPr>
+                                  <m:t>)</m:t>
+                                </m:r>
+                              </m:oMath>
+                            </m:oMathPara>
+                          </a14:m>
+                          <a:endParaRPr lang="en-US" dirty="0"/>
+                        </a:p>
+                      </a:txBody>
+                      <a:tcPr/>
+                    </a:tc>
+                    <a:extLst>
+                      <a:ext uri="{0D108BD9-81ED-4DB2-BD59-A6C34878D82A}">
+                        <a16:rowId xmlns:a16="http://schemas.microsoft.com/office/drawing/2014/main" val="10764930"/>
+                      </a:ext>
+                    </a:extLst>
+                  </a:tr>
+                  <a:tr h="280653">
+                    <a:tc>
+                      <a:txBody>
+                        <a:bodyPr/>
+                        <a:lstStyle/>
+                        <a:p>
+                          <a:r>
+                            <a:rPr lang="it-IT" dirty="0"/>
+                            <a:t>2</a:t>
+                          </a:r>
+                          <a:endParaRPr lang="en-US" dirty="0"/>
+                        </a:p>
+                      </a:txBody>
+                      <a:tcPr/>
+                    </a:tc>
+                    <a:tc>
+                      <a:txBody>
+                        <a:bodyPr/>
+                        <a:lstStyle/>
+                        <a:p>
+                          <a:pPr algn="ctr"/>
+                          <a14:m>
+                            <m:oMathPara xmlns:m="http://schemas.openxmlformats.org/officeDocument/2006/math">
+                              <m:oMathParaPr>
+                                <m:jc m:val="centerGroup"/>
+                              </m:oMathParaPr>
+                              <m:oMath xmlns:m="http://schemas.openxmlformats.org/officeDocument/2006/math">
+                                <m:sSub>
+                                  <m:sSubPr>
+                                    <m:ctrlPr>
+                                      <a:rPr lang="it-IT" b="0" i="1" smtClean="0">
+                                        <a:latin typeface="Cambria Math" panose="02040503050406030204" pitchFamily="18" charset="0"/>
+                                      </a:rPr>
+                                    </m:ctrlPr>
+                                  </m:sSubPr>
+                                  <m:e>
+                                    <m:r>
+                                      <a:rPr lang="it-IT" b="0" i="1" smtClean="0">
+                                        <a:latin typeface="Cambria Math" panose="02040503050406030204" pitchFamily="18" charset="0"/>
+                                      </a:rPr>
+                                      <m:t>𝑤</m:t>
+                                    </m:r>
+                                  </m:e>
+                                  <m:sub>
+                                    <m:r>
+                                      <m:rPr>
+                                        <m:sty m:val="p"/>
+                                      </m:rPr>
+                                      <a:rPr lang="it-IT" b="0" i="0" smtClean="0">
+                                        <a:latin typeface="Cambria Math" panose="02040503050406030204" pitchFamily="18" charset="0"/>
+                                      </a:rPr>
+                                      <m:t>sum</m:t>
+                                    </m:r>
+                                  </m:sub>
+                                </m:sSub>
+                                <m:r>
+                                  <a:rPr lang="it-IT" b="0" i="1" smtClean="0">
+                                    <a:latin typeface="Cambria Math" panose="02040503050406030204" pitchFamily="18" charset="0"/>
+                                  </a:rPr>
+                                  <m:t>(</m:t>
+                                </m:r>
+                                <m:r>
+                                  <a:rPr lang="it-IT" b="0" i="1" smtClean="0">
+                                    <a:latin typeface="Cambria Math" panose="02040503050406030204" pitchFamily="18" charset="0"/>
+                                  </a:rPr>
+                                  <m:t>2</m:t>
+                                </m:r>
+                                <m:r>
+                                  <a:rPr lang="it-IT" b="0" i="1" smtClean="0">
+                                    <a:latin typeface="Cambria Math" panose="02040503050406030204" pitchFamily="18" charset="0"/>
+                                  </a:rPr>
+                                  <m:t>)</m:t>
+                                </m:r>
+                              </m:oMath>
+                            </m:oMathPara>
+                          </a14:m>
+                          <a:endParaRPr lang="en-US" dirty="0"/>
+                        </a:p>
+                      </a:txBody>
+                      <a:tcPr/>
+                    </a:tc>
+                    <a:extLst>
+                      <a:ext uri="{0D108BD9-81ED-4DB2-BD59-A6C34878D82A}">
+                        <a16:rowId xmlns:a16="http://schemas.microsoft.com/office/drawing/2014/main" val="2033447407"/>
+                      </a:ext>
+                    </a:extLst>
+                  </a:tr>
+                  <a:tr h="280653">
+                    <a:tc>
+                      <a:txBody>
+                        <a:bodyPr/>
+                        <a:lstStyle/>
+                        <a:p>
+                          <a:endParaRPr lang="en-US"/>
+                        </a:p>
+                      </a:txBody>
+                      <a:tcPr/>
+                    </a:tc>
+                    <a:tc>
+                      <a:txBody>
+                        <a:bodyPr/>
+                        <a:lstStyle/>
+                        <a:p>
+                          <a:pPr algn="ctr"/>
+                          <a:endParaRPr lang="en-US" dirty="0"/>
+                        </a:p>
+                      </a:txBody>
+                      <a:tcPr/>
+                    </a:tc>
+                    <a:extLst>
+                      <a:ext uri="{0D108BD9-81ED-4DB2-BD59-A6C34878D82A}">
+                        <a16:rowId xmlns:a16="http://schemas.microsoft.com/office/drawing/2014/main" val="2584797129"/>
+                      </a:ext>
+                    </a:extLst>
+                  </a:tr>
+                  <a:tr h="280653">
+                    <a:tc>
+                      <a:txBody>
+                        <a:bodyPr/>
+                        <a:lstStyle/>
+                        <a:p>
+                          <a:endParaRPr lang="en-US"/>
+                        </a:p>
+                      </a:txBody>
+                      <a:tcPr/>
+                    </a:tc>
+                    <a:tc>
+                      <a:txBody>
+                        <a:bodyPr/>
+                        <a:lstStyle/>
+                        <a:p>
+                          <a:pPr algn="ctr"/>
+                          <a:endParaRPr lang="en-US" dirty="0"/>
+                        </a:p>
+                      </a:txBody>
+                      <a:tcPr/>
+                    </a:tc>
+                    <a:extLst>
+                      <a:ext uri="{0D108BD9-81ED-4DB2-BD59-A6C34878D82A}">
+                        <a16:rowId xmlns:a16="http://schemas.microsoft.com/office/drawing/2014/main" val="2782114930"/>
+                      </a:ext>
+                    </a:extLst>
+                  </a:tr>
+                  <a:tr h="280653">
+                    <a:tc>
+                      <a:txBody>
+                        <a:bodyPr/>
+                        <a:lstStyle/>
+                        <a:p>
+                          <a:endParaRPr lang="en-US"/>
+                        </a:p>
+                      </a:txBody>
+                      <a:tcPr/>
+                    </a:tc>
+                    <a:tc>
+                      <a:txBody>
+                        <a:bodyPr/>
+                        <a:lstStyle/>
+                        <a:p>
+                          <a:pPr algn="ctr"/>
+                          <a:endParaRPr lang="en-US"/>
+                        </a:p>
+                      </a:txBody>
+                      <a:tcPr/>
+                    </a:tc>
+                    <a:extLst>
+                      <a:ext uri="{0D108BD9-81ED-4DB2-BD59-A6C34878D82A}">
+                        <a16:rowId xmlns:a16="http://schemas.microsoft.com/office/drawing/2014/main" val="2458746661"/>
+                      </a:ext>
+                    </a:extLst>
+                  </a:tr>
+                  <a:tr h="280653">
+                    <a:tc>
+                      <a:txBody>
+                        <a:bodyPr/>
+                        <a:lstStyle/>
+                        <a:p>
+                          <a:endParaRPr lang="en-US"/>
+                        </a:p>
+                      </a:txBody>
+                      <a:tcPr/>
+                    </a:tc>
+                    <a:tc>
+                      <a:txBody>
+                        <a:bodyPr/>
+                        <a:lstStyle/>
+                        <a:p>
+                          <a:pPr algn="ctr"/>
+                          <a:endParaRPr lang="en-US" dirty="0"/>
+                        </a:p>
+                      </a:txBody>
+                      <a:tcPr/>
+                    </a:tc>
+                    <a:extLst>
+                      <a:ext uri="{0D108BD9-81ED-4DB2-BD59-A6C34878D82A}">
+                        <a16:rowId xmlns:a16="http://schemas.microsoft.com/office/drawing/2014/main" val="1827213602"/>
+                      </a:ext>
+                    </a:extLst>
+                  </a:tr>
+                  <a:tr h="280653">
+                    <a:tc>
+                      <a:txBody>
+                        <a:bodyPr/>
+                        <a:lstStyle/>
+                        <a:p>
+                          <a:endParaRPr lang="en-US"/>
+                        </a:p>
+                      </a:txBody>
+                      <a:tcPr/>
+                    </a:tc>
+                    <a:tc>
+                      <a:txBody>
+                        <a:bodyPr/>
+                        <a:lstStyle/>
+                        <a:p>
+                          <a:pPr algn="ctr"/>
+                          <a:endParaRPr lang="en-US" dirty="0"/>
+                        </a:p>
+                      </a:txBody>
+                      <a:tcPr/>
+                    </a:tc>
+                    <a:extLst>
+                      <a:ext uri="{0D108BD9-81ED-4DB2-BD59-A6C34878D82A}">
+                        <a16:rowId xmlns:a16="http://schemas.microsoft.com/office/drawing/2014/main" val="2623816108"/>
+                      </a:ext>
+                    </a:extLst>
+                  </a:tr>
+                  <a:tr h="280653">
+                    <a:tc>
+                      <a:txBody>
+                        <a:bodyPr/>
+                        <a:lstStyle/>
+                        <a:p>
+                          <a:endParaRPr lang="en-US" dirty="0"/>
+                        </a:p>
+                      </a:txBody>
+                      <a:tcPr/>
+                    </a:tc>
+                    <a:tc>
+                      <a:txBody>
+                        <a:bodyPr/>
+                        <a:lstStyle/>
+                        <a:p>
+                          <a:pPr algn="ctr"/>
+                          <a:endParaRPr lang="en-US" dirty="0"/>
+                        </a:p>
+                      </a:txBody>
+                      <a:tcPr/>
+                    </a:tc>
+                    <a:extLst>
+                      <a:ext uri="{0D108BD9-81ED-4DB2-BD59-A6C34878D82A}">
+                        <a16:rowId xmlns:a16="http://schemas.microsoft.com/office/drawing/2014/main" val="2396385500"/>
+                      </a:ext>
+                    </a:extLst>
+                  </a:tr>
+                  <a:tr h="280653">
+                    <a:tc>
+                      <a:txBody>
+                        <a:bodyPr/>
+                        <a:lstStyle/>
+                        <a:p>
+                          <a:r>
+                            <a:rPr lang="it-IT" dirty="0"/>
+                            <a:t>30</a:t>
+                          </a:r>
+                          <a:endParaRPr lang="en-US" dirty="0"/>
+                        </a:p>
+                      </a:txBody>
+                      <a:tcPr/>
+                    </a:tc>
+                    <a:tc>
+                      <a:txBody>
+                        <a:bodyPr/>
+                        <a:lstStyle/>
+                        <a:p>
+                          <a:pPr algn="ctr"/>
+                          <a14:m>
+                            <m:oMathPara xmlns:m="http://schemas.openxmlformats.org/officeDocument/2006/math">
+                              <m:oMathParaPr>
+                                <m:jc m:val="centerGroup"/>
+                              </m:oMathParaPr>
+                              <m:oMath xmlns:m="http://schemas.openxmlformats.org/officeDocument/2006/math">
+                                <m:sSub>
+                                  <m:sSubPr>
+                                    <m:ctrlPr>
+                                      <a:rPr lang="it-IT" b="0" i="1" smtClean="0">
+                                        <a:latin typeface="Cambria Math" panose="02040503050406030204" pitchFamily="18" charset="0"/>
+                                      </a:rPr>
+                                    </m:ctrlPr>
+                                  </m:sSubPr>
+                                  <m:e>
+                                    <m:r>
+                                      <a:rPr lang="it-IT" b="0" i="1" smtClean="0">
+                                        <a:latin typeface="Cambria Math" panose="02040503050406030204" pitchFamily="18" charset="0"/>
+                                      </a:rPr>
+                                      <m:t>𝑤</m:t>
+                                    </m:r>
+                                  </m:e>
+                                  <m:sub>
+                                    <m:r>
+                                      <m:rPr>
+                                        <m:sty m:val="p"/>
+                                      </m:rPr>
+                                      <a:rPr lang="it-IT" b="0" i="0" smtClean="0">
+                                        <a:latin typeface="Cambria Math" panose="02040503050406030204" pitchFamily="18" charset="0"/>
+                                      </a:rPr>
+                                      <m:t>sum</m:t>
+                                    </m:r>
+                                  </m:sub>
+                                </m:sSub>
+                                <m:r>
+                                  <a:rPr lang="it-IT" b="0" i="1" smtClean="0">
+                                    <a:latin typeface="Cambria Math" panose="02040503050406030204" pitchFamily="18" charset="0"/>
+                                  </a:rPr>
+                                  <m:t>(</m:t>
+                                </m:r>
+                                <m:r>
+                                  <a:rPr lang="it-IT" b="0" i="1" smtClean="0">
+                                    <a:latin typeface="Cambria Math" panose="02040503050406030204" pitchFamily="18" charset="0"/>
+                                  </a:rPr>
+                                  <m:t>30</m:t>
+                                </m:r>
+                                <m:r>
+                                  <a:rPr lang="it-IT" b="0" i="1" smtClean="0">
+                                    <a:latin typeface="Cambria Math" panose="02040503050406030204" pitchFamily="18" charset="0"/>
+                                  </a:rPr>
+                                  <m:t>)</m:t>
+                                </m:r>
+                              </m:oMath>
+                            </m:oMathPara>
+                          </a14:m>
+                          <a:endParaRPr lang="en-US" dirty="0"/>
+                        </a:p>
+                      </a:txBody>
+                      <a:tcPr/>
+                    </a:tc>
+                    <a:extLst>
+                      <a:ext uri="{0D108BD9-81ED-4DB2-BD59-A6C34878D82A}">
+                        <a16:rowId xmlns:a16="http://schemas.microsoft.com/office/drawing/2014/main" val="1383135423"/>
+                      </a:ext>
+                    </a:extLst>
+                  </a:tr>
+                  <a:tr h="280653">
+                    <a:tc>
+                      <a:txBody>
+                        <a:bodyPr/>
+                        <a:lstStyle/>
+                        <a:p>
+                          <a:r>
+                            <a:rPr lang="it-IT" dirty="0"/>
+                            <a:t>31</a:t>
+                          </a:r>
+                          <a:endParaRPr lang="en-US" dirty="0"/>
+                        </a:p>
+                      </a:txBody>
+                      <a:tcPr/>
+                    </a:tc>
+                    <a:tc>
+                      <a:txBody>
+                        <a:bodyPr/>
+                        <a:lstStyle/>
+                        <a:p>
+                          <a:pPr algn="ctr"/>
+                          <a14:m>
+                            <m:oMathPara xmlns:m="http://schemas.openxmlformats.org/officeDocument/2006/math">
+                              <m:oMathParaPr>
+                                <m:jc m:val="centerGroup"/>
+                              </m:oMathParaPr>
+                              <m:oMath xmlns:m="http://schemas.openxmlformats.org/officeDocument/2006/math">
+                                <m:r>
+                                  <a:rPr lang="it-IT" b="0" i="1" smtClean="0">
+                                    <a:latin typeface="Cambria Math" panose="02040503050406030204" pitchFamily="18" charset="0"/>
+                                  </a:rPr>
+                                  <m:t>𝑐𝑜𝑢𝑛𝑡𝑒𝑟</m:t>
+                                </m:r>
+                                <m:r>
+                                  <a:rPr lang="it-IT" b="0" i="1" smtClean="0">
+                                    <a:latin typeface="Cambria Math" panose="02040503050406030204" pitchFamily="18" charset="0"/>
+                                  </a:rPr>
+                                  <m:t> </m:t>
+                                </m:r>
+                                <m:r>
+                                  <a:rPr lang="it-IT" b="0" i="1" smtClean="0">
+                                    <a:latin typeface="Cambria Math" panose="02040503050406030204" pitchFamily="18" charset="0"/>
+                                  </a:rPr>
+                                  <m:t>𝑣𝑎𝑙𝑢𝑒</m:t>
+                                </m:r>
+                              </m:oMath>
+                            </m:oMathPara>
+                          </a14:m>
+                          <a:endParaRPr lang="it-IT" b="0" dirty="0"/>
+                        </a:p>
+                      </a:txBody>
+                      <a:tcPr/>
+                    </a:tc>
+                    <a:extLst>
+                      <a:ext uri="{0D108BD9-81ED-4DB2-BD59-A6C34878D82A}">
+                        <a16:rowId xmlns:a16="http://schemas.microsoft.com/office/drawing/2014/main" val="3776137944"/>
+                      </a:ext>
+                    </a:extLst>
+                  </a:tr>
+                  <a:tr h="280653">
+                    <a:tc>
+                      <a:txBody>
+                        <a:bodyPr/>
+                        <a:lstStyle/>
+                        <a:p>
+                          <a:r>
+                            <a:rPr lang="it-IT" dirty="0"/>
+                            <a:t>32</a:t>
+                          </a:r>
+                          <a:endParaRPr lang="en-US" dirty="0"/>
+                        </a:p>
+                      </a:txBody>
+                      <a:tcPr/>
+                    </a:tc>
+                    <a:tc>
+                      <a:txBody>
+                        <a:bodyPr/>
+                        <a:lstStyle/>
+                        <a:p>
+                          <a:pPr algn="ctr"/>
+                          <a14:m>
+                            <m:oMathPara xmlns:m="http://schemas.openxmlformats.org/officeDocument/2006/math">
+                              <m:oMathParaPr>
+                                <m:jc m:val="centerGroup"/>
+                              </m:oMathParaPr>
+                              <m:oMath xmlns:m="http://schemas.openxmlformats.org/officeDocument/2006/math">
+                                <m:r>
+                                  <a:rPr lang="it-IT" b="0" i="1" smtClean="0">
+                                    <a:latin typeface="Cambria Math" panose="02040503050406030204" pitchFamily="18" charset="0"/>
+                                  </a:rPr>
+                                  <m:t>𝐹𝑆𝑀</m:t>
+                                </m:r>
+                                <m:r>
+                                  <a:rPr lang="it-IT" b="0" i="1" smtClean="0">
+                                    <a:latin typeface="Cambria Math" panose="02040503050406030204" pitchFamily="18" charset="0"/>
+                                  </a:rPr>
+                                  <m:t> </m:t>
+                                </m:r>
+                                <m:r>
+                                  <a:rPr lang="it-IT" b="0" i="1" smtClean="0">
+                                    <a:latin typeface="Cambria Math" panose="02040503050406030204" pitchFamily="18" charset="0"/>
+                                  </a:rPr>
+                                  <m:t>𝑠𝑡𝑎𝑡𝑒</m:t>
+                                </m:r>
+                              </m:oMath>
+                            </m:oMathPara>
+                          </a14:m>
+                          <a:endParaRPr lang="en-US" dirty="0"/>
+                        </a:p>
+                      </a:txBody>
+                      <a:tcPr/>
+                    </a:tc>
+                    <a:extLst>
+                      <a:ext uri="{0D108BD9-81ED-4DB2-BD59-A6C34878D82A}">
+                        <a16:rowId xmlns:a16="http://schemas.microsoft.com/office/drawing/2014/main" val="602303420"/>
+                      </a:ext>
+                    </a:extLst>
+                  </a:tr>
+                </a:tbl>
+              </a:graphicData>
+            </a:graphic>
+          </p:graphicFrame>
+        </mc:Choice>
+        <mc:Fallback>
+          <p:graphicFrame>
+            <p:nvGraphicFramePr>
+              <p:cNvPr id="31" name="Table 30">
+                <a:extLst>
+                  <a:ext uri="{FF2B5EF4-FFF2-40B4-BE49-F238E27FC236}">
+                    <a16:creationId xmlns:a16="http://schemas.microsoft.com/office/drawing/2014/main" id="{9440CE54-5CD9-C126-02FF-C786F2658D31}"/>
+                  </a:ext>
+                </a:extLst>
+              </p:cNvPr>
+              <p:cNvGraphicFramePr>
+                <a:graphicFrameLocks noGrp="1"/>
+              </p:cNvGraphicFramePr>
+              <p:nvPr>
+                <p:extLst>
+                  <p:ext uri="{D42A27DB-BD31-4B8C-83A1-F6EECF244321}">
+                    <p14:modId xmlns:p14="http://schemas.microsoft.com/office/powerpoint/2010/main" val="4125828212"/>
+                  </p:ext>
+                </p:extLst>
+              </p:nvPr>
+            </p:nvGraphicFramePr>
+            <p:xfrm>
+              <a:off x="7778118" y="1905297"/>
+              <a:ext cx="3266141" cy="4389120"/>
+            </p:xfrm>
+            <a:graphic>
+              <a:graphicData uri="http://schemas.openxmlformats.org/drawingml/2006/table">
+                <a:tbl>
+                  <a:tblPr firstRow="1" bandRow="1">
+                    <a:tableStyleId>{5C22544A-7EE6-4342-B048-85BDC9FD1C3A}</a:tableStyleId>
+                  </a:tblPr>
+                  <a:tblGrid>
+                    <a:gridCol w="553094">
+                      <a:extLst>
+                        <a:ext uri="{9D8B030D-6E8A-4147-A177-3AD203B41FA5}">
+                          <a16:colId xmlns:a16="http://schemas.microsoft.com/office/drawing/2014/main" val="1309924922"/>
+                        </a:ext>
+                      </a:extLst>
+                    </a:gridCol>
+                    <a:gridCol w="2713047">
+                      <a:extLst>
+                        <a:ext uri="{9D8B030D-6E8A-4147-A177-3AD203B41FA5}">
+                          <a16:colId xmlns:a16="http://schemas.microsoft.com/office/drawing/2014/main" val="935044674"/>
+                        </a:ext>
+                      </a:extLst>
+                    </a:gridCol>
+                  </a:tblGrid>
+                  <a:tr h="365760">
+                    <a:tc>
+                      <a:txBody>
+                        <a:bodyPr/>
+                        <a:lstStyle/>
+                        <a:p>
+                          <a:r>
+                            <a:rPr lang="it-IT" dirty="0"/>
+                            <a:t>0</a:t>
+                          </a:r>
+                          <a:endParaRPr lang="en-US" dirty="0"/>
+                        </a:p>
+                      </a:txBody>
+                      <a:tcPr/>
+                    </a:tc>
+                    <a:tc>
+                      <a:txBody>
+                        <a:bodyPr/>
+                        <a:lstStyle/>
+                        <a:p>
+                          <a:pPr algn="ctr"/>
+                          <a:endParaRPr lang="en-US" dirty="0"/>
+                        </a:p>
+                      </a:txBody>
+                      <a:tcPr/>
+                    </a:tc>
+                    <a:extLst>
+                      <a:ext uri="{0D108BD9-81ED-4DB2-BD59-A6C34878D82A}">
+                        <a16:rowId xmlns:a16="http://schemas.microsoft.com/office/drawing/2014/main" val="175597731"/>
+                      </a:ext>
+                    </a:extLst>
+                  </a:tr>
+                  <a:tr h="365760">
+                    <a:tc>
+                      <a:txBody>
+                        <a:bodyPr/>
+                        <a:lstStyle/>
+                        <a:p>
+                          <a:r>
+                            <a:rPr lang="it-IT" dirty="0"/>
+                            <a:t>1</a:t>
+                          </a:r>
+                          <a:endParaRPr lang="en-US" dirty="0"/>
+                        </a:p>
+                      </a:txBody>
+                      <a:tcPr/>
+                    </a:tc>
+                    <a:tc>
+                      <a:txBody>
+                        <a:bodyPr/>
+                        <a:lstStyle/>
+                        <a:p>
+                          <a:endParaRPr lang="en-US"/>
+                        </a:p>
+                      </a:txBody>
+                      <a:tcPr>
+                        <a:blipFill>
+                          <a:blip r:embed="rId4"/>
+                          <a:stretch>
+                            <a:fillRect l="-20628" t="-106667" r="-897" b="-1028333"/>
+                          </a:stretch>
+                        </a:blipFill>
+                      </a:tcPr>
+                    </a:tc>
+                    <a:extLst>
+                      <a:ext uri="{0D108BD9-81ED-4DB2-BD59-A6C34878D82A}">
+                        <a16:rowId xmlns:a16="http://schemas.microsoft.com/office/drawing/2014/main" val="10764930"/>
+                      </a:ext>
+                    </a:extLst>
+                  </a:tr>
+                  <a:tr h="365760">
+                    <a:tc>
+                      <a:txBody>
+                        <a:bodyPr/>
+                        <a:lstStyle/>
+                        <a:p>
+                          <a:r>
+                            <a:rPr lang="it-IT" dirty="0"/>
+                            <a:t>2</a:t>
+                          </a:r>
+                          <a:endParaRPr lang="en-US" dirty="0"/>
+                        </a:p>
+                      </a:txBody>
+                      <a:tcPr/>
+                    </a:tc>
+                    <a:tc>
+                      <a:txBody>
+                        <a:bodyPr/>
+                        <a:lstStyle/>
+                        <a:p>
+                          <a:endParaRPr lang="en-US"/>
+                        </a:p>
+                      </a:txBody>
+                      <a:tcPr>
+                        <a:blipFill>
+                          <a:blip r:embed="rId4"/>
+                          <a:stretch>
+                            <a:fillRect l="-20628" t="-206667" r="-897" b="-928333"/>
+                          </a:stretch>
+                        </a:blipFill>
+                      </a:tcPr>
+                    </a:tc>
+                    <a:extLst>
+                      <a:ext uri="{0D108BD9-81ED-4DB2-BD59-A6C34878D82A}">
+                        <a16:rowId xmlns:a16="http://schemas.microsoft.com/office/drawing/2014/main" val="2033447407"/>
+                      </a:ext>
+                    </a:extLst>
+                  </a:tr>
+                  <a:tr h="365760">
+                    <a:tc>
+                      <a:txBody>
+                        <a:bodyPr/>
+                        <a:lstStyle/>
+                        <a:p>
+                          <a:endParaRPr lang="en-US"/>
+                        </a:p>
+                      </a:txBody>
+                      <a:tcPr/>
+                    </a:tc>
+                    <a:tc>
+                      <a:txBody>
+                        <a:bodyPr/>
+                        <a:lstStyle/>
+                        <a:p>
+                          <a:pPr algn="ctr"/>
+                          <a:endParaRPr lang="en-US" dirty="0"/>
+                        </a:p>
+                      </a:txBody>
+                      <a:tcPr/>
+                    </a:tc>
+                    <a:extLst>
+                      <a:ext uri="{0D108BD9-81ED-4DB2-BD59-A6C34878D82A}">
+                        <a16:rowId xmlns:a16="http://schemas.microsoft.com/office/drawing/2014/main" val="2584797129"/>
+                      </a:ext>
+                    </a:extLst>
+                  </a:tr>
+                  <a:tr h="365760">
+                    <a:tc>
+                      <a:txBody>
+                        <a:bodyPr/>
+                        <a:lstStyle/>
+                        <a:p>
+                          <a:endParaRPr lang="en-US"/>
+                        </a:p>
+                      </a:txBody>
+                      <a:tcPr/>
+                    </a:tc>
+                    <a:tc>
+                      <a:txBody>
+                        <a:bodyPr/>
+                        <a:lstStyle/>
+                        <a:p>
+                          <a:pPr algn="ctr"/>
+                          <a:endParaRPr lang="en-US" dirty="0"/>
+                        </a:p>
+                      </a:txBody>
+                      <a:tcPr/>
+                    </a:tc>
+                    <a:extLst>
+                      <a:ext uri="{0D108BD9-81ED-4DB2-BD59-A6C34878D82A}">
+                        <a16:rowId xmlns:a16="http://schemas.microsoft.com/office/drawing/2014/main" val="2782114930"/>
+                      </a:ext>
+                    </a:extLst>
+                  </a:tr>
+                  <a:tr h="365760">
+                    <a:tc>
+                      <a:txBody>
+                        <a:bodyPr/>
+                        <a:lstStyle/>
+                        <a:p>
+                          <a:endParaRPr lang="en-US"/>
+                        </a:p>
+                      </a:txBody>
+                      <a:tcPr/>
+                    </a:tc>
+                    <a:tc>
+                      <a:txBody>
+                        <a:bodyPr/>
+                        <a:lstStyle/>
+                        <a:p>
+                          <a:pPr algn="ctr"/>
+                          <a:endParaRPr lang="en-US"/>
+                        </a:p>
+                      </a:txBody>
+                      <a:tcPr/>
+                    </a:tc>
+                    <a:extLst>
+                      <a:ext uri="{0D108BD9-81ED-4DB2-BD59-A6C34878D82A}">
+                        <a16:rowId xmlns:a16="http://schemas.microsoft.com/office/drawing/2014/main" val="2458746661"/>
+                      </a:ext>
+                    </a:extLst>
+                  </a:tr>
+                  <a:tr h="365760">
+                    <a:tc>
+                      <a:txBody>
+                        <a:bodyPr/>
+                        <a:lstStyle/>
+                        <a:p>
+                          <a:endParaRPr lang="en-US"/>
+                        </a:p>
+                      </a:txBody>
+                      <a:tcPr/>
+                    </a:tc>
+                    <a:tc>
+                      <a:txBody>
+                        <a:bodyPr/>
+                        <a:lstStyle/>
+                        <a:p>
+                          <a:pPr algn="ctr"/>
+                          <a:endParaRPr lang="en-US" dirty="0"/>
+                        </a:p>
+                      </a:txBody>
+                      <a:tcPr/>
+                    </a:tc>
+                    <a:extLst>
+                      <a:ext uri="{0D108BD9-81ED-4DB2-BD59-A6C34878D82A}">
+                        <a16:rowId xmlns:a16="http://schemas.microsoft.com/office/drawing/2014/main" val="1827213602"/>
+                      </a:ext>
+                    </a:extLst>
+                  </a:tr>
+                  <a:tr h="365760">
+                    <a:tc>
+                      <a:txBody>
+                        <a:bodyPr/>
+                        <a:lstStyle/>
+                        <a:p>
+                          <a:endParaRPr lang="en-US"/>
+                        </a:p>
+                      </a:txBody>
+                      <a:tcPr/>
+                    </a:tc>
+                    <a:tc>
+                      <a:txBody>
+                        <a:bodyPr/>
+                        <a:lstStyle/>
+                        <a:p>
+                          <a:pPr algn="ctr"/>
+                          <a:endParaRPr lang="en-US" dirty="0"/>
+                        </a:p>
+                      </a:txBody>
+                      <a:tcPr/>
+                    </a:tc>
+                    <a:extLst>
+                      <a:ext uri="{0D108BD9-81ED-4DB2-BD59-A6C34878D82A}">
+                        <a16:rowId xmlns:a16="http://schemas.microsoft.com/office/drawing/2014/main" val="2623816108"/>
+                      </a:ext>
+                    </a:extLst>
+                  </a:tr>
+                  <a:tr h="365760">
+                    <a:tc>
+                      <a:txBody>
+                        <a:bodyPr/>
+                        <a:lstStyle/>
+                        <a:p>
+                          <a:endParaRPr lang="en-US" dirty="0"/>
+                        </a:p>
+                      </a:txBody>
+                      <a:tcPr/>
+                    </a:tc>
+                    <a:tc>
+                      <a:txBody>
+                        <a:bodyPr/>
+                        <a:lstStyle/>
+                        <a:p>
+                          <a:pPr algn="ctr"/>
+                          <a:endParaRPr lang="en-US" dirty="0"/>
+                        </a:p>
+                      </a:txBody>
+                      <a:tcPr/>
+                    </a:tc>
+                    <a:extLst>
+                      <a:ext uri="{0D108BD9-81ED-4DB2-BD59-A6C34878D82A}">
+                        <a16:rowId xmlns:a16="http://schemas.microsoft.com/office/drawing/2014/main" val="2396385500"/>
+                      </a:ext>
+                    </a:extLst>
+                  </a:tr>
+                  <a:tr h="365760">
+                    <a:tc>
+                      <a:txBody>
+                        <a:bodyPr/>
+                        <a:lstStyle/>
+                        <a:p>
+                          <a:r>
+                            <a:rPr lang="it-IT" dirty="0"/>
+                            <a:t>30</a:t>
+                          </a:r>
+                          <a:endParaRPr lang="en-US" dirty="0"/>
+                        </a:p>
+                      </a:txBody>
+                      <a:tcPr/>
+                    </a:tc>
+                    <a:tc>
+                      <a:txBody>
+                        <a:bodyPr/>
+                        <a:lstStyle/>
+                        <a:p>
+                          <a:endParaRPr lang="en-US"/>
+                        </a:p>
+                      </a:txBody>
+                      <a:tcPr>
+                        <a:blipFill>
+                          <a:blip r:embed="rId4"/>
+                          <a:stretch>
+                            <a:fillRect l="-20628" t="-908333" r="-897" b="-226667"/>
+                          </a:stretch>
+                        </a:blipFill>
+                      </a:tcPr>
+                    </a:tc>
+                    <a:extLst>
+                      <a:ext uri="{0D108BD9-81ED-4DB2-BD59-A6C34878D82A}">
+                        <a16:rowId xmlns:a16="http://schemas.microsoft.com/office/drawing/2014/main" val="1383135423"/>
+                      </a:ext>
+                    </a:extLst>
+                  </a:tr>
+                  <a:tr h="365760">
+                    <a:tc>
+                      <a:txBody>
+                        <a:bodyPr/>
+                        <a:lstStyle/>
+                        <a:p>
+                          <a:r>
+                            <a:rPr lang="it-IT" dirty="0"/>
+                            <a:t>31</a:t>
+                          </a:r>
+                          <a:endParaRPr lang="en-US" dirty="0"/>
+                        </a:p>
+                      </a:txBody>
+                      <a:tcPr/>
+                    </a:tc>
+                    <a:tc>
+                      <a:txBody>
+                        <a:bodyPr/>
+                        <a:lstStyle/>
+                        <a:p>
+                          <a:endParaRPr lang="en-US"/>
+                        </a:p>
+                      </a:txBody>
+                      <a:tcPr>
+                        <a:blipFill>
+                          <a:blip r:embed="rId4"/>
+                          <a:stretch>
+                            <a:fillRect l="-20628" t="-1008333" r="-897" b="-126667"/>
+                          </a:stretch>
+                        </a:blipFill>
+                      </a:tcPr>
+                    </a:tc>
+                    <a:extLst>
+                      <a:ext uri="{0D108BD9-81ED-4DB2-BD59-A6C34878D82A}">
+                        <a16:rowId xmlns:a16="http://schemas.microsoft.com/office/drawing/2014/main" val="3776137944"/>
+                      </a:ext>
+                    </a:extLst>
+                  </a:tr>
+                  <a:tr h="365760">
+                    <a:tc>
+                      <a:txBody>
+                        <a:bodyPr/>
+                        <a:lstStyle/>
+                        <a:p>
+                          <a:r>
+                            <a:rPr lang="it-IT" dirty="0"/>
+                            <a:t>32</a:t>
+                          </a:r>
+                          <a:endParaRPr lang="en-US" dirty="0"/>
+                        </a:p>
+                      </a:txBody>
+                      <a:tcPr/>
+                    </a:tc>
+                    <a:tc>
+                      <a:txBody>
+                        <a:bodyPr/>
+                        <a:lstStyle/>
+                        <a:p>
+                          <a:endParaRPr lang="en-US"/>
+                        </a:p>
+                      </a:txBody>
+                      <a:tcPr>
+                        <a:blipFill>
+                          <a:blip r:embed="rId4"/>
+                          <a:stretch>
+                            <a:fillRect l="-20628" t="-1108333" r="-897" b="-26667"/>
+                          </a:stretch>
+                        </a:blipFill>
+                      </a:tcPr>
+                    </a:tc>
+                    <a:extLst>
+                      <a:ext uri="{0D108BD9-81ED-4DB2-BD59-A6C34878D82A}">
+                        <a16:rowId xmlns:a16="http://schemas.microsoft.com/office/drawing/2014/main" val="602303420"/>
+                      </a:ext>
+                    </a:extLst>
+                  </a:tr>
+                </a:tbl>
+              </a:graphicData>
+            </a:graphic>
+          </p:graphicFrame>
+        </mc:Fallback>
+      </mc:AlternateContent>
     </p:spTree>
     <p:extLst>
       <p:ext uri="{BB962C8B-B14F-4D97-AF65-F5344CB8AC3E}">
@@ -25911,10 +28102,10 @@
       </p:cxnSp>
       <p:sp>
         <p:nvSpPr>
-          <p:cNvPr id="18" name="Rectangle 17">
+          <p:cNvPr id="3" name="Rectangle 2">
             <a:extLst>
               <a:ext uri="{FF2B5EF4-FFF2-40B4-BE49-F238E27FC236}">
-                <a16:creationId xmlns:a16="http://schemas.microsoft.com/office/drawing/2014/main" id="{994CB213-E2D4-2E3C-9910-F66F6A2A4F6B}"/>
+                <a16:creationId xmlns:a16="http://schemas.microsoft.com/office/drawing/2014/main" id="{85B11646-7FCC-55A7-C8EA-09C9A6793322}"/>
               </a:ext>
             </a:extLst>
           </p:cNvPr>
@@ -25923,8 +28114,8 @@
         </p:nvSpPr>
         <p:spPr>
           <a:xfrm>
-            <a:off x="3066314" y="1849921"/>
-            <a:ext cx="1027789" cy="291881"/>
+            <a:off x="3093637" y="1987869"/>
+            <a:ext cx="1027789" cy="171450"/>
           </a:xfrm>
           <a:prstGeom prst="rect">
             <a:avLst/>
@@ -25965,7 +28156,7 @@
                   <a:srgbClr val="FF0000"/>
                 </a:solidFill>
               </a:rPr>
-              <a:t>PREVIOUSLY_ACTIVE</a:t>
+              <a:t>OUT_V_SET</a:t>
             </a:r>
             <a:endParaRPr lang="en-US" sz="800" dirty="0">
               <a:solidFill>
@@ -25977,10 +28168,10 @@
       </p:sp>
       <p:sp>
         <p:nvSpPr>
-          <p:cNvPr id="19" name="Rectangle 18">
+          <p:cNvPr id="9" name="Rectangle 8">
             <a:extLst>
               <a:ext uri="{FF2B5EF4-FFF2-40B4-BE49-F238E27FC236}">
-                <a16:creationId xmlns:a16="http://schemas.microsoft.com/office/drawing/2014/main" id="{D07C3A0F-A66E-CCB7-C5D4-7AF3738FCDCC}"/>
+                <a16:creationId xmlns:a16="http://schemas.microsoft.com/office/drawing/2014/main" id="{735ABCDB-7BBB-62D8-C8C2-B51B426EC59B}"/>
               </a:ext>
             </a:extLst>
           </p:cNvPr>
@@ -25989,8 +28180,8 @@
         </p:nvSpPr>
         <p:spPr>
           <a:xfrm>
-            <a:off x="4348792" y="1879244"/>
-            <a:ext cx="1027789" cy="291881"/>
+            <a:off x="6284097" y="1995659"/>
+            <a:ext cx="1027789" cy="171450"/>
           </a:xfrm>
           <a:prstGeom prst="rect">
             <a:avLst/>
@@ -26031,7 +28222,7 @@
                   <a:srgbClr val="FF0000"/>
                 </a:solidFill>
               </a:rPr>
-              <a:t>CURRENTLY ACTIVE</a:t>
+              <a:t>OUT_V_SET</a:t>
             </a:r>
             <a:endParaRPr lang="en-US" sz="800" dirty="0">
               <a:solidFill>
@@ -26043,10 +28234,10 @@
       </p:sp>
       <p:sp>
         <p:nvSpPr>
-          <p:cNvPr id="20" name="Rectangle 19">
+          <p:cNvPr id="11" name="Rectangle 10">
             <a:extLst>
               <a:ext uri="{FF2B5EF4-FFF2-40B4-BE49-F238E27FC236}">
-                <a16:creationId xmlns:a16="http://schemas.microsoft.com/office/drawing/2014/main" id="{8BDA5ABC-CE6F-E09F-7C58-FF3E1B8C463C}"/>
+                <a16:creationId xmlns:a16="http://schemas.microsoft.com/office/drawing/2014/main" id="{978110DB-152F-16B2-E808-C7644DCB00BF}"/>
               </a:ext>
             </a:extLst>
           </p:cNvPr>
@@ -26055,8 +28246,8 @@
         </p:nvSpPr>
         <p:spPr>
           <a:xfrm>
-            <a:off x="1135139" y="1849921"/>
-            <a:ext cx="1027789" cy="291881"/>
+            <a:off x="9367956" y="1987869"/>
+            <a:ext cx="1027789" cy="171450"/>
           </a:xfrm>
           <a:prstGeom prst="rect">
             <a:avLst/>
@@ -26097,7 +28288,7 @@
                   <a:srgbClr val="FF0000"/>
                 </a:solidFill>
               </a:rPr>
-              <a:t>CURRENTLY ACTIVE</a:t>
+              <a:t>OUT_V_SET</a:t>
             </a:r>
             <a:endParaRPr lang="en-US" sz="800" dirty="0">
               <a:solidFill>
@@ -26107,404 +28298,6 @@
           </a:p>
         </p:txBody>
       </p:sp>
-      <p:sp>
-        <p:nvSpPr>
-          <p:cNvPr id="21" name="Rectangle 20">
-            <a:extLst>
-              <a:ext uri="{FF2B5EF4-FFF2-40B4-BE49-F238E27FC236}">
-                <a16:creationId xmlns:a16="http://schemas.microsoft.com/office/drawing/2014/main" id="{ADA68ABA-AAC7-562C-0255-C29C7A82D530}"/>
-              </a:ext>
-            </a:extLst>
-          </p:cNvPr>
-          <p:cNvSpPr/>
-          <p:nvPr/>
-        </p:nvSpPr>
-        <p:spPr>
-          <a:xfrm>
-            <a:off x="6272363" y="1890098"/>
-            <a:ext cx="1027789" cy="291881"/>
-          </a:xfrm>
-          <a:prstGeom prst="rect">
-            <a:avLst/>
-          </a:prstGeom>
-          <a:solidFill>
-            <a:srgbClr val="FFFF00"/>
-          </a:solidFill>
-          <a:ln>
-            <a:solidFill>
-              <a:schemeClr val="bg1"/>
-            </a:solidFill>
-          </a:ln>
-        </p:spPr>
-        <p:style>
-          <a:lnRef idx="2">
-            <a:schemeClr val="accent1">
-              <a:shade val="50000"/>
-            </a:schemeClr>
-          </a:lnRef>
-          <a:fillRef idx="1">
-            <a:schemeClr val="accent1"/>
-          </a:fillRef>
-          <a:effectRef idx="0">
-            <a:schemeClr val="accent1"/>
-          </a:effectRef>
-          <a:fontRef idx="minor">
-            <a:schemeClr val="lt1"/>
-          </a:fontRef>
-        </p:style>
-        <p:txBody>
-          <a:bodyPr rtlCol="0" anchor="ctr"/>
-          <a:lstStyle/>
-          <a:p>
-            <a:pPr algn="ctr"/>
-            <a:r>
-              <a:rPr lang="it-IT" sz="800" dirty="0">
-                <a:solidFill>
-                  <a:srgbClr val="FF0000"/>
-                </a:solidFill>
-              </a:rPr>
-              <a:t>PREVIOUSLY_ACTIVE</a:t>
-            </a:r>
-            <a:endParaRPr lang="en-US" sz="800" dirty="0">
-              <a:solidFill>
-                <a:srgbClr val="FF0000"/>
-              </a:solidFill>
-            </a:endParaRPr>
-          </a:p>
-        </p:txBody>
-      </p:sp>
-      <p:sp>
-        <p:nvSpPr>
-          <p:cNvPr id="22" name="Rectangle 21">
-            <a:extLst>
-              <a:ext uri="{FF2B5EF4-FFF2-40B4-BE49-F238E27FC236}">
-                <a16:creationId xmlns:a16="http://schemas.microsoft.com/office/drawing/2014/main" id="{67400519-DD0E-8359-B8B8-4659BC6CDAD8}"/>
-              </a:ext>
-            </a:extLst>
-          </p:cNvPr>
-          <p:cNvSpPr/>
-          <p:nvPr/>
-        </p:nvSpPr>
-        <p:spPr>
-          <a:xfrm>
-            <a:off x="9150464" y="1864888"/>
-            <a:ext cx="1027789" cy="291881"/>
-          </a:xfrm>
-          <a:prstGeom prst="rect">
-            <a:avLst/>
-          </a:prstGeom>
-          <a:solidFill>
-            <a:srgbClr val="FFFF00"/>
-          </a:solidFill>
-          <a:ln>
-            <a:solidFill>
-              <a:schemeClr val="bg1"/>
-            </a:solidFill>
-          </a:ln>
-        </p:spPr>
-        <p:style>
-          <a:lnRef idx="2">
-            <a:schemeClr val="accent1">
-              <a:shade val="50000"/>
-            </a:schemeClr>
-          </a:lnRef>
-          <a:fillRef idx="1">
-            <a:schemeClr val="accent1"/>
-          </a:fillRef>
-          <a:effectRef idx="0">
-            <a:schemeClr val="accent1"/>
-          </a:effectRef>
-          <a:fontRef idx="minor">
-            <a:schemeClr val="lt1"/>
-          </a:fontRef>
-        </p:style>
-        <p:txBody>
-          <a:bodyPr rtlCol="0" anchor="ctr"/>
-          <a:lstStyle/>
-          <a:p>
-            <a:pPr algn="ctr"/>
-            <a:r>
-              <a:rPr lang="it-IT" sz="800" dirty="0">
-                <a:solidFill>
-                  <a:srgbClr val="FF0000"/>
-                </a:solidFill>
-              </a:rPr>
-              <a:t>PREVIOUSLY_ACTIVE</a:t>
-            </a:r>
-            <a:endParaRPr lang="en-US" sz="800" dirty="0">
-              <a:solidFill>
-                <a:srgbClr val="FF0000"/>
-              </a:solidFill>
-            </a:endParaRPr>
-          </a:p>
-        </p:txBody>
-      </p:sp>
-      <p:sp>
-        <p:nvSpPr>
-          <p:cNvPr id="23" name="Rectangle 22">
-            <a:extLst>
-              <a:ext uri="{FF2B5EF4-FFF2-40B4-BE49-F238E27FC236}">
-                <a16:creationId xmlns:a16="http://schemas.microsoft.com/office/drawing/2014/main" id="{C6F4DC67-80EF-72EA-9288-2632EEF92228}"/>
-              </a:ext>
-            </a:extLst>
-          </p:cNvPr>
-          <p:cNvSpPr/>
-          <p:nvPr/>
-        </p:nvSpPr>
-        <p:spPr>
-          <a:xfrm>
-            <a:off x="7481499" y="1890098"/>
-            <a:ext cx="1027789" cy="291881"/>
-          </a:xfrm>
-          <a:prstGeom prst="rect">
-            <a:avLst/>
-          </a:prstGeom>
-          <a:solidFill>
-            <a:srgbClr val="FFFF00"/>
-          </a:solidFill>
-          <a:ln>
-            <a:solidFill>
-              <a:schemeClr val="bg1"/>
-            </a:solidFill>
-          </a:ln>
-        </p:spPr>
-        <p:style>
-          <a:lnRef idx="2">
-            <a:schemeClr val="accent1">
-              <a:shade val="50000"/>
-            </a:schemeClr>
-          </a:lnRef>
-          <a:fillRef idx="1">
-            <a:schemeClr val="accent1"/>
-          </a:fillRef>
-          <a:effectRef idx="0">
-            <a:schemeClr val="accent1"/>
-          </a:effectRef>
-          <a:fontRef idx="minor">
-            <a:schemeClr val="lt1"/>
-          </a:fontRef>
-        </p:style>
-        <p:txBody>
-          <a:bodyPr rtlCol="0" anchor="ctr"/>
-          <a:lstStyle/>
-          <a:p>
-            <a:pPr algn="ctr"/>
-            <a:r>
-              <a:rPr lang="it-IT" sz="800" dirty="0">
-                <a:solidFill>
-                  <a:srgbClr val="FF0000"/>
-                </a:solidFill>
-              </a:rPr>
-              <a:t>CURRENTLY ACTIVE</a:t>
-            </a:r>
-            <a:endParaRPr lang="en-US" sz="800" dirty="0">
-              <a:solidFill>
-                <a:srgbClr val="FF0000"/>
-              </a:solidFill>
-            </a:endParaRPr>
-          </a:p>
-        </p:txBody>
-      </p:sp>
-      <p:cxnSp>
-        <p:nvCxnSpPr>
-          <p:cNvPr id="33" name="Straight Arrow Connector 32">
-            <a:extLst>
-              <a:ext uri="{FF2B5EF4-FFF2-40B4-BE49-F238E27FC236}">
-                <a16:creationId xmlns:a16="http://schemas.microsoft.com/office/drawing/2014/main" id="{33B6B607-8789-D83A-549E-99C35BFC3757}"/>
-              </a:ext>
-            </a:extLst>
-          </p:cNvPr>
-          <p:cNvCxnSpPr>
-            <a:cxnSpLocks/>
-            <a:endCxn id="18" idx="3"/>
-          </p:cNvCxnSpPr>
-          <p:nvPr/>
-        </p:nvCxnSpPr>
-        <p:spPr>
-          <a:xfrm flipH="1" flipV="1">
-            <a:off x="4094103" y="1995862"/>
-            <a:ext cx="257135" cy="29322"/>
-          </a:xfrm>
-          <a:prstGeom prst="straightConnector1">
-            <a:avLst/>
-          </a:prstGeom>
-          <a:ln w="28575">
-            <a:solidFill>
-              <a:srgbClr val="FF0000"/>
-            </a:solidFill>
-            <a:tailEnd type="triangle"/>
-          </a:ln>
-        </p:spPr>
-        <p:style>
-          <a:lnRef idx="1">
-            <a:schemeClr val="dk1"/>
-          </a:lnRef>
-          <a:fillRef idx="0">
-            <a:schemeClr val="dk1"/>
-          </a:fillRef>
-          <a:effectRef idx="0">
-            <a:schemeClr val="dk1"/>
-          </a:effectRef>
-          <a:fontRef idx="minor">
-            <a:schemeClr val="tx1"/>
-          </a:fontRef>
-        </p:style>
-      </p:cxnSp>
-      <p:cxnSp>
-        <p:nvCxnSpPr>
-          <p:cNvPr id="41" name="Straight Arrow Connector 40">
-            <a:extLst>
-              <a:ext uri="{FF2B5EF4-FFF2-40B4-BE49-F238E27FC236}">
-                <a16:creationId xmlns:a16="http://schemas.microsoft.com/office/drawing/2014/main" id="{6C055353-9A66-58A8-AE2F-5C516CBEF792}"/>
-              </a:ext>
-            </a:extLst>
-          </p:cNvPr>
-          <p:cNvCxnSpPr>
-            <a:cxnSpLocks/>
-          </p:cNvCxnSpPr>
-          <p:nvPr/>
-        </p:nvCxnSpPr>
-        <p:spPr>
-          <a:xfrm flipH="1" flipV="1">
-            <a:off x="7225395" y="2036038"/>
-            <a:ext cx="301357" cy="1"/>
-          </a:xfrm>
-          <a:prstGeom prst="straightConnector1">
-            <a:avLst/>
-          </a:prstGeom>
-          <a:ln w="28575">
-            <a:solidFill>
-              <a:srgbClr val="FF0000"/>
-            </a:solidFill>
-            <a:tailEnd type="triangle"/>
-          </a:ln>
-        </p:spPr>
-        <p:style>
-          <a:lnRef idx="1">
-            <a:schemeClr val="dk1"/>
-          </a:lnRef>
-          <a:fillRef idx="0">
-            <a:schemeClr val="dk1"/>
-          </a:fillRef>
-          <a:effectRef idx="0">
-            <a:schemeClr val="dk1"/>
-          </a:effectRef>
-          <a:fontRef idx="minor">
-            <a:schemeClr val="tx1"/>
-          </a:fontRef>
-        </p:style>
-      </p:cxnSp>
-      <p:sp>
-        <p:nvSpPr>
-          <p:cNvPr id="45" name="Rectangle 44">
-            <a:extLst>
-              <a:ext uri="{FF2B5EF4-FFF2-40B4-BE49-F238E27FC236}">
-                <a16:creationId xmlns:a16="http://schemas.microsoft.com/office/drawing/2014/main" id="{3DF3CC11-3B63-2F33-6FF9-0A18ED5184B8}"/>
-              </a:ext>
-            </a:extLst>
-          </p:cNvPr>
-          <p:cNvSpPr/>
-          <p:nvPr/>
-        </p:nvSpPr>
-        <p:spPr>
-          <a:xfrm>
-            <a:off x="10758986" y="1555640"/>
-            <a:ext cx="1027789" cy="291881"/>
-          </a:xfrm>
-          <a:prstGeom prst="rect">
-            <a:avLst/>
-          </a:prstGeom>
-          <a:solidFill>
-            <a:srgbClr val="FFFF00"/>
-          </a:solidFill>
-          <a:ln>
-            <a:solidFill>
-              <a:schemeClr val="bg1"/>
-            </a:solidFill>
-          </a:ln>
-        </p:spPr>
-        <p:style>
-          <a:lnRef idx="2">
-            <a:schemeClr val="accent1">
-              <a:shade val="50000"/>
-            </a:schemeClr>
-          </a:lnRef>
-          <a:fillRef idx="1">
-            <a:schemeClr val="accent1"/>
-          </a:fillRef>
-          <a:effectRef idx="0">
-            <a:schemeClr val="accent1"/>
-          </a:effectRef>
-          <a:fontRef idx="minor">
-            <a:schemeClr val="lt1"/>
-          </a:fontRef>
-        </p:style>
-        <p:txBody>
-          <a:bodyPr rtlCol="0" anchor="ctr"/>
-          <a:lstStyle/>
-          <a:p>
-            <a:pPr algn="ctr"/>
-            <a:r>
-              <a:rPr lang="it-IT" sz="800" dirty="0">
-                <a:solidFill>
-                  <a:srgbClr val="FF0000"/>
-                </a:solidFill>
-              </a:rPr>
-              <a:t>PREVIIOUSLY_ACTIVE</a:t>
-            </a:r>
-            <a:endParaRPr lang="en-US" sz="800" dirty="0">
-              <a:solidFill>
-                <a:srgbClr val="FF0000"/>
-              </a:solidFill>
-            </a:endParaRPr>
-          </a:p>
-        </p:txBody>
-      </p:sp>
-      <p:cxnSp>
-        <p:nvCxnSpPr>
-          <p:cNvPr id="47" name="Straight Arrow Connector 46">
-            <a:extLst>
-              <a:ext uri="{FF2B5EF4-FFF2-40B4-BE49-F238E27FC236}">
-                <a16:creationId xmlns:a16="http://schemas.microsoft.com/office/drawing/2014/main" id="{6950FCC3-B3B0-F0FF-5CA7-4A2D68C4E41D}"/>
-              </a:ext>
-            </a:extLst>
-          </p:cNvPr>
-          <p:cNvCxnSpPr>
-            <a:cxnSpLocks/>
-            <a:endCxn id="22" idx="3"/>
-          </p:cNvCxnSpPr>
-          <p:nvPr/>
-        </p:nvCxnSpPr>
-        <p:spPr>
-          <a:xfrm flipH="1">
-            <a:off x="10178253" y="1701581"/>
-            <a:ext cx="598071" cy="309248"/>
-          </a:xfrm>
-          <a:prstGeom prst="straightConnector1">
-            <a:avLst/>
-          </a:prstGeom>
-          <a:ln w="28575">
-            <a:solidFill>
-              <a:srgbClr val="FF0000"/>
-            </a:solidFill>
-            <a:tailEnd type="triangle"/>
-          </a:ln>
-        </p:spPr>
-        <p:style>
-          <a:lnRef idx="1">
-            <a:schemeClr val="dk1"/>
-          </a:lnRef>
-          <a:fillRef idx="0">
-            <a:schemeClr val="dk1"/>
-          </a:fillRef>
-          <a:effectRef idx="0">
-            <a:schemeClr val="dk1"/>
-          </a:effectRef>
-          <a:fontRef idx="minor">
-            <a:schemeClr val="tx1"/>
-          </a:fontRef>
-        </p:style>
-      </p:cxnSp>
     </p:spTree>
     <p:extLst>
       <p:ext uri="{BB962C8B-B14F-4D97-AF65-F5344CB8AC3E}">
